--- a/Presentation/Project-1_Group-8_Presentation-US_Housing_Market.pptx
+++ b/Presentation/Project-1_Group-8_Presentation-US_Housing_Market.pptx
@@ -2,10 +2,11 @@
 <file path=ppt/presentation.xml><?xml version="1.0" encoding="utf-8"?>
 <p:presentation xmlns:a="http://schemas.openxmlformats.org/drawingml/2006/main" xmlns:r="http://schemas.openxmlformats.org/officeDocument/2006/relationships" xmlns:p="http://schemas.openxmlformats.org/presentationml/2006/main" saveSubsetFonts="1">
   <p:sldMasterIdLst>
-    <p:sldMasterId id="2147483648" r:id="rId1"/>
+    <p:sldMasterId id="2147483726" r:id="rId1"/>
   </p:sldMasterIdLst>
   <p:sldIdLst>
     <p:sldId id="256" r:id="rId2"/>
+    <p:sldId id="257" r:id="rId3"/>
   </p:sldIdLst>
   <p:sldSz cx="12192000" cy="6858000"/>
   <p:notesSz cx="6858000" cy="9144000"/>
@@ -13,7 +14,7 @@
     <a:defPPr>
       <a:defRPr lang="en-US"/>
     </a:defPPr>
-    <a:lvl1pPr marL="0" algn="l" defTabSz="914400" rtl="0" eaLnBrk="1" latinLnBrk="0" hangingPunct="1">
+    <a:lvl1pPr marL="0" algn="l" defTabSz="457200" rtl="0" eaLnBrk="1" latinLnBrk="0" hangingPunct="1">
       <a:defRPr sz="1800" kern="1200">
         <a:solidFill>
           <a:schemeClr val="tx1"/>
@@ -23,7 +24,7 @@
         <a:cs typeface="+mn-cs"/>
       </a:defRPr>
     </a:lvl1pPr>
-    <a:lvl2pPr marL="457200" algn="l" defTabSz="914400" rtl="0" eaLnBrk="1" latinLnBrk="0" hangingPunct="1">
+    <a:lvl2pPr marL="457200" algn="l" defTabSz="457200" rtl="0" eaLnBrk="1" latinLnBrk="0" hangingPunct="1">
       <a:defRPr sz="1800" kern="1200">
         <a:solidFill>
           <a:schemeClr val="tx1"/>
@@ -33,7 +34,7 @@
         <a:cs typeface="+mn-cs"/>
       </a:defRPr>
     </a:lvl2pPr>
-    <a:lvl3pPr marL="914400" algn="l" defTabSz="914400" rtl="0" eaLnBrk="1" latinLnBrk="0" hangingPunct="1">
+    <a:lvl3pPr marL="914400" algn="l" defTabSz="457200" rtl="0" eaLnBrk="1" latinLnBrk="0" hangingPunct="1">
       <a:defRPr sz="1800" kern="1200">
         <a:solidFill>
           <a:schemeClr val="tx1"/>
@@ -43,7 +44,7 @@
         <a:cs typeface="+mn-cs"/>
       </a:defRPr>
     </a:lvl3pPr>
-    <a:lvl4pPr marL="1371600" algn="l" defTabSz="914400" rtl="0" eaLnBrk="1" latinLnBrk="0" hangingPunct="1">
+    <a:lvl4pPr marL="1371600" algn="l" defTabSz="457200" rtl="0" eaLnBrk="1" latinLnBrk="0" hangingPunct="1">
       <a:defRPr sz="1800" kern="1200">
         <a:solidFill>
           <a:schemeClr val="tx1"/>
@@ -53,7 +54,7 @@
         <a:cs typeface="+mn-cs"/>
       </a:defRPr>
     </a:lvl4pPr>
-    <a:lvl5pPr marL="1828800" algn="l" defTabSz="914400" rtl="0" eaLnBrk="1" latinLnBrk="0" hangingPunct="1">
+    <a:lvl5pPr marL="1828800" algn="l" defTabSz="457200" rtl="0" eaLnBrk="1" latinLnBrk="0" hangingPunct="1">
       <a:defRPr sz="1800" kern="1200">
         <a:solidFill>
           <a:schemeClr val="tx1"/>
@@ -63,7 +64,7 @@
         <a:cs typeface="+mn-cs"/>
       </a:defRPr>
     </a:lvl5pPr>
-    <a:lvl6pPr marL="2286000" algn="l" defTabSz="914400" rtl="0" eaLnBrk="1" latinLnBrk="0" hangingPunct="1">
+    <a:lvl6pPr marL="2286000" algn="l" defTabSz="457200" rtl="0" eaLnBrk="1" latinLnBrk="0" hangingPunct="1">
       <a:defRPr sz="1800" kern="1200">
         <a:solidFill>
           <a:schemeClr val="tx1"/>
@@ -73,7 +74,7 @@
         <a:cs typeface="+mn-cs"/>
       </a:defRPr>
     </a:lvl6pPr>
-    <a:lvl7pPr marL="2743200" algn="l" defTabSz="914400" rtl="0" eaLnBrk="1" latinLnBrk="0" hangingPunct="1">
+    <a:lvl7pPr marL="2743200" algn="l" defTabSz="457200" rtl="0" eaLnBrk="1" latinLnBrk="0" hangingPunct="1">
       <a:defRPr sz="1800" kern="1200">
         <a:solidFill>
           <a:schemeClr val="tx1"/>
@@ -83,7 +84,7 @@
         <a:cs typeface="+mn-cs"/>
       </a:defRPr>
     </a:lvl7pPr>
-    <a:lvl8pPr marL="3200400" algn="l" defTabSz="914400" rtl="0" eaLnBrk="1" latinLnBrk="0" hangingPunct="1">
+    <a:lvl8pPr marL="3200400" algn="l" defTabSz="457200" rtl="0" eaLnBrk="1" latinLnBrk="0" hangingPunct="1">
       <a:defRPr sz="1800" kern="1200">
         <a:solidFill>
           <a:schemeClr val="tx1"/>
@@ -93,7 +94,7 @@
         <a:cs typeface="+mn-cs"/>
       </a:defRPr>
     </a:lvl8pPr>
-    <a:lvl9pPr marL="3657600" algn="l" defTabSz="914400" rtl="0" eaLnBrk="1" latinLnBrk="0" hangingPunct="1">
+    <a:lvl9pPr marL="3657600" algn="l" defTabSz="457200" rtl="0" eaLnBrk="1" latinLnBrk="0" hangingPunct="1">
       <a:defRPr sz="1800" kern="1200">
         <a:solidFill>
           <a:schemeClr val="tx1"/>
@@ -104,7 +105,112 @@
       </a:defRPr>
     </a:lvl9pPr>
   </p:defaultTextStyle>
+  <p:extLst>
+    <p:ext uri="{EFAFB233-063F-42B5-8137-9DF3F51BA10A}">
+      <p15:sldGuideLst xmlns:p15="http://schemas.microsoft.com/office/powerpoint/2012/main"/>
+    </p:ext>
+  </p:extLst>
 </p:presentation>
+</file>
+
+<file path=ppt/changesInfos/changesInfo1.xml><?xml version="1.0" encoding="utf-8"?>
+<pc:chgInfo xmlns:a="http://schemas.openxmlformats.org/drawingml/2006/main" xmlns:r="http://schemas.openxmlformats.org/officeDocument/2006/relationships" xmlns:ac="http://schemas.microsoft.com/office/drawing/2013/main/command" xmlns:pc="http://schemas.microsoft.com/office/powerpoint/2013/main/command">
+  <pc:docChgLst>
+    <pc:chgData name="amy johnson" userId="25c68ebca75fcc76" providerId="LiveId" clId="{D2E9D5EE-8FC9-43E0-83E2-2F253631FD93}"/>
+    <pc:docChg chg="custSel addSld modSld">
+      <pc:chgData name="amy johnson" userId="25c68ebca75fcc76" providerId="LiveId" clId="{D2E9D5EE-8FC9-43E0-83E2-2F253631FD93}" dt="2024-11-05T05:33:49.784" v="120" actId="1076"/>
+      <pc:docMkLst>
+        <pc:docMk/>
+      </pc:docMkLst>
+      <pc:sldChg chg="addSp delSp modSp mod">
+        <pc:chgData name="amy johnson" userId="25c68ebca75fcc76" providerId="LiveId" clId="{D2E9D5EE-8FC9-43E0-83E2-2F253631FD93}" dt="2024-11-05T05:33:12.119" v="53" actId="1076"/>
+        <pc:sldMkLst>
+          <pc:docMk/>
+          <pc:sldMk cId="382589568" sldId="256"/>
+        </pc:sldMkLst>
+        <pc:spChg chg="del mod">
+          <ac:chgData name="amy johnson" userId="25c68ebca75fcc76" providerId="LiveId" clId="{D2E9D5EE-8FC9-43E0-83E2-2F253631FD93}" dt="2024-11-05T05:31:50.361" v="14" actId="478"/>
+          <ac:spMkLst>
+            <pc:docMk/>
+            <pc:sldMk cId="382589568" sldId="256"/>
+            <ac:spMk id="2" creationId="{07A31DFA-2B2C-4A10-9CC3-2A063A73E26D}"/>
+          </ac:spMkLst>
+        </pc:spChg>
+        <pc:spChg chg="mod">
+          <ac:chgData name="amy johnson" userId="25c68ebca75fcc76" providerId="LiveId" clId="{D2E9D5EE-8FC9-43E0-83E2-2F253631FD93}" dt="2024-11-05T05:31:28.254" v="11" actId="27636"/>
+          <ac:spMkLst>
+            <pc:docMk/>
+            <pc:sldMk cId="382589568" sldId="256"/>
+            <ac:spMk id="3" creationId="{829B4994-57A3-44A9-824C-600483C73834}"/>
+          </ac:spMkLst>
+        </pc:spChg>
+        <pc:spChg chg="add del">
+          <ac:chgData name="amy johnson" userId="25c68ebca75fcc76" providerId="LiveId" clId="{D2E9D5EE-8FC9-43E0-83E2-2F253631FD93}" dt="2024-11-05T05:30:17.635" v="1" actId="478"/>
+          <ac:spMkLst>
+            <pc:docMk/>
+            <pc:sldMk cId="382589568" sldId="256"/>
+            <ac:spMk id="6" creationId="{D6100F38-0713-4C53-8E22-29CD1A138EAC}"/>
+          </ac:spMkLst>
+        </pc:spChg>
+        <pc:spChg chg="mod">
+          <ac:chgData name="amy johnson" userId="25c68ebca75fcc76" providerId="LiveId" clId="{D2E9D5EE-8FC9-43E0-83E2-2F253631FD93}" dt="2024-11-05T05:33:10.047" v="52" actId="1076"/>
+          <ac:spMkLst>
+            <pc:docMk/>
+            <pc:sldMk cId="382589568" sldId="256"/>
+            <ac:spMk id="7" creationId="{765FD1C1-F274-47A6-9ED7-A54D10C3238E}"/>
+          </ac:spMkLst>
+        </pc:spChg>
+        <pc:spChg chg="add del mod">
+          <ac:chgData name="amy johnson" userId="25c68ebca75fcc76" providerId="LiveId" clId="{D2E9D5EE-8FC9-43E0-83E2-2F253631FD93}" dt="2024-11-05T05:31:53.562" v="15" actId="478"/>
+          <ac:spMkLst>
+            <pc:docMk/>
+            <pc:sldMk cId="382589568" sldId="256"/>
+            <ac:spMk id="8" creationId="{3DB9179C-892E-4AEE-84C3-819AEFC764ED}"/>
+          </ac:spMkLst>
+        </pc:spChg>
+        <pc:spChg chg="add mod">
+          <ac:chgData name="amy johnson" userId="25c68ebca75fcc76" providerId="LiveId" clId="{D2E9D5EE-8FC9-43E0-83E2-2F253631FD93}" dt="2024-11-05T05:33:12.119" v="53" actId="1076"/>
+          <ac:spMkLst>
+            <pc:docMk/>
+            <pc:sldMk cId="382589568" sldId="256"/>
+            <ac:spMk id="9" creationId="{43D7AC2A-AE03-4834-98C4-08C2FA35ACE6}"/>
+          </ac:spMkLst>
+        </pc:spChg>
+        <pc:picChg chg="add del mod">
+          <ac:chgData name="amy johnson" userId="25c68ebca75fcc76" providerId="LiveId" clId="{D2E9D5EE-8FC9-43E0-83E2-2F253631FD93}" dt="2024-11-05T05:31:19.444" v="8" actId="478"/>
+          <ac:picMkLst>
+            <pc:docMk/>
+            <pc:sldMk cId="382589568" sldId="256"/>
+            <ac:picMk id="1026" creationId="{C72373C8-7F9F-49E5-BAA2-28219A1B0807}"/>
+          </ac:picMkLst>
+        </pc:picChg>
+      </pc:sldChg>
+      <pc:sldChg chg="modSp new mod">
+        <pc:chgData name="amy johnson" userId="25c68ebca75fcc76" providerId="LiveId" clId="{D2E9D5EE-8FC9-43E0-83E2-2F253631FD93}" dt="2024-11-05T05:33:49.784" v="120" actId="1076"/>
+        <pc:sldMkLst>
+          <pc:docMk/>
+          <pc:sldMk cId="941156980" sldId="257"/>
+        </pc:sldMkLst>
+        <pc:spChg chg="mod">
+          <ac:chgData name="amy johnson" userId="25c68ebca75fcc76" providerId="LiveId" clId="{D2E9D5EE-8FC9-43E0-83E2-2F253631FD93}" dt="2024-11-05T05:33:42.244" v="118" actId="27636"/>
+          <ac:spMkLst>
+            <pc:docMk/>
+            <pc:sldMk cId="941156980" sldId="257"/>
+            <ac:spMk id="2" creationId="{4FF913AD-8CBE-4C0B-8446-9DA06A566F4D}"/>
+          </ac:spMkLst>
+        </pc:spChg>
+        <pc:spChg chg="mod">
+          <ac:chgData name="amy johnson" userId="25c68ebca75fcc76" providerId="LiveId" clId="{D2E9D5EE-8FC9-43E0-83E2-2F253631FD93}" dt="2024-11-05T05:33:49.784" v="120" actId="1076"/>
+          <ac:spMkLst>
+            <pc:docMk/>
+            <pc:sldMk cId="941156980" sldId="257"/>
+            <ac:spMk id="3" creationId="{5A664A7E-2300-42F7-B20F-A533DE70EBA5}"/>
+          </ac:spMkLst>
+        </pc:spChg>
+      </pc:sldChg>
+    </pc:docChg>
+  </pc:docChgLst>
+</pc:chgInfo>
 </file>
 
 <file path=ppt/slideLayouts/slideLayout1.xml><?xml version="1.0" encoding="utf-8"?>
@@ -126,31 +232,76 @@
       </p:grpSpPr>
       <p:sp>
         <p:nvSpPr>
-          <p:cNvPr id="2" name="Title 1">
-            <a:extLst>
-              <a:ext uri="{FF2B5EF4-FFF2-40B4-BE49-F238E27FC236}">
-                <a16:creationId xmlns:a16="http://schemas.microsoft.com/office/drawing/2014/main" id="{BD36C618-7A21-4226-8120-BA3649EC98AB}"/>
-              </a:ext>
-            </a:extLst>
-          </p:cNvPr>
-          <p:cNvSpPr>
-            <a:spLocks noGrp="1"/>
-          </p:cNvSpPr>
-          <p:nvPr>
-            <p:ph type="ctrTitle"/>
-          </p:nvPr>
+          <p:cNvPr id="7" name="Rectangle 6"/>
+          <p:cNvSpPr>
+            <a:spLocks noChangeAspect="1"/>
+          </p:cNvSpPr>
+          <p:nvPr/>
         </p:nvSpPr>
         <p:spPr>
           <a:xfrm>
-            <a:off x="1524000" y="1122363"/>
-            <a:ext cx="9144000" cy="2387600"/>
+            <a:off x="231140" y="243840"/>
+            <a:ext cx="11724640" cy="6377939"/>
+          </a:xfrm>
+          <a:prstGeom prst="rect">
+            <a:avLst/>
+          </a:prstGeom>
+          <a:solidFill>
+            <a:schemeClr val="accent1"/>
+          </a:solidFill>
+          <a:ln w="12700">
+            <a:solidFill>
+              <a:srgbClr val="FFFFFF"/>
+            </a:solidFill>
+          </a:ln>
+        </p:spPr>
+        <p:style>
+          <a:lnRef idx="2">
+            <a:schemeClr val="accent1">
+              <a:shade val="50000"/>
+            </a:schemeClr>
+          </a:lnRef>
+          <a:fillRef idx="1">
+            <a:schemeClr val="accent1"/>
+          </a:fillRef>
+          <a:effectRef idx="0">
+            <a:schemeClr val="accent1"/>
+          </a:effectRef>
+          <a:fontRef idx="minor">
+            <a:schemeClr val="lt1"/>
+          </a:fontRef>
+        </p:style>
+      </p:sp>
+      <p:sp>
+        <p:nvSpPr>
+          <p:cNvPr id="2" name="Title 1"/>
+          <p:cNvSpPr>
+            <a:spLocks noGrp="1"/>
+          </p:cNvSpPr>
+          <p:nvPr>
+            <p:ph type="ctrTitle"/>
+          </p:nvPr>
+        </p:nvSpPr>
+        <p:spPr>
+          <a:xfrm>
+            <a:off x="1109980" y="882376"/>
+            <a:ext cx="9966960" cy="2926080"/>
           </a:xfrm>
         </p:spPr>
         <p:txBody>
-          <a:bodyPr anchor="b"/>
+          <a:bodyPr anchor="b">
+            <a:normAutofit/>
+          </a:bodyPr>
           <a:lstStyle>
             <a:lvl1pPr algn="ctr">
-              <a:defRPr sz="6000"/>
+              <a:lnSpc>
+                <a:spcPct val="85000"/>
+              </a:lnSpc>
+              <a:defRPr sz="7200" b="1" cap="all" baseline="0">
+                <a:solidFill>
+                  <a:srgbClr val="FFFFFF"/>
+                </a:solidFill>
+              </a:defRPr>
             </a:lvl1pPr>
           </a:lstStyle>
           <a:p>
@@ -158,18 +309,13 @@
               <a:rPr lang="en-US"/>
               <a:t>Click to edit Master title style</a:t>
             </a:r>
-          </a:p>
-        </p:txBody>
-      </p:sp>
-      <p:sp>
-        <p:nvSpPr>
-          <p:cNvPr id="3" name="Subtitle 2">
-            <a:extLst>
-              <a:ext uri="{FF2B5EF4-FFF2-40B4-BE49-F238E27FC236}">
-                <a16:creationId xmlns:a16="http://schemas.microsoft.com/office/drawing/2014/main" id="{106305A9-7633-4F57-89DA-AC788530D89C}"/>
-              </a:ext>
-            </a:extLst>
-          </p:cNvPr>
+            <a:endParaRPr lang="en-US" dirty="0"/>
+          </a:p>
+        </p:txBody>
+      </p:sp>
+      <p:sp>
+        <p:nvSpPr>
+          <p:cNvPr id="3" name="Subtitle 2"/>
           <p:cNvSpPr>
             <a:spLocks noGrp="1"/>
           </p:cNvSpPr>
@@ -179,48 +325,54 @@
         </p:nvSpPr>
         <p:spPr>
           <a:xfrm>
-            <a:off x="1524000" y="3602038"/>
-            <a:ext cx="9144000" cy="1655762"/>
+            <a:off x="1709530" y="3869634"/>
+            <a:ext cx="8767860" cy="1388165"/>
           </a:xfrm>
         </p:spPr>
         <p:txBody>
-          <a:bodyPr/>
+          <a:bodyPr>
+            <a:normAutofit/>
+          </a:bodyPr>
           <a:lstStyle>
             <a:lvl1pPr marL="0" indent="0" algn="ctr">
               <a:buNone/>
-              <a:defRPr sz="2400"/>
+              <a:defRPr sz="2200">
+                <a:solidFill>
+                  <a:srgbClr val="FFFFFF"/>
+                </a:solidFill>
+              </a:defRPr>
             </a:lvl1pPr>
             <a:lvl2pPr marL="457200" indent="0" algn="ctr">
               <a:buNone/>
-              <a:defRPr sz="2000"/>
+              <a:defRPr sz="2200"/>
             </a:lvl2pPr>
             <a:lvl3pPr marL="914400" indent="0" algn="ctr">
               <a:buNone/>
-              <a:defRPr sz="1800"/>
+              <a:defRPr sz="2200"/>
             </a:lvl3pPr>
             <a:lvl4pPr marL="1371600" indent="0" algn="ctr">
               <a:buNone/>
-              <a:defRPr sz="1600"/>
+              <a:defRPr sz="2000"/>
             </a:lvl4pPr>
             <a:lvl5pPr marL="1828800" indent="0" algn="ctr">
               <a:buNone/>
-              <a:defRPr sz="1600"/>
+              <a:defRPr sz="2000"/>
             </a:lvl5pPr>
             <a:lvl6pPr marL="2286000" indent="0" algn="ctr">
               <a:buNone/>
-              <a:defRPr sz="1600"/>
+              <a:defRPr sz="2000"/>
             </a:lvl6pPr>
             <a:lvl7pPr marL="2743200" indent="0" algn="ctr">
               <a:buNone/>
-              <a:defRPr sz="1600"/>
+              <a:defRPr sz="2000"/>
             </a:lvl7pPr>
             <a:lvl8pPr marL="3200400" indent="0" algn="ctr">
               <a:buNone/>
-              <a:defRPr sz="1600"/>
+              <a:defRPr sz="2000"/>
             </a:lvl8pPr>
             <a:lvl9pPr marL="3657600" indent="0" algn="ctr">
               <a:buNone/>
-              <a:defRPr sz="1600"/>
+              <a:defRPr sz="2000"/>
             </a:lvl9pPr>
           </a:lstStyle>
           <a:p>
@@ -228,18 +380,13 @@
               <a:rPr lang="en-US"/>
               <a:t>Click to edit Master subtitle style</a:t>
             </a:r>
-          </a:p>
-        </p:txBody>
-      </p:sp>
-      <p:sp>
-        <p:nvSpPr>
-          <p:cNvPr id="4" name="Date Placeholder 3">
-            <a:extLst>
-              <a:ext uri="{FF2B5EF4-FFF2-40B4-BE49-F238E27FC236}">
-                <a16:creationId xmlns:a16="http://schemas.microsoft.com/office/drawing/2014/main" id="{EC295E11-82A8-427C-8DBE-C7BF61C74DC1}"/>
-              </a:ext>
-            </a:extLst>
-          </p:cNvPr>
+            <a:endParaRPr lang="en-US" dirty="0"/>
+          </a:p>
+        </p:txBody>
+      </p:sp>
+      <p:sp>
+        <p:nvSpPr>
+          <p:cNvPr id="4" name="Date Placeholder 3"/>
           <p:cNvSpPr>
             <a:spLocks noGrp="1"/>
           </p:cNvSpPr>
@@ -250,7 +397,15 @@
         <p:spPr/>
         <p:txBody>
           <a:bodyPr/>
-          <a:lstStyle/>
+          <a:lstStyle>
+            <a:lvl1pPr>
+              <a:defRPr>
+                <a:solidFill>
+                  <a:srgbClr val="FFFFFF"/>
+                </a:solidFill>
+              </a:defRPr>
+            </a:lvl1pPr>
+          </a:lstStyle>
           <a:p>
             <a:fld id="{F3576400-C64E-4A7B-B26D-3DB992303269}" type="datetimeFigureOut">
               <a:rPr lang="en-US" smtClean="0"/>
@@ -262,13 +417,7 @@
       </p:sp>
       <p:sp>
         <p:nvSpPr>
-          <p:cNvPr id="5" name="Footer Placeholder 4">
-            <a:extLst>
-              <a:ext uri="{FF2B5EF4-FFF2-40B4-BE49-F238E27FC236}">
-                <a16:creationId xmlns:a16="http://schemas.microsoft.com/office/drawing/2014/main" id="{A9DB22D3-CAE8-4DBA-AF25-8005FA2367C1}"/>
-              </a:ext>
-            </a:extLst>
-          </p:cNvPr>
+          <p:cNvPr id="5" name="Footer Placeholder 4"/>
           <p:cNvSpPr>
             <a:spLocks noGrp="1"/>
           </p:cNvSpPr>
@@ -279,7 +428,15 @@
         <p:spPr/>
         <p:txBody>
           <a:bodyPr/>
-          <a:lstStyle/>
+          <a:lstStyle>
+            <a:lvl1pPr>
+              <a:defRPr>
+                <a:solidFill>
+                  <a:srgbClr val="FFFFFF"/>
+                </a:solidFill>
+              </a:defRPr>
+            </a:lvl1pPr>
+          </a:lstStyle>
           <a:p>
             <a:endParaRPr lang="en-US"/>
           </a:p>
@@ -287,13 +444,7 @@
       </p:sp>
       <p:sp>
         <p:nvSpPr>
-          <p:cNvPr id="6" name="Slide Number Placeholder 5">
-            <a:extLst>
-              <a:ext uri="{FF2B5EF4-FFF2-40B4-BE49-F238E27FC236}">
-                <a16:creationId xmlns:a16="http://schemas.microsoft.com/office/drawing/2014/main" id="{4D08BDD2-0233-45C0-A3D3-CA3B207C726C}"/>
-              </a:ext>
-            </a:extLst>
-          </p:cNvPr>
+          <p:cNvPr id="6" name="Slide Number Placeholder 5"/>
           <p:cNvSpPr>
             <a:spLocks noGrp="1"/>
           </p:cNvSpPr>
@@ -304,7 +455,15 @@
         <p:spPr/>
         <p:txBody>
           <a:bodyPr/>
-          <a:lstStyle/>
+          <a:lstStyle>
+            <a:lvl1pPr>
+              <a:defRPr>
+                <a:solidFill>
+                  <a:srgbClr val="FFFFFF"/>
+                </a:solidFill>
+              </a:defRPr>
+            </a:lvl1pPr>
+          </a:lstStyle>
           <a:p>
             <a:fld id="{B9FE9F57-481E-489C-847B-C302E2D19297}" type="slidenum">
               <a:rPr lang="en-US" smtClean="0"/>
@@ -314,10 +473,45 @@
           </a:p>
         </p:txBody>
       </p:sp>
+      <p:cxnSp>
+        <p:nvCxnSpPr>
+          <p:cNvPr id="8" name="Straight Connector 7"/>
+          <p:cNvCxnSpPr/>
+          <p:nvPr/>
+        </p:nvCxnSpPr>
+        <p:spPr>
+          <a:xfrm>
+            <a:off x="1978660" y="3733800"/>
+            <a:ext cx="8229601" cy="0"/>
+          </a:xfrm>
+          <a:prstGeom prst="line">
+            <a:avLst/>
+          </a:prstGeom>
+          <a:ln>
+            <a:solidFill>
+              <a:srgbClr val="FFFFFF"/>
+            </a:solidFill>
+          </a:ln>
+        </p:spPr>
+        <p:style>
+          <a:lnRef idx="1">
+            <a:schemeClr val="accent1"/>
+          </a:lnRef>
+          <a:fillRef idx="0">
+            <a:schemeClr val="accent1"/>
+          </a:fillRef>
+          <a:effectRef idx="0">
+            <a:schemeClr val="accent1"/>
+          </a:effectRef>
+          <a:fontRef idx="minor">
+            <a:schemeClr val="tx1"/>
+          </a:fontRef>
+        </p:style>
+      </p:cxnSp>
     </p:spTree>
     <p:extLst>
       <p:ext uri="{BB962C8B-B14F-4D97-AF65-F5344CB8AC3E}">
-        <p14:creationId xmlns:p14="http://schemas.microsoft.com/office/powerpoint/2010/main" val="3700644103"/>
+        <p14:creationId xmlns:p14="http://schemas.microsoft.com/office/powerpoint/2010/main" val="3872989471"/>
       </p:ext>
     </p:extLst>
   </p:cSld>
@@ -346,13 +540,7 @@
       </p:grpSpPr>
       <p:sp>
         <p:nvSpPr>
-          <p:cNvPr id="2" name="Title 1">
-            <a:extLst>
-              <a:ext uri="{FF2B5EF4-FFF2-40B4-BE49-F238E27FC236}">
-                <a16:creationId xmlns:a16="http://schemas.microsoft.com/office/drawing/2014/main" id="{E347016C-F7D9-464F-89C5-860743E2CD05}"/>
-              </a:ext>
-            </a:extLst>
-          </p:cNvPr>
+          <p:cNvPr id="2" name="Title 1"/>
           <p:cNvSpPr>
             <a:spLocks noGrp="1"/>
           </p:cNvSpPr>
@@ -369,18 +557,13 @@
               <a:rPr lang="en-US"/>
               <a:t>Click to edit Master title style</a:t>
             </a:r>
-          </a:p>
-        </p:txBody>
-      </p:sp>
-      <p:sp>
-        <p:nvSpPr>
-          <p:cNvPr id="3" name="Vertical Text Placeholder 2">
-            <a:extLst>
-              <a:ext uri="{FF2B5EF4-FFF2-40B4-BE49-F238E27FC236}">
-                <a16:creationId xmlns:a16="http://schemas.microsoft.com/office/drawing/2014/main" id="{9BBD8C34-22FF-436A-94EB-91D4133F8152}"/>
-              </a:ext>
-            </a:extLst>
-          </p:cNvPr>
+            <a:endParaRPr lang="en-US" dirty="0"/>
+          </a:p>
+        </p:txBody>
+      </p:sp>
+      <p:sp>
+        <p:nvSpPr>
+          <p:cNvPr id="3" name="Vertical Text Placeholder 2"/>
           <p:cNvSpPr>
             <a:spLocks noGrp="1"/>
           </p:cNvSpPr>
@@ -426,18 +609,13 @@
               <a:rPr lang="en-US"/>
               <a:t>Fifth level</a:t>
             </a:r>
-          </a:p>
-        </p:txBody>
-      </p:sp>
-      <p:sp>
-        <p:nvSpPr>
-          <p:cNvPr id="4" name="Date Placeholder 3">
-            <a:extLst>
-              <a:ext uri="{FF2B5EF4-FFF2-40B4-BE49-F238E27FC236}">
-                <a16:creationId xmlns:a16="http://schemas.microsoft.com/office/drawing/2014/main" id="{F4F2F8FD-04FB-4D2F-B150-88887114B1D3}"/>
-              </a:ext>
-            </a:extLst>
-          </p:cNvPr>
+            <a:endParaRPr lang="en-US" dirty="0"/>
+          </a:p>
+        </p:txBody>
+      </p:sp>
+      <p:sp>
+        <p:nvSpPr>
+          <p:cNvPr id="4" name="Date Placeholder 3"/>
           <p:cNvSpPr>
             <a:spLocks noGrp="1"/>
           </p:cNvSpPr>
@@ -460,13 +638,7 @@
       </p:sp>
       <p:sp>
         <p:nvSpPr>
-          <p:cNvPr id="5" name="Footer Placeholder 4">
-            <a:extLst>
-              <a:ext uri="{FF2B5EF4-FFF2-40B4-BE49-F238E27FC236}">
-                <a16:creationId xmlns:a16="http://schemas.microsoft.com/office/drawing/2014/main" id="{E6D949EA-9E08-472D-B984-77605A03BBD9}"/>
-              </a:ext>
-            </a:extLst>
-          </p:cNvPr>
+          <p:cNvPr id="5" name="Footer Placeholder 4"/>
           <p:cNvSpPr>
             <a:spLocks noGrp="1"/>
           </p:cNvSpPr>
@@ -485,13 +657,7 @@
       </p:sp>
       <p:sp>
         <p:nvSpPr>
-          <p:cNvPr id="6" name="Slide Number Placeholder 5">
-            <a:extLst>
-              <a:ext uri="{FF2B5EF4-FFF2-40B4-BE49-F238E27FC236}">
-                <a16:creationId xmlns:a16="http://schemas.microsoft.com/office/drawing/2014/main" id="{EE6C897D-28B7-4A8A-8AB4-953CAE952006}"/>
-              </a:ext>
-            </a:extLst>
-          </p:cNvPr>
+          <p:cNvPr id="6" name="Slide Number Placeholder 5"/>
           <p:cNvSpPr>
             <a:spLocks noGrp="1"/>
           </p:cNvSpPr>
@@ -515,7 +681,7 @@
     </p:spTree>
     <p:extLst>
       <p:ext uri="{BB962C8B-B14F-4D97-AF65-F5344CB8AC3E}">
-        <p14:creationId xmlns:p14="http://schemas.microsoft.com/office/powerpoint/2010/main" val="2200867162"/>
+        <p14:creationId xmlns:p14="http://schemas.microsoft.com/office/powerpoint/2010/main" val="4290342861"/>
       </p:ext>
     </p:extLst>
   </p:cSld>
@@ -544,13 +710,7 @@
       </p:grpSpPr>
       <p:sp>
         <p:nvSpPr>
-          <p:cNvPr id="2" name="Vertical Title 1">
-            <a:extLst>
-              <a:ext uri="{FF2B5EF4-FFF2-40B4-BE49-F238E27FC236}">
-                <a16:creationId xmlns:a16="http://schemas.microsoft.com/office/drawing/2014/main" id="{18D1C663-1B0C-43F7-8B70-AE483149ECE9}"/>
-              </a:ext>
-            </a:extLst>
-          </p:cNvPr>
+          <p:cNvPr id="2" name="Vertical Title 1"/>
           <p:cNvSpPr>
             <a:spLocks noGrp="1"/>
           </p:cNvSpPr>
@@ -560,8 +720,8 @@
         </p:nvSpPr>
         <p:spPr>
           <a:xfrm>
-            <a:off x="8724900" y="365125"/>
-            <a:ext cx="2628900" cy="5811838"/>
+            <a:off x="8724900" y="762000"/>
+            <a:ext cx="2324100" cy="5410200"/>
           </a:xfrm>
         </p:spPr>
         <p:txBody>
@@ -572,18 +732,13 @@
               <a:rPr lang="en-US"/>
               <a:t>Click to edit Master title style</a:t>
             </a:r>
-          </a:p>
-        </p:txBody>
-      </p:sp>
-      <p:sp>
-        <p:nvSpPr>
-          <p:cNvPr id="3" name="Vertical Text Placeholder 2">
-            <a:extLst>
-              <a:ext uri="{FF2B5EF4-FFF2-40B4-BE49-F238E27FC236}">
-                <a16:creationId xmlns:a16="http://schemas.microsoft.com/office/drawing/2014/main" id="{06F976CE-5A40-4937-AD74-E6829EC4C196}"/>
-              </a:ext>
-            </a:extLst>
-          </p:cNvPr>
+            <a:endParaRPr lang="en-US" dirty="0"/>
+          </a:p>
+        </p:txBody>
+      </p:sp>
+      <p:sp>
+        <p:nvSpPr>
+          <p:cNvPr id="3" name="Vertical Text Placeholder 2"/>
           <p:cNvSpPr>
             <a:spLocks noGrp="1"/>
           </p:cNvSpPr>
@@ -593,8 +748,8 @@
         </p:nvSpPr>
         <p:spPr>
           <a:xfrm>
-            <a:off x="838200" y="365125"/>
-            <a:ext cx="7734300" cy="5811838"/>
+            <a:off x="1143000" y="762000"/>
+            <a:ext cx="7429500" cy="5410200"/>
           </a:xfrm>
         </p:spPr>
         <p:txBody>
@@ -634,18 +789,13 @@
               <a:rPr lang="en-US"/>
               <a:t>Fifth level</a:t>
             </a:r>
-          </a:p>
-        </p:txBody>
-      </p:sp>
-      <p:sp>
-        <p:nvSpPr>
-          <p:cNvPr id="4" name="Date Placeholder 3">
-            <a:extLst>
-              <a:ext uri="{FF2B5EF4-FFF2-40B4-BE49-F238E27FC236}">
-                <a16:creationId xmlns:a16="http://schemas.microsoft.com/office/drawing/2014/main" id="{B41EC0CB-D498-484A-AC01-3FA30435CE49}"/>
-              </a:ext>
-            </a:extLst>
-          </p:cNvPr>
+            <a:endParaRPr lang="en-US" dirty="0"/>
+          </a:p>
+        </p:txBody>
+      </p:sp>
+      <p:sp>
+        <p:nvSpPr>
+          <p:cNvPr id="4" name="Date Placeholder 3"/>
           <p:cNvSpPr>
             <a:spLocks noGrp="1"/>
           </p:cNvSpPr>
@@ -668,13 +818,7 @@
       </p:sp>
       <p:sp>
         <p:nvSpPr>
-          <p:cNvPr id="5" name="Footer Placeholder 4">
-            <a:extLst>
-              <a:ext uri="{FF2B5EF4-FFF2-40B4-BE49-F238E27FC236}">
-                <a16:creationId xmlns:a16="http://schemas.microsoft.com/office/drawing/2014/main" id="{802ED1F3-4079-4F22-B743-671CE553E21C}"/>
-              </a:ext>
-            </a:extLst>
-          </p:cNvPr>
+          <p:cNvPr id="5" name="Footer Placeholder 4"/>
           <p:cNvSpPr>
             <a:spLocks noGrp="1"/>
           </p:cNvSpPr>
@@ -693,13 +837,7 @@
       </p:sp>
       <p:sp>
         <p:nvSpPr>
-          <p:cNvPr id="6" name="Slide Number Placeholder 5">
-            <a:extLst>
-              <a:ext uri="{FF2B5EF4-FFF2-40B4-BE49-F238E27FC236}">
-                <a16:creationId xmlns:a16="http://schemas.microsoft.com/office/drawing/2014/main" id="{01E97D5E-0449-48B5-BC8D-96684B6E6B17}"/>
-              </a:ext>
-            </a:extLst>
-          </p:cNvPr>
+          <p:cNvPr id="6" name="Slide Number Placeholder 5"/>
           <p:cNvSpPr>
             <a:spLocks noGrp="1"/>
           </p:cNvSpPr>
@@ -723,7 +861,7 @@
     </p:spTree>
     <p:extLst>
       <p:ext uri="{BB962C8B-B14F-4D97-AF65-F5344CB8AC3E}">
-        <p14:creationId xmlns:p14="http://schemas.microsoft.com/office/powerpoint/2010/main" val="1607512757"/>
+        <p14:creationId xmlns:p14="http://schemas.microsoft.com/office/powerpoint/2010/main" val="3018176142"/>
       </p:ext>
     </p:extLst>
   </p:cSld>
@@ -752,13 +890,7 @@
       </p:grpSpPr>
       <p:sp>
         <p:nvSpPr>
-          <p:cNvPr id="2" name="Title 1">
-            <a:extLst>
-              <a:ext uri="{FF2B5EF4-FFF2-40B4-BE49-F238E27FC236}">
-                <a16:creationId xmlns:a16="http://schemas.microsoft.com/office/drawing/2014/main" id="{DEDA92AF-365F-4806-9A50-4A70D7AD88DE}"/>
-              </a:ext>
-            </a:extLst>
-          </p:cNvPr>
+          <p:cNvPr id="2" name="Title 1"/>
           <p:cNvSpPr>
             <a:spLocks noGrp="1"/>
           </p:cNvSpPr>
@@ -775,18 +907,13 @@
               <a:rPr lang="en-US"/>
               <a:t>Click to edit Master title style</a:t>
             </a:r>
-          </a:p>
-        </p:txBody>
-      </p:sp>
-      <p:sp>
-        <p:nvSpPr>
-          <p:cNvPr id="3" name="Content Placeholder 2">
-            <a:extLst>
-              <a:ext uri="{FF2B5EF4-FFF2-40B4-BE49-F238E27FC236}">
-                <a16:creationId xmlns:a16="http://schemas.microsoft.com/office/drawing/2014/main" id="{56FE0152-022B-4D22-86F0-397DC27FEF3D}"/>
-              </a:ext>
-            </a:extLst>
-          </p:cNvPr>
+            <a:endParaRPr lang="en-US" dirty="0"/>
+          </a:p>
+        </p:txBody>
+      </p:sp>
+      <p:sp>
+        <p:nvSpPr>
+          <p:cNvPr id="3" name="Content Placeholder 2"/>
           <p:cNvSpPr>
             <a:spLocks noGrp="1"/>
           </p:cNvSpPr>
@@ -832,18 +959,13 @@
               <a:rPr lang="en-US"/>
               <a:t>Fifth level</a:t>
             </a:r>
-          </a:p>
-        </p:txBody>
-      </p:sp>
-      <p:sp>
-        <p:nvSpPr>
-          <p:cNvPr id="4" name="Date Placeholder 3">
-            <a:extLst>
-              <a:ext uri="{FF2B5EF4-FFF2-40B4-BE49-F238E27FC236}">
-                <a16:creationId xmlns:a16="http://schemas.microsoft.com/office/drawing/2014/main" id="{E96D629F-78E2-4F59-8964-142F7EC45033}"/>
-              </a:ext>
-            </a:extLst>
-          </p:cNvPr>
+            <a:endParaRPr lang="en-US" dirty="0"/>
+          </a:p>
+        </p:txBody>
+      </p:sp>
+      <p:sp>
+        <p:nvSpPr>
+          <p:cNvPr id="4" name="Date Placeholder 3"/>
           <p:cNvSpPr>
             <a:spLocks noGrp="1"/>
           </p:cNvSpPr>
@@ -866,13 +988,7 @@
       </p:sp>
       <p:sp>
         <p:nvSpPr>
-          <p:cNvPr id="5" name="Footer Placeholder 4">
-            <a:extLst>
-              <a:ext uri="{FF2B5EF4-FFF2-40B4-BE49-F238E27FC236}">
-                <a16:creationId xmlns:a16="http://schemas.microsoft.com/office/drawing/2014/main" id="{16EC8AD4-887E-439C-AA5B-DA00C5965271}"/>
-              </a:ext>
-            </a:extLst>
-          </p:cNvPr>
+          <p:cNvPr id="5" name="Footer Placeholder 4"/>
           <p:cNvSpPr>
             <a:spLocks noGrp="1"/>
           </p:cNvSpPr>
@@ -891,13 +1007,7 @@
       </p:sp>
       <p:sp>
         <p:nvSpPr>
-          <p:cNvPr id="6" name="Slide Number Placeholder 5">
-            <a:extLst>
-              <a:ext uri="{FF2B5EF4-FFF2-40B4-BE49-F238E27FC236}">
-                <a16:creationId xmlns:a16="http://schemas.microsoft.com/office/drawing/2014/main" id="{B393F340-A795-4E1B-A895-BFFBB9992782}"/>
-              </a:ext>
-            </a:extLst>
-          </p:cNvPr>
+          <p:cNvPr id="6" name="Slide Number Placeholder 5"/>
           <p:cNvSpPr>
             <a:spLocks noGrp="1"/>
           </p:cNvSpPr>
@@ -921,7 +1031,7 @@
     </p:spTree>
     <p:extLst>
       <p:ext uri="{BB962C8B-B14F-4D97-AF65-F5344CB8AC3E}">
-        <p14:creationId xmlns:p14="http://schemas.microsoft.com/office/powerpoint/2010/main" val="2353861057"/>
+        <p14:creationId xmlns:p14="http://schemas.microsoft.com/office/powerpoint/2010/main" val="1979407545"/>
       </p:ext>
     </p:extLst>
   </p:cSld>
@@ -950,13 +1060,7 @@
       </p:grpSpPr>
       <p:sp>
         <p:nvSpPr>
-          <p:cNvPr id="2" name="Title 1">
-            <a:extLst>
-              <a:ext uri="{FF2B5EF4-FFF2-40B4-BE49-F238E27FC236}">
-                <a16:creationId xmlns:a16="http://schemas.microsoft.com/office/drawing/2014/main" id="{12127187-2DAF-4264-B810-5E992B788D34}"/>
-              </a:ext>
-            </a:extLst>
-          </p:cNvPr>
+          <p:cNvPr id="2" name="Title 1"/>
           <p:cNvSpPr>
             <a:spLocks noGrp="1"/>
           </p:cNvSpPr>
@@ -966,15 +1070,20 @@
         </p:nvSpPr>
         <p:spPr>
           <a:xfrm>
-            <a:off x="831850" y="1709738"/>
-            <a:ext cx="10515600" cy="2852737"/>
+            <a:off x="1106424" y="1173575"/>
+            <a:ext cx="9966960" cy="2926080"/>
           </a:xfrm>
         </p:spPr>
         <p:txBody>
-          <a:bodyPr anchor="b"/>
+          <a:bodyPr anchor="b">
+            <a:noAutofit/>
+          </a:bodyPr>
           <a:lstStyle>
-            <a:lvl1pPr>
-              <a:defRPr sz="6000"/>
+            <a:lvl1pPr algn="ctr">
+              <a:lnSpc>
+                <a:spcPct val="85000"/>
+              </a:lnSpc>
+              <a:defRPr sz="7200" b="0" cap="all" baseline="0"/>
             </a:lvl1pPr>
           </a:lstStyle>
           <a:p>
@@ -982,18 +1091,13 @@
               <a:rPr lang="en-US"/>
               <a:t>Click to edit Master title style</a:t>
             </a:r>
-          </a:p>
-        </p:txBody>
-      </p:sp>
-      <p:sp>
-        <p:nvSpPr>
-          <p:cNvPr id="3" name="Text Placeholder 2">
-            <a:extLst>
-              <a:ext uri="{FF2B5EF4-FFF2-40B4-BE49-F238E27FC236}">
-                <a16:creationId xmlns:a16="http://schemas.microsoft.com/office/drawing/2014/main" id="{34ECA165-4F63-4A10-B3AB-6B20F020267F}"/>
-              </a:ext>
-            </a:extLst>
-          </p:cNvPr>
+            <a:endParaRPr lang="en-US" dirty="0"/>
+          </a:p>
+        </p:txBody>
+      </p:sp>
+      <p:sp>
+        <p:nvSpPr>
+          <p:cNvPr id="3" name="Text Placeholder 2"/>
           <p:cNvSpPr>
             <a:spLocks noGrp="1"/>
           </p:cNvSpPr>
@@ -1003,26 +1107,26 @@
         </p:nvSpPr>
         <p:spPr>
           <a:xfrm>
-            <a:off x="831850" y="4589463"/>
-            <a:ext cx="10515600" cy="1500187"/>
+            <a:off x="1709928" y="4154520"/>
+            <a:ext cx="8769096" cy="1363806"/>
           </a:xfrm>
         </p:spPr>
         <p:txBody>
-          <a:bodyPr/>
+          <a:bodyPr anchor="t">
+            <a:normAutofit/>
+          </a:bodyPr>
           <a:lstStyle>
-            <a:lvl1pPr marL="0" indent="0">
-              <a:buNone/>
-              <a:defRPr sz="2400">
+            <a:lvl1pPr marL="0" indent="0" algn="ctr">
+              <a:buNone/>
+              <a:defRPr sz="2200">
                 <a:solidFill>
-                  <a:schemeClr val="tx1">
-                    <a:tint val="75000"/>
-                  </a:schemeClr>
+                  <a:schemeClr val="accent1"/>
                 </a:solidFill>
               </a:defRPr>
             </a:lvl1pPr>
             <a:lvl2pPr marL="457200" indent="0">
               <a:buNone/>
-              <a:defRPr sz="2000">
+              <a:defRPr sz="1800">
                 <a:solidFill>
                   <a:schemeClr val="tx1">
                     <a:tint val="75000"/>
@@ -1032,7 +1136,7 @@
             </a:lvl2pPr>
             <a:lvl3pPr marL="914400" indent="0">
               <a:buNone/>
-              <a:defRPr sz="1800">
+              <a:defRPr sz="1600">
                 <a:solidFill>
                   <a:schemeClr val="tx1">
                     <a:tint val="75000"/>
@@ -1042,7 +1146,7 @@
             </a:lvl3pPr>
             <a:lvl4pPr marL="1371600" indent="0">
               <a:buNone/>
-              <a:defRPr sz="1600">
+              <a:defRPr sz="1400">
                 <a:solidFill>
                   <a:schemeClr val="tx1">
                     <a:tint val="75000"/>
@@ -1052,7 +1156,7 @@
             </a:lvl4pPr>
             <a:lvl5pPr marL="1828800" indent="0">
               <a:buNone/>
-              <a:defRPr sz="1600">
+              <a:defRPr sz="1400">
                 <a:solidFill>
                   <a:schemeClr val="tx1">
                     <a:tint val="75000"/>
@@ -1062,7 +1166,7 @@
             </a:lvl5pPr>
             <a:lvl6pPr marL="2286000" indent="0">
               <a:buNone/>
-              <a:defRPr sz="1600">
+              <a:defRPr sz="1400">
                 <a:solidFill>
                   <a:schemeClr val="tx1">
                     <a:tint val="75000"/>
@@ -1072,7 +1176,7 @@
             </a:lvl6pPr>
             <a:lvl7pPr marL="2743200" indent="0">
               <a:buNone/>
-              <a:defRPr sz="1600">
+              <a:defRPr sz="1400">
                 <a:solidFill>
                   <a:schemeClr val="tx1">
                     <a:tint val="75000"/>
@@ -1082,7 +1186,7 @@
             </a:lvl7pPr>
             <a:lvl8pPr marL="3200400" indent="0">
               <a:buNone/>
-              <a:defRPr sz="1600">
+              <a:defRPr sz="1400">
                 <a:solidFill>
                   <a:schemeClr val="tx1">
                     <a:tint val="75000"/>
@@ -1092,7 +1196,7 @@
             </a:lvl8pPr>
             <a:lvl9pPr marL="3657600" indent="0">
               <a:buNone/>
-              <a:defRPr sz="1600">
+              <a:defRPr sz="1400">
                 <a:solidFill>
                   <a:schemeClr val="tx1">
                     <a:tint val="75000"/>
@@ -1112,13 +1216,7 @@
       </p:sp>
       <p:sp>
         <p:nvSpPr>
-          <p:cNvPr id="4" name="Date Placeholder 3">
-            <a:extLst>
-              <a:ext uri="{FF2B5EF4-FFF2-40B4-BE49-F238E27FC236}">
-                <a16:creationId xmlns:a16="http://schemas.microsoft.com/office/drawing/2014/main" id="{B2477A22-6BFB-4F11-9C45-03E6A156BE6E}"/>
-              </a:ext>
-            </a:extLst>
-          </p:cNvPr>
+          <p:cNvPr id="4" name="Date Placeholder 3"/>
           <p:cNvSpPr>
             <a:spLocks noGrp="1"/>
           </p:cNvSpPr>
@@ -1141,13 +1239,7 @@
       </p:sp>
       <p:sp>
         <p:nvSpPr>
-          <p:cNvPr id="5" name="Footer Placeholder 4">
-            <a:extLst>
-              <a:ext uri="{FF2B5EF4-FFF2-40B4-BE49-F238E27FC236}">
-                <a16:creationId xmlns:a16="http://schemas.microsoft.com/office/drawing/2014/main" id="{6753F62E-4EC3-4E39-8FD6-6A373357F1ED}"/>
-              </a:ext>
-            </a:extLst>
-          </p:cNvPr>
+          <p:cNvPr id="5" name="Footer Placeholder 4"/>
           <p:cNvSpPr>
             <a:spLocks noGrp="1"/>
           </p:cNvSpPr>
@@ -1166,13 +1258,7 @@
       </p:sp>
       <p:sp>
         <p:nvSpPr>
-          <p:cNvPr id="6" name="Slide Number Placeholder 5">
-            <a:extLst>
-              <a:ext uri="{FF2B5EF4-FFF2-40B4-BE49-F238E27FC236}">
-                <a16:creationId xmlns:a16="http://schemas.microsoft.com/office/drawing/2014/main" id="{C2EC04C7-0FA5-4149-B9EB-855BACF725D2}"/>
-              </a:ext>
-            </a:extLst>
-          </p:cNvPr>
+          <p:cNvPr id="6" name="Slide Number Placeholder 5"/>
           <p:cNvSpPr>
             <a:spLocks noGrp="1"/>
           </p:cNvSpPr>
@@ -1193,10 +1279,45 @@
           </a:p>
         </p:txBody>
       </p:sp>
+      <p:cxnSp>
+        <p:nvCxnSpPr>
+          <p:cNvPr id="7" name="Straight Connector 6"/>
+          <p:cNvCxnSpPr/>
+          <p:nvPr/>
+        </p:nvCxnSpPr>
+        <p:spPr>
+          <a:xfrm>
+            <a:off x="1981200" y="4020408"/>
+            <a:ext cx="8229601" cy="0"/>
+          </a:xfrm>
+          <a:prstGeom prst="line">
+            <a:avLst/>
+          </a:prstGeom>
+          <a:ln>
+            <a:solidFill>
+              <a:schemeClr val="accent1"/>
+            </a:solidFill>
+          </a:ln>
+        </p:spPr>
+        <p:style>
+          <a:lnRef idx="1">
+            <a:schemeClr val="accent1"/>
+          </a:lnRef>
+          <a:fillRef idx="0">
+            <a:schemeClr val="accent1"/>
+          </a:fillRef>
+          <a:effectRef idx="0">
+            <a:schemeClr val="accent1"/>
+          </a:effectRef>
+          <a:fontRef idx="minor">
+            <a:schemeClr val="tx1"/>
+          </a:fontRef>
+        </p:style>
+      </p:cxnSp>
     </p:spTree>
     <p:extLst>
       <p:ext uri="{BB962C8B-B14F-4D97-AF65-F5344CB8AC3E}">
-        <p14:creationId xmlns:p14="http://schemas.microsoft.com/office/powerpoint/2010/main" val="3921650901"/>
+        <p14:creationId xmlns:p14="http://schemas.microsoft.com/office/powerpoint/2010/main" val="163406913"/>
       </p:ext>
     </p:extLst>
   </p:cSld>
@@ -1225,13 +1346,7 @@
       </p:grpSpPr>
       <p:sp>
         <p:nvSpPr>
-          <p:cNvPr id="2" name="Title 1">
-            <a:extLst>
-              <a:ext uri="{FF2B5EF4-FFF2-40B4-BE49-F238E27FC236}">
-                <a16:creationId xmlns:a16="http://schemas.microsoft.com/office/drawing/2014/main" id="{768A17DB-4831-45A8-844D-FE023B9E1FCE}"/>
-              </a:ext>
-            </a:extLst>
-          </p:cNvPr>
+          <p:cNvPr id="8" name="Title 7"/>
           <p:cNvSpPr>
             <a:spLocks noGrp="1"/>
           </p:cNvSpPr>
@@ -1248,18 +1363,13 @@
               <a:rPr lang="en-US"/>
               <a:t>Click to edit Master title style</a:t>
             </a:r>
-          </a:p>
-        </p:txBody>
-      </p:sp>
-      <p:sp>
-        <p:nvSpPr>
-          <p:cNvPr id="3" name="Content Placeholder 2">
-            <a:extLst>
-              <a:ext uri="{FF2B5EF4-FFF2-40B4-BE49-F238E27FC236}">
-                <a16:creationId xmlns:a16="http://schemas.microsoft.com/office/drawing/2014/main" id="{08817F49-672D-4D96-9A4C-2D45E1CD4982}"/>
-              </a:ext>
-            </a:extLst>
-          </p:cNvPr>
+            <a:endParaRPr lang="en-US" dirty="0"/>
+          </a:p>
+        </p:txBody>
+      </p:sp>
+      <p:sp>
+        <p:nvSpPr>
+          <p:cNvPr id="3" name="Content Placeholder 2"/>
           <p:cNvSpPr>
             <a:spLocks noGrp="1"/>
           </p:cNvSpPr>
@@ -1269,13 +1379,41 @@
         </p:nvSpPr>
         <p:spPr>
           <a:xfrm>
-            <a:off x="838200" y="1825625"/>
-            <a:ext cx="5181600" cy="4351338"/>
+            <a:off x="1143000" y="2057399"/>
+            <a:ext cx="4754880" cy="4023360"/>
           </a:xfrm>
         </p:spPr>
         <p:txBody>
           <a:bodyPr/>
-          <a:lstStyle/>
+          <a:lstStyle>
+            <a:lvl1pPr>
+              <a:defRPr sz="2200"/>
+            </a:lvl1pPr>
+            <a:lvl2pPr>
+              <a:defRPr sz="2000"/>
+            </a:lvl2pPr>
+            <a:lvl3pPr>
+              <a:defRPr sz="1800"/>
+            </a:lvl3pPr>
+            <a:lvl4pPr>
+              <a:defRPr sz="1600"/>
+            </a:lvl4pPr>
+            <a:lvl5pPr>
+              <a:defRPr sz="1600"/>
+            </a:lvl5pPr>
+            <a:lvl6pPr>
+              <a:defRPr sz="1600"/>
+            </a:lvl6pPr>
+            <a:lvl7pPr>
+              <a:defRPr sz="1600"/>
+            </a:lvl7pPr>
+            <a:lvl8pPr>
+              <a:defRPr sz="1600"/>
+            </a:lvl8pPr>
+            <a:lvl9pPr>
+              <a:defRPr sz="1600"/>
+            </a:lvl9pPr>
+          </a:lstStyle>
           <a:p>
             <a:pPr lvl="0"/>
             <a:r>
@@ -1310,18 +1448,13 @@
               <a:rPr lang="en-US"/>
               <a:t>Fifth level</a:t>
             </a:r>
-          </a:p>
-        </p:txBody>
-      </p:sp>
-      <p:sp>
-        <p:nvSpPr>
-          <p:cNvPr id="4" name="Content Placeholder 3">
-            <a:extLst>
-              <a:ext uri="{FF2B5EF4-FFF2-40B4-BE49-F238E27FC236}">
-                <a16:creationId xmlns:a16="http://schemas.microsoft.com/office/drawing/2014/main" id="{BCE0A508-C0BE-4D59-B464-FBCE7A77F606}"/>
-              </a:ext>
-            </a:extLst>
-          </p:cNvPr>
+            <a:endParaRPr lang="en-US" dirty="0"/>
+          </a:p>
+        </p:txBody>
+      </p:sp>
+      <p:sp>
+        <p:nvSpPr>
+          <p:cNvPr id="4" name="Content Placeholder 3"/>
           <p:cNvSpPr>
             <a:spLocks noGrp="1"/>
           </p:cNvSpPr>
@@ -1331,13 +1464,41 @@
         </p:nvSpPr>
         <p:spPr>
           <a:xfrm>
-            <a:off x="6172200" y="1825625"/>
-            <a:ext cx="5181600" cy="4351338"/>
+            <a:off x="6267612" y="2057400"/>
+            <a:ext cx="4754880" cy="4023360"/>
           </a:xfrm>
         </p:spPr>
         <p:txBody>
           <a:bodyPr/>
-          <a:lstStyle/>
+          <a:lstStyle>
+            <a:lvl1pPr>
+              <a:defRPr sz="2200"/>
+            </a:lvl1pPr>
+            <a:lvl2pPr>
+              <a:defRPr sz="2000"/>
+            </a:lvl2pPr>
+            <a:lvl3pPr>
+              <a:defRPr sz="1800"/>
+            </a:lvl3pPr>
+            <a:lvl4pPr>
+              <a:defRPr sz="1600"/>
+            </a:lvl4pPr>
+            <a:lvl5pPr>
+              <a:defRPr sz="1600"/>
+            </a:lvl5pPr>
+            <a:lvl6pPr>
+              <a:defRPr sz="1600"/>
+            </a:lvl6pPr>
+            <a:lvl7pPr>
+              <a:defRPr sz="1600"/>
+            </a:lvl7pPr>
+            <a:lvl8pPr>
+              <a:defRPr sz="1600"/>
+            </a:lvl8pPr>
+            <a:lvl9pPr>
+              <a:defRPr sz="1600"/>
+            </a:lvl9pPr>
+          </a:lstStyle>
           <a:p>
             <a:pPr lvl="0"/>
             <a:r>
@@ -1372,18 +1533,13 @@
               <a:rPr lang="en-US"/>
               <a:t>Fifth level</a:t>
             </a:r>
-          </a:p>
-        </p:txBody>
-      </p:sp>
-      <p:sp>
-        <p:nvSpPr>
-          <p:cNvPr id="5" name="Date Placeholder 4">
-            <a:extLst>
-              <a:ext uri="{FF2B5EF4-FFF2-40B4-BE49-F238E27FC236}">
-                <a16:creationId xmlns:a16="http://schemas.microsoft.com/office/drawing/2014/main" id="{C484940E-5817-471A-AA57-C3266C7EC1C5}"/>
-              </a:ext>
-            </a:extLst>
-          </p:cNvPr>
+            <a:endParaRPr lang="en-US" dirty="0"/>
+          </a:p>
+        </p:txBody>
+      </p:sp>
+      <p:sp>
+        <p:nvSpPr>
+          <p:cNvPr id="5" name="Date Placeholder 4"/>
           <p:cNvSpPr>
             <a:spLocks noGrp="1"/>
           </p:cNvSpPr>
@@ -1406,13 +1562,7 @@
       </p:sp>
       <p:sp>
         <p:nvSpPr>
-          <p:cNvPr id="6" name="Footer Placeholder 5">
-            <a:extLst>
-              <a:ext uri="{FF2B5EF4-FFF2-40B4-BE49-F238E27FC236}">
-                <a16:creationId xmlns:a16="http://schemas.microsoft.com/office/drawing/2014/main" id="{C84B9093-F877-430B-8B0A-C8E70BD972E7}"/>
-              </a:ext>
-            </a:extLst>
-          </p:cNvPr>
+          <p:cNvPr id="6" name="Footer Placeholder 5"/>
           <p:cNvSpPr>
             <a:spLocks noGrp="1"/>
           </p:cNvSpPr>
@@ -1431,13 +1581,7 @@
       </p:sp>
       <p:sp>
         <p:nvSpPr>
-          <p:cNvPr id="7" name="Slide Number Placeholder 6">
-            <a:extLst>
-              <a:ext uri="{FF2B5EF4-FFF2-40B4-BE49-F238E27FC236}">
-                <a16:creationId xmlns:a16="http://schemas.microsoft.com/office/drawing/2014/main" id="{CD22557B-BFE3-4EBD-8689-78D99477BF70}"/>
-              </a:ext>
-            </a:extLst>
-          </p:cNvPr>
+          <p:cNvPr id="7" name="Slide Number Placeholder 6"/>
           <p:cNvSpPr>
             <a:spLocks noGrp="1"/>
           </p:cNvSpPr>
@@ -1461,7 +1605,7 @@
     </p:spTree>
     <p:extLst>
       <p:ext uri="{BB962C8B-B14F-4D97-AF65-F5344CB8AC3E}">
-        <p14:creationId xmlns:p14="http://schemas.microsoft.com/office/powerpoint/2010/main" val="14534531"/>
+        <p14:creationId xmlns:p14="http://schemas.microsoft.com/office/powerpoint/2010/main" val="3414112044"/>
       </p:ext>
     </p:extLst>
   </p:cSld>
@@ -1490,63 +1634,50 @@
       </p:grpSpPr>
       <p:sp>
         <p:nvSpPr>
-          <p:cNvPr id="2" name="Title 1">
-            <a:extLst>
-              <a:ext uri="{FF2B5EF4-FFF2-40B4-BE49-F238E27FC236}">
-                <a16:creationId xmlns:a16="http://schemas.microsoft.com/office/drawing/2014/main" id="{BFF05358-8EE1-4F5E-898C-DBE7B896D885}"/>
-              </a:ext>
-            </a:extLst>
-          </p:cNvPr>
+          <p:cNvPr id="10" name="Title 9"/>
           <p:cNvSpPr>
             <a:spLocks noGrp="1"/>
           </p:cNvSpPr>
           <p:nvPr>
             <p:ph type="title"/>
+          </p:nvPr>
+        </p:nvSpPr>
+        <p:spPr/>
+        <p:txBody>
+          <a:bodyPr/>
+          <a:lstStyle/>
+          <a:p>
+            <a:r>
+              <a:rPr lang="en-US"/>
+              <a:t>Click to edit Master title style</a:t>
+            </a:r>
+            <a:endParaRPr lang="en-US" dirty="0"/>
+          </a:p>
+        </p:txBody>
+      </p:sp>
+      <p:sp>
+        <p:nvSpPr>
+          <p:cNvPr id="3" name="Text Placeholder 2"/>
+          <p:cNvSpPr>
+            <a:spLocks noGrp="1"/>
+          </p:cNvSpPr>
+          <p:nvPr>
+            <p:ph type="body" idx="1"/>
           </p:nvPr>
         </p:nvSpPr>
         <p:spPr>
           <a:xfrm>
-            <a:off x="839788" y="365125"/>
-            <a:ext cx="10515600" cy="1325563"/>
+            <a:off x="1143000" y="2001511"/>
+            <a:ext cx="4754880" cy="777240"/>
           </a:xfrm>
         </p:spPr>
         <p:txBody>
-          <a:bodyPr/>
-          <a:lstStyle/>
-          <a:p>
-            <a:r>
-              <a:rPr lang="en-US"/>
-              <a:t>Click to edit Master title style</a:t>
-            </a:r>
-          </a:p>
-        </p:txBody>
-      </p:sp>
-      <p:sp>
-        <p:nvSpPr>
-          <p:cNvPr id="3" name="Text Placeholder 2">
-            <a:extLst>
-              <a:ext uri="{FF2B5EF4-FFF2-40B4-BE49-F238E27FC236}">
-                <a16:creationId xmlns:a16="http://schemas.microsoft.com/office/drawing/2014/main" id="{540B86A9-9D31-408B-B0AB-57D967A511AD}"/>
-              </a:ext>
-            </a:extLst>
-          </p:cNvPr>
-          <p:cNvSpPr>
-            <a:spLocks noGrp="1"/>
-          </p:cNvSpPr>
-          <p:nvPr>
-            <p:ph type="body" idx="1"/>
-          </p:nvPr>
-        </p:nvSpPr>
-        <p:spPr>
-          <a:xfrm>
-            <a:off x="839788" y="1681163"/>
-            <a:ext cx="5157787" cy="823912"/>
-          </a:xfrm>
-        </p:spPr>
-        <p:txBody>
-          <a:bodyPr anchor="b"/>
+          <a:bodyPr anchor="ctr"/>
           <a:lstStyle>
             <a:lvl1pPr marL="0" indent="0">
+              <a:spcBef>
+                <a:spcPts val="0"/>
+              </a:spcBef>
               <a:buNone/>
               <a:defRPr sz="2400" b="1"/>
             </a:lvl1pPr>
@@ -1594,13 +1725,7 @@
       </p:sp>
       <p:sp>
         <p:nvSpPr>
-          <p:cNvPr id="4" name="Content Placeholder 3">
-            <a:extLst>
-              <a:ext uri="{FF2B5EF4-FFF2-40B4-BE49-F238E27FC236}">
-                <a16:creationId xmlns:a16="http://schemas.microsoft.com/office/drawing/2014/main" id="{DFD73970-1049-4476-BDB6-DFC269EEE95B}"/>
-              </a:ext>
-            </a:extLst>
-          </p:cNvPr>
+          <p:cNvPr id="4" name="Content Placeholder 3"/>
           <p:cNvSpPr>
             <a:spLocks noGrp="1"/>
           </p:cNvSpPr>
@@ -1610,13 +1735,41 @@
         </p:nvSpPr>
         <p:spPr>
           <a:xfrm>
-            <a:off x="839788" y="2505075"/>
-            <a:ext cx="5157787" cy="3684588"/>
+            <a:off x="1143000" y="2721483"/>
+            <a:ext cx="4754880" cy="3383280"/>
           </a:xfrm>
         </p:spPr>
         <p:txBody>
           <a:bodyPr/>
-          <a:lstStyle/>
+          <a:lstStyle>
+            <a:lvl1pPr>
+              <a:defRPr sz="2200"/>
+            </a:lvl1pPr>
+            <a:lvl2pPr>
+              <a:defRPr sz="2000"/>
+            </a:lvl2pPr>
+            <a:lvl3pPr>
+              <a:defRPr sz="1800"/>
+            </a:lvl3pPr>
+            <a:lvl4pPr>
+              <a:defRPr sz="1600"/>
+            </a:lvl4pPr>
+            <a:lvl5pPr>
+              <a:defRPr sz="1600"/>
+            </a:lvl5pPr>
+            <a:lvl6pPr>
+              <a:defRPr sz="1600"/>
+            </a:lvl6pPr>
+            <a:lvl7pPr>
+              <a:defRPr sz="1600"/>
+            </a:lvl7pPr>
+            <a:lvl8pPr>
+              <a:defRPr sz="1600"/>
+            </a:lvl8pPr>
+            <a:lvl9pPr>
+              <a:defRPr sz="1600"/>
+            </a:lvl9pPr>
+          </a:lstStyle>
           <a:p>
             <a:pPr lvl="0"/>
             <a:r>
@@ -1651,18 +1804,13 @@
               <a:rPr lang="en-US"/>
               <a:t>Fifth level</a:t>
             </a:r>
-          </a:p>
-        </p:txBody>
-      </p:sp>
-      <p:sp>
-        <p:nvSpPr>
-          <p:cNvPr id="5" name="Text Placeholder 4">
-            <a:extLst>
-              <a:ext uri="{FF2B5EF4-FFF2-40B4-BE49-F238E27FC236}">
-                <a16:creationId xmlns:a16="http://schemas.microsoft.com/office/drawing/2014/main" id="{76A8E95A-8D3F-41E1-8C44-1E99B4A26EA7}"/>
-              </a:ext>
-            </a:extLst>
-          </p:cNvPr>
+            <a:endParaRPr lang="en-US" dirty="0"/>
+          </a:p>
+        </p:txBody>
+      </p:sp>
+      <p:sp>
+        <p:nvSpPr>
+          <p:cNvPr id="5" name="Text Placeholder 4"/>
           <p:cNvSpPr>
             <a:spLocks noGrp="1"/>
           </p:cNvSpPr>
@@ -1672,14 +1820,17 @@
         </p:nvSpPr>
         <p:spPr>
           <a:xfrm>
-            <a:off x="6172200" y="1681163"/>
-            <a:ext cx="5183188" cy="823912"/>
+            <a:off x="6269173" y="1999032"/>
+            <a:ext cx="4754880" cy="777240"/>
           </a:xfrm>
         </p:spPr>
         <p:txBody>
-          <a:bodyPr anchor="b"/>
+          <a:bodyPr anchor="ctr"/>
           <a:lstStyle>
             <a:lvl1pPr marL="0" indent="0">
+              <a:spcBef>
+                <a:spcPts val="0"/>
+              </a:spcBef>
               <a:buNone/>
               <a:defRPr sz="2400" b="1"/>
             </a:lvl1pPr>
@@ -1727,13 +1878,7 @@
       </p:sp>
       <p:sp>
         <p:nvSpPr>
-          <p:cNvPr id="6" name="Content Placeholder 5">
-            <a:extLst>
-              <a:ext uri="{FF2B5EF4-FFF2-40B4-BE49-F238E27FC236}">
-                <a16:creationId xmlns:a16="http://schemas.microsoft.com/office/drawing/2014/main" id="{32B984ED-2EFB-40DC-A644-E72D50A9F87A}"/>
-              </a:ext>
-            </a:extLst>
-          </p:cNvPr>
+          <p:cNvPr id="6" name="Content Placeholder 5"/>
           <p:cNvSpPr>
             <a:spLocks noGrp="1"/>
           </p:cNvSpPr>
@@ -1743,13 +1888,41 @@
         </p:nvSpPr>
         <p:spPr>
           <a:xfrm>
-            <a:off x="6172200" y="2505075"/>
-            <a:ext cx="5183188" cy="3684588"/>
+            <a:off x="6269173" y="2719322"/>
+            <a:ext cx="4754880" cy="3383280"/>
           </a:xfrm>
         </p:spPr>
         <p:txBody>
           <a:bodyPr/>
-          <a:lstStyle/>
+          <a:lstStyle>
+            <a:lvl1pPr>
+              <a:defRPr sz="2200"/>
+            </a:lvl1pPr>
+            <a:lvl2pPr>
+              <a:defRPr sz="2000"/>
+            </a:lvl2pPr>
+            <a:lvl3pPr>
+              <a:defRPr sz="1800"/>
+            </a:lvl3pPr>
+            <a:lvl4pPr>
+              <a:defRPr sz="1600"/>
+            </a:lvl4pPr>
+            <a:lvl5pPr>
+              <a:defRPr sz="1600"/>
+            </a:lvl5pPr>
+            <a:lvl6pPr>
+              <a:defRPr sz="1600"/>
+            </a:lvl6pPr>
+            <a:lvl7pPr>
+              <a:defRPr sz="1600"/>
+            </a:lvl7pPr>
+            <a:lvl8pPr>
+              <a:defRPr sz="1600"/>
+            </a:lvl8pPr>
+            <a:lvl9pPr>
+              <a:defRPr sz="1600"/>
+            </a:lvl9pPr>
+          </a:lstStyle>
           <a:p>
             <a:pPr lvl="0"/>
             <a:r>
@@ -1784,18 +1957,13 @@
               <a:rPr lang="en-US"/>
               <a:t>Fifth level</a:t>
             </a:r>
-          </a:p>
-        </p:txBody>
-      </p:sp>
-      <p:sp>
-        <p:nvSpPr>
-          <p:cNvPr id="7" name="Date Placeholder 6">
-            <a:extLst>
-              <a:ext uri="{FF2B5EF4-FFF2-40B4-BE49-F238E27FC236}">
-                <a16:creationId xmlns:a16="http://schemas.microsoft.com/office/drawing/2014/main" id="{31BC5866-D955-4413-A0FF-EE1730BE8786}"/>
-              </a:ext>
-            </a:extLst>
-          </p:cNvPr>
+            <a:endParaRPr lang="en-US" dirty="0"/>
+          </a:p>
+        </p:txBody>
+      </p:sp>
+      <p:sp>
+        <p:nvSpPr>
+          <p:cNvPr id="7" name="Date Placeholder 6"/>
           <p:cNvSpPr>
             <a:spLocks noGrp="1"/>
           </p:cNvSpPr>
@@ -1818,13 +1986,7 @@
       </p:sp>
       <p:sp>
         <p:nvSpPr>
-          <p:cNvPr id="8" name="Footer Placeholder 7">
-            <a:extLst>
-              <a:ext uri="{FF2B5EF4-FFF2-40B4-BE49-F238E27FC236}">
-                <a16:creationId xmlns:a16="http://schemas.microsoft.com/office/drawing/2014/main" id="{92EF1A6E-2025-4258-A848-D77BA75E2BEF}"/>
-              </a:ext>
-            </a:extLst>
-          </p:cNvPr>
+          <p:cNvPr id="8" name="Footer Placeholder 7"/>
           <p:cNvSpPr>
             <a:spLocks noGrp="1"/>
           </p:cNvSpPr>
@@ -1843,13 +2005,7 @@
       </p:sp>
       <p:sp>
         <p:nvSpPr>
-          <p:cNvPr id="9" name="Slide Number Placeholder 8">
-            <a:extLst>
-              <a:ext uri="{FF2B5EF4-FFF2-40B4-BE49-F238E27FC236}">
-                <a16:creationId xmlns:a16="http://schemas.microsoft.com/office/drawing/2014/main" id="{D47B7F14-45C6-40D9-9989-F65275EE25BB}"/>
-              </a:ext>
-            </a:extLst>
-          </p:cNvPr>
+          <p:cNvPr id="9" name="Slide Number Placeholder 8"/>
           <p:cNvSpPr>
             <a:spLocks noGrp="1"/>
           </p:cNvSpPr>
@@ -1873,7 +2029,7 @@
     </p:spTree>
     <p:extLst>
       <p:ext uri="{BB962C8B-B14F-4D97-AF65-F5344CB8AC3E}">
-        <p14:creationId xmlns:p14="http://schemas.microsoft.com/office/powerpoint/2010/main" val="2489467113"/>
+        <p14:creationId xmlns:p14="http://schemas.microsoft.com/office/powerpoint/2010/main" val="382227174"/>
       </p:ext>
     </p:extLst>
   </p:cSld>
@@ -1902,13 +2058,7 @@
       </p:grpSpPr>
       <p:sp>
         <p:nvSpPr>
-          <p:cNvPr id="2" name="Title 1">
-            <a:extLst>
-              <a:ext uri="{FF2B5EF4-FFF2-40B4-BE49-F238E27FC236}">
-                <a16:creationId xmlns:a16="http://schemas.microsoft.com/office/drawing/2014/main" id="{2D41D7B0-8669-4E5D-BDD1-361E5859E65C}"/>
-              </a:ext>
-            </a:extLst>
-          </p:cNvPr>
+          <p:cNvPr id="2" name="Title 1"/>
           <p:cNvSpPr>
             <a:spLocks noGrp="1"/>
           </p:cNvSpPr>
@@ -1925,18 +2075,13 @@
               <a:rPr lang="en-US"/>
               <a:t>Click to edit Master title style</a:t>
             </a:r>
-          </a:p>
-        </p:txBody>
-      </p:sp>
-      <p:sp>
-        <p:nvSpPr>
-          <p:cNvPr id="3" name="Date Placeholder 2">
-            <a:extLst>
-              <a:ext uri="{FF2B5EF4-FFF2-40B4-BE49-F238E27FC236}">
-                <a16:creationId xmlns:a16="http://schemas.microsoft.com/office/drawing/2014/main" id="{93E8EE03-16F2-41FC-8AE7-65222FFA7E3C}"/>
-              </a:ext>
-            </a:extLst>
-          </p:cNvPr>
+            <a:endParaRPr lang="en-US" dirty="0"/>
+          </a:p>
+        </p:txBody>
+      </p:sp>
+      <p:sp>
+        <p:nvSpPr>
+          <p:cNvPr id="3" name="Date Placeholder 2"/>
           <p:cNvSpPr>
             <a:spLocks noGrp="1"/>
           </p:cNvSpPr>
@@ -1959,13 +2104,7 @@
       </p:sp>
       <p:sp>
         <p:nvSpPr>
-          <p:cNvPr id="4" name="Footer Placeholder 3">
-            <a:extLst>
-              <a:ext uri="{FF2B5EF4-FFF2-40B4-BE49-F238E27FC236}">
-                <a16:creationId xmlns:a16="http://schemas.microsoft.com/office/drawing/2014/main" id="{4E703AA4-C6BB-4419-A439-905D30392BDF}"/>
-              </a:ext>
-            </a:extLst>
-          </p:cNvPr>
+          <p:cNvPr id="4" name="Footer Placeholder 3"/>
           <p:cNvSpPr>
             <a:spLocks noGrp="1"/>
           </p:cNvSpPr>
@@ -1984,13 +2123,7 @@
       </p:sp>
       <p:sp>
         <p:nvSpPr>
-          <p:cNvPr id="5" name="Slide Number Placeholder 4">
-            <a:extLst>
-              <a:ext uri="{FF2B5EF4-FFF2-40B4-BE49-F238E27FC236}">
-                <a16:creationId xmlns:a16="http://schemas.microsoft.com/office/drawing/2014/main" id="{AFD79C97-5F7F-4FFA-881E-507348D44A73}"/>
-              </a:ext>
-            </a:extLst>
-          </p:cNvPr>
+          <p:cNvPr id="5" name="Slide Number Placeholder 4"/>
           <p:cNvSpPr>
             <a:spLocks noGrp="1"/>
           </p:cNvSpPr>
@@ -2014,7 +2147,7 @@
     </p:spTree>
     <p:extLst>
       <p:ext uri="{BB962C8B-B14F-4D97-AF65-F5344CB8AC3E}">
-        <p14:creationId xmlns:p14="http://schemas.microsoft.com/office/powerpoint/2010/main" val="4137200397"/>
+        <p14:creationId xmlns:p14="http://schemas.microsoft.com/office/powerpoint/2010/main" val="2627003355"/>
       </p:ext>
     </p:extLst>
   </p:cSld>
@@ -2043,13 +2176,7 @@
       </p:grpSpPr>
       <p:sp>
         <p:nvSpPr>
-          <p:cNvPr id="2" name="Date Placeholder 1">
-            <a:extLst>
-              <a:ext uri="{FF2B5EF4-FFF2-40B4-BE49-F238E27FC236}">
-                <a16:creationId xmlns:a16="http://schemas.microsoft.com/office/drawing/2014/main" id="{064B491E-A168-4CB6-9C30-87D251DFB261}"/>
-              </a:ext>
-            </a:extLst>
-          </p:cNvPr>
+          <p:cNvPr id="2" name="Date Placeholder 1"/>
           <p:cNvSpPr>
             <a:spLocks noGrp="1"/>
           </p:cNvSpPr>
@@ -2072,13 +2199,7 @@
       </p:sp>
       <p:sp>
         <p:nvSpPr>
-          <p:cNvPr id="3" name="Footer Placeholder 2">
-            <a:extLst>
-              <a:ext uri="{FF2B5EF4-FFF2-40B4-BE49-F238E27FC236}">
-                <a16:creationId xmlns:a16="http://schemas.microsoft.com/office/drawing/2014/main" id="{1C2903F1-67E4-4246-A944-1A06248F2C4F}"/>
-              </a:ext>
-            </a:extLst>
-          </p:cNvPr>
+          <p:cNvPr id="3" name="Footer Placeholder 2"/>
           <p:cNvSpPr>
             <a:spLocks noGrp="1"/>
           </p:cNvSpPr>
@@ -2097,13 +2218,7 @@
       </p:sp>
       <p:sp>
         <p:nvSpPr>
-          <p:cNvPr id="4" name="Slide Number Placeholder 3">
-            <a:extLst>
-              <a:ext uri="{FF2B5EF4-FFF2-40B4-BE49-F238E27FC236}">
-                <a16:creationId xmlns:a16="http://schemas.microsoft.com/office/drawing/2014/main" id="{8384990B-2707-4863-A969-BAEA201D5C99}"/>
-              </a:ext>
-            </a:extLst>
-          </p:cNvPr>
+          <p:cNvPr id="4" name="Slide Number Placeholder 3"/>
           <p:cNvSpPr>
             <a:spLocks noGrp="1"/>
           </p:cNvSpPr>
@@ -2127,7 +2242,7 @@
     </p:spTree>
     <p:extLst>
       <p:ext uri="{BB962C8B-B14F-4D97-AF65-F5344CB8AC3E}">
-        <p14:creationId xmlns:p14="http://schemas.microsoft.com/office/powerpoint/2010/main" val="476009499"/>
+        <p14:creationId xmlns:p14="http://schemas.microsoft.com/office/powerpoint/2010/main" val="3592174953"/>
       </p:ext>
     </p:extLst>
   </p:cSld>
@@ -2156,13 +2271,7 @@
       </p:grpSpPr>
       <p:sp>
         <p:nvSpPr>
-          <p:cNvPr id="2" name="Title 1">
-            <a:extLst>
-              <a:ext uri="{FF2B5EF4-FFF2-40B4-BE49-F238E27FC236}">
-                <a16:creationId xmlns:a16="http://schemas.microsoft.com/office/drawing/2014/main" id="{56B7D24B-67B8-4227-96EF-480518295A9F}"/>
-              </a:ext>
-            </a:extLst>
-          </p:cNvPr>
+          <p:cNvPr id="2" name="Title 1"/>
           <p:cNvSpPr>
             <a:spLocks noGrp="1"/>
           </p:cNvSpPr>
@@ -2172,15 +2281,20 @@
         </p:nvSpPr>
         <p:spPr>
           <a:xfrm>
-            <a:off x="839788" y="457200"/>
-            <a:ext cx="3932237" cy="1600200"/>
+            <a:off x="1143000" y="1097280"/>
+            <a:ext cx="3931920" cy="1737360"/>
           </a:xfrm>
         </p:spPr>
         <p:txBody>
-          <a:bodyPr anchor="b"/>
+          <a:bodyPr anchor="b">
+            <a:noAutofit/>
+          </a:bodyPr>
           <a:lstStyle>
             <a:lvl1pPr>
-              <a:defRPr sz="3200"/>
+              <a:lnSpc>
+                <a:spcPct val="90000"/>
+              </a:lnSpc>
+              <a:defRPr sz="4000" b="0"/>
             </a:lvl1pPr>
           </a:lstStyle>
           <a:p>
@@ -2188,18 +2302,13 @@
               <a:rPr lang="en-US"/>
               <a:t>Click to edit Master title style</a:t>
             </a:r>
-          </a:p>
-        </p:txBody>
-      </p:sp>
-      <p:sp>
-        <p:nvSpPr>
-          <p:cNvPr id="3" name="Content Placeholder 2">
-            <a:extLst>
-              <a:ext uri="{FF2B5EF4-FFF2-40B4-BE49-F238E27FC236}">
-                <a16:creationId xmlns:a16="http://schemas.microsoft.com/office/drawing/2014/main" id="{104A2786-9C95-4C89-847E-0635DBE3922D}"/>
-              </a:ext>
-            </a:extLst>
-          </p:cNvPr>
+            <a:endParaRPr lang="en-US" dirty="0"/>
+          </a:p>
+        </p:txBody>
+      </p:sp>
+      <p:sp>
+        <p:nvSpPr>
+          <p:cNvPr id="3" name="Content Placeholder 2"/>
           <p:cNvSpPr>
             <a:spLocks noGrp="1"/>
           </p:cNvSpPr>
@@ -2209,8 +2318,8 @@
         </p:nvSpPr>
         <p:spPr>
           <a:xfrm>
-            <a:off x="5183188" y="987425"/>
-            <a:ext cx="6172200" cy="4873625"/>
+            <a:off x="5852159" y="1097280"/>
+            <a:ext cx="5212080" cy="4663440"/>
           </a:xfrm>
         </p:spPr>
         <p:txBody>
@@ -2278,18 +2387,13 @@
               <a:rPr lang="en-US"/>
               <a:t>Fifth level</a:t>
             </a:r>
-          </a:p>
-        </p:txBody>
-      </p:sp>
-      <p:sp>
-        <p:nvSpPr>
-          <p:cNvPr id="4" name="Text Placeholder 3">
-            <a:extLst>
-              <a:ext uri="{FF2B5EF4-FFF2-40B4-BE49-F238E27FC236}">
-                <a16:creationId xmlns:a16="http://schemas.microsoft.com/office/drawing/2014/main" id="{B469439D-5206-468A-AD6F-FA32441AAE91}"/>
-              </a:ext>
-            </a:extLst>
-          </p:cNvPr>
+            <a:endParaRPr lang="en-US" dirty="0"/>
+          </a:p>
+        </p:txBody>
+      </p:sp>
+      <p:sp>
+        <p:nvSpPr>
+          <p:cNvPr id="4" name="Text Placeholder 3"/>
           <p:cNvSpPr>
             <a:spLocks noGrp="1"/>
           </p:cNvSpPr>
@@ -2299,48 +2403,56 @@
         </p:nvSpPr>
         <p:spPr>
           <a:xfrm>
-            <a:off x="839788" y="2057400"/>
-            <a:ext cx="3932237" cy="3811588"/>
+            <a:off x="1143000" y="2834640"/>
+            <a:ext cx="3931920" cy="3017520"/>
           </a:xfrm>
         </p:spPr>
         <p:txBody>
-          <a:bodyPr/>
+          <a:bodyPr>
+            <a:normAutofit/>
+          </a:bodyPr>
           <a:lstStyle>
             <a:lvl1pPr marL="0" indent="0">
-              <a:buNone/>
-              <a:defRPr sz="1600"/>
+              <a:lnSpc>
+                <a:spcPct val="100000"/>
+              </a:lnSpc>
+              <a:spcBef>
+                <a:spcPts val="1000"/>
+              </a:spcBef>
+              <a:buNone/>
+              <a:defRPr sz="1700"/>
             </a:lvl1pPr>
             <a:lvl2pPr marL="457200" indent="0">
               <a:buNone/>
-              <a:defRPr sz="1400"/>
+              <a:defRPr sz="1200"/>
             </a:lvl2pPr>
             <a:lvl3pPr marL="914400" indent="0">
               <a:buNone/>
-              <a:defRPr sz="1200"/>
+              <a:defRPr sz="1000"/>
             </a:lvl3pPr>
             <a:lvl4pPr marL="1371600" indent="0">
               <a:buNone/>
-              <a:defRPr sz="1000"/>
+              <a:defRPr sz="900"/>
             </a:lvl4pPr>
             <a:lvl5pPr marL="1828800" indent="0">
               <a:buNone/>
-              <a:defRPr sz="1000"/>
+              <a:defRPr sz="900"/>
             </a:lvl5pPr>
             <a:lvl6pPr marL="2286000" indent="0">
               <a:buNone/>
-              <a:defRPr sz="1000"/>
+              <a:defRPr sz="900"/>
             </a:lvl6pPr>
             <a:lvl7pPr marL="2743200" indent="0">
               <a:buNone/>
-              <a:defRPr sz="1000"/>
+              <a:defRPr sz="900"/>
             </a:lvl7pPr>
             <a:lvl8pPr marL="3200400" indent="0">
               <a:buNone/>
-              <a:defRPr sz="1000"/>
+              <a:defRPr sz="900"/>
             </a:lvl8pPr>
             <a:lvl9pPr marL="3657600" indent="0">
               <a:buNone/>
-              <a:defRPr sz="1000"/>
+              <a:defRPr sz="900"/>
             </a:lvl9pPr>
           </a:lstStyle>
           <a:p>
@@ -2354,13 +2466,7 @@
       </p:sp>
       <p:sp>
         <p:nvSpPr>
-          <p:cNvPr id="5" name="Date Placeholder 4">
-            <a:extLst>
-              <a:ext uri="{FF2B5EF4-FFF2-40B4-BE49-F238E27FC236}">
-                <a16:creationId xmlns:a16="http://schemas.microsoft.com/office/drawing/2014/main" id="{38E65F9C-021D-47A9-A2F7-2DB2F73F87DA}"/>
-              </a:ext>
-            </a:extLst>
-          </p:cNvPr>
+          <p:cNvPr id="5" name="Date Placeholder 4"/>
           <p:cNvSpPr>
             <a:spLocks noGrp="1"/>
           </p:cNvSpPr>
@@ -2383,13 +2489,7 @@
       </p:sp>
       <p:sp>
         <p:nvSpPr>
-          <p:cNvPr id="6" name="Footer Placeholder 5">
-            <a:extLst>
-              <a:ext uri="{FF2B5EF4-FFF2-40B4-BE49-F238E27FC236}">
-                <a16:creationId xmlns:a16="http://schemas.microsoft.com/office/drawing/2014/main" id="{A7BD35A3-0AE8-416C-8C2D-322408BD69B4}"/>
-              </a:ext>
-            </a:extLst>
-          </p:cNvPr>
+          <p:cNvPr id="6" name="Footer Placeholder 5"/>
           <p:cNvSpPr>
             <a:spLocks noGrp="1"/>
           </p:cNvSpPr>
@@ -2408,13 +2508,7 @@
       </p:sp>
       <p:sp>
         <p:nvSpPr>
-          <p:cNvPr id="7" name="Slide Number Placeholder 6">
-            <a:extLst>
-              <a:ext uri="{FF2B5EF4-FFF2-40B4-BE49-F238E27FC236}">
-                <a16:creationId xmlns:a16="http://schemas.microsoft.com/office/drawing/2014/main" id="{126B9AB7-BF43-411B-AC1E-F8FEE006499A}"/>
-              </a:ext>
-            </a:extLst>
-          </p:cNvPr>
+          <p:cNvPr id="7" name="Slide Number Placeholder 6"/>
           <p:cNvSpPr>
             <a:spLocks noGrp="1"/>
           </p:cNvSpPr>
@@ -2438,7 +2532,7 @@
     </p:spTree>
     <p:extLst>
       <p:ext uri="{BB962C8B-B14F-4D97-AF65-F5344CB8AC3E}">
-        <p14:creationId xmlns:p14="http://schemas.microsoft.com/office/powerpoint/2010/main" val="3656472137"/>
+        <p14:creationId xmlns:p14="http://schemas.microsoft.com/office/powerpoint/2010/main" val="3981775677"/>
       </p:ext>
     </p:extLst>
   </p:cSld>
@@ -2467,13 +2561,7 @@
       </p:grpSpPr>
       <p:sp>
         <p:nvSpPr>
-          <p:cNvPr id="2" name="Title 1">
-            <a:extLst>
-              <a:ext uri="{FF2B5EF4-FFF2-40B4-BE49-F238E27FC236}">
-                <a16:creationId xmlns:a16="http://schemas.microsoft.com/office/drawing/2014/main" id="{AED95551-A67F-4214-BA2C-B6A3BC487A36}"/>
-              </a:ext>
-            </a:extLst>
-          </p:cNvPr>
+          <p:cNvPr id="2" name="Title 1"/>
           <p:cNvSpPr>
             <a:spLocks noGrp="1"/>
           </p:cNvSpPr>
@@ -2483,15 +2571,20 @@
         </p:nvSpPr>
         <p:spPr>
           <a:xfrm>
-            <a:off x="839788" y="457200"/>
-            <a:ext cx="3932237" cy="1600200"/>
+            <a:off x="1143000" y="1097280"/>
+            <a:ext cx="3931920" cy="1737360"/>
           </a:xfrm>
         </p:spPr>
         <p:txBody>
-          <a:bodyPr anchor="b"/>
+          <a:bodyPr anchor="b">
+            <a:noAutofit/>
+          </a:bodyPr>
           <a:lstStyle>
             <a:lvl1pPr>
-              <a:defRPr sz="3200"/>
+              <a:lnSpc>
+                <a:spcPct val="90000"/>
+              </a:lnSpc>
+              <a:defRPr sz="4000" b="0"/>
             </a:lvl1pPr>
           </a:lstStyle>
           <a:p>
@@ -2499,20 +2592,15 @@
               <a:rPr lang="en-US"/>
               <a:t>Click to edit Master title style</a:t>
             </a:r>
-          </a:p>
-        </p:txBody>
-      </p:sp>
-      <p:sp>
-        <p:nvSpPr>
-          <p:cNvPr id="3" name="Picture Placeholder 2">
-            <a:extLst>
-              <a:ext uri="{FF2B5EF4-FFF2-40B4-BE49-F238E27FC236}">
-                <a16:creationId xmlns:a16="http://schemas.microsoft.com/office/drawing/2014/main" id="{FBF0960B-4BA6-4FA7-B349-348A800EDD77}"/>
-              </a:ext>
-            </a:extLst>
-          </p:cNvPr>
-          <p:cNvSpPr>
-            <a:spLocks noGrp="1"/>
+            <a:endParaRPr lang="en-US" dirty="0"/>
+          </a:p>
+        </p:txBody>
+      </p:sp>
+      <p:sp>
+        <p:nvSpPr>
+          <p:cNvPr id="3" name="Picture Placeholder 2"/>
+          <p:cNvSpPr>
+            <a:spLocks noGrp="1" noChangeAspect="1"/>
           </p:cNvSpPr>
           <p:nvPr>
             <p:ph type="pic" idx="1"/>
@@ -2520,16 +2608,18 @@
         </p:nvSpPr>
         <p:spPr>
           <a:xfrm>
-            <a:off x="5183188" y="987425"/>
-            <a:ext cx="6172200" cy="4873625"/>
+            <a:off x="5413248" y="1069847"/>
+            <a:ext cx="6099048" cy="4800600"/>
           </a:xfrm>
         </p:spPr>
         <p:txBody>
-          <a:bodyPr/>
+          <a:bodyPr lIns="274320" tIns="182880" anchor="t">
+            <a:normAutofit/>
+          </a:bodyPr>
           <a:lstStyle>
             <a:lvl1pPr marL="0" indent="0">
               <a:buNone/>
-              <a:defRPr sz="3200"/>
+              <a:defRPr sz="2800"/>
             </a:lvl1pPr>
             <a:lvl2pPr marL="457200" indent="0">
               <a:buNone/>
@@ -2565,19 +2655,17 @@
             </a:lvl9pPr>
           </a:lstStyle>
           <a:p>
-            <a:endParaRPr lang="en-US"/>
-          </a:p>
-        </p:txBody>
-      </p:sp>
-      <p:sp>
-        <p:nvSpPr>
-          <p:cNvPr id="4" name="Text Placeholder 3">
-            <a:extLst>
-              <a:ext uri="{FF2B5EF4-FFF2-40B4-BE49-F238E27FC236}">
-                <a16:creationId xmlns:a16="http://schemas.microsoft.com/office/drawing/2014/main" id="{580F72CE-9A38-465D-A3A9-26BED5C01D10}"/>
-              </a:ext>
-            </a:extLst>
-          </p:cNvPr>
+            <a:r>
+              <a:rPr lang="en-US"/>
+              <a:t>Click icon to add picture</a:t>
+            </a:r>
+            <a:endParaRPr lang="en-US" dirty="0"/>
+          </a:p>
+        </p:txBody>
+      </p:sp>
+      <p:sp>
+        <p:nvSpPr>
+          <p:cNvPr id="4" name="Text Placeholder 3"/>
           <p:cNvSpPr>
             <a:spLocks noGrp="1"/>
           </p:cNvSpPr>
@@ -2587,48 +2675,56 @@
         </p:nvSpPr>
         <p:spPr>
           <a:xfrm>
-            <a:off x="839788" y="2057400"/>
-            <a:ext cx="3932237" cy="3811588"/>
+            <a:off x="1143000" y="2834640"/>
+            <a:ext cx="3931920" cy="2880360"/>
           </a:xfrm>
         </p:spPr>
         <p:txBody>
-          <a:bodyPr/>
+          <a:bodyPr>
+            <a:normAutofit/>
+          </a:bodyPr>
           <a:lstStyle>
             <a:lvl1pPr marL="0" indent="0">
-              <a:buNone/>
-              <a:defRPr sz="1600"/>
+              <a:lnSpc>
+                <a:spcPct val="100000"/>
+              </a:lnSpc>
+              <a:spcBef>
+                <a:spcPts val="1000"/>
+              </a:spcBef>
+              <a:buNone/>
+              <a:defRPr sz="1700"/>
             </a:lvl1pPr>
             <a:lvl2pPr marL="457200" indent="0">
               <a:buNone/>
-              <a:defRPr sz="1400"/>
+              <a:defRPr sz="1200"/>
             </a:lvl2pPr>
             <a:lvl3pPr marL="914400" indent="0">
               <a:buNone/>
-              <a:defRPr sz="1200"/>
+              <a:defRPr sz="1000"/>
             </a:lvl3pPr>
             <a:lvl4pPr marL="1371600" indent="0">
               <a:buNone/>
-              <a:defRPr sz="1000"/>
+              <a:defRPr sz="900"/>
             </a:lvl4pPr>
             <a:lvl5pPr marL="1828800" indent="0">
               <a:buNone/>
-              <a:defRPr sz="1000"/>
+              <a:defRPr sz="900"/>
             </a:lvl5pPr>
             <a:lvl6pPr marL="2286000" indent="0">
               <a:buNone/>
-              <a:defRPr sz="1000"/>
+              <a:defRPr sz="900"/>
             </a:lvl6pPr>
             <a:lvl7pPr marL="2743200" indent="0">
               <a:buNone/>
-              <a:defRPr sz="1000"/>
+              <a:defRPr sz="900"/>
             </a:lvl7pPr>
             <a:lvl8pPr marL="3200400" indent="0">
               <a:buNone/>
-              <a:defRPr sz="1000"/>
+              <a:defRPr sz="900"/>
             </a:lvl8pPr>
             <a:lvl9pPr marL="3657600" indent="0">
               <a:buNone/>
-              <a:defRPr sz="1000"/>
+              <a:defRPr sz="900"/>
             </a:lvl9pPr>
           </a:lstStyle>
           <a:p>
@@ -2642,13 +2738,7 @@
       </p:sp>
       <p:sp>
         <p:nvSpPr>
-          <p:cNvPr id="5" name="Date Placeholder 4">
-            <a:extLst>
-              <a:ext uri="{FF2B5EF4-FFF2-40B4-BE49-F238E27FC236}">
-                <a16:creationId xmlns:a16="http://schemas.microsoft.com/office/drawing/2014/main" id="{B449CD55-3ADB-40D4-BBC8-EC25137C075F}"/>
-              </a:ext>
-            </a:extLst>
-          </p:cNvPr>
+          <p:cNvPr id="5" name="Date Placeholder 4"/>
           <p:cNvSpPr>
             <a:spLocks noGrp="1"/>
           </p:cNvSpPr>
@@ -2671,13 +2761,7 @@
       </p:sp>
       <p:sp>
         <p:nvSpPr>
-          <p:cNvPr id="6" name="Footer Placeholder 5">
-            <a:extLst>
-              <a:ext uri="{FF2B5EF4-FFF2-40B4-BE49-F238E27FC236}">
-                <a16:creationId xmlns:a16="http://schemas.microsoft.com/office/drawing/2014/main" id="{C1E4931F-2867-41A5-AA9B-D7E35558CBAD}"/>
-              </a:ext>
-            </a:extLst>
-          </p:cNvPr>
+          <p:cNvPr id="6" name="Footer Placeholder 5"/>
           <p:cNvSpPr>
             <a:spLocks noGrp="1"/>
           </p:cNvSpPr>
@@ -2696,13 +2780,7 @@
       </p:sp>
       <p:sp>
         <p:nvSpPr>
-          <p:cNvPr id="7" name="Slide Number Placeholder 6">
-            <a:extLst>
-              <a:ext uri="{FF2B5EF4-FFF2-40B4-BE49-F238E27FC236}">
-                <a16:creationId xmlns:a16="http://schemas.microsoft.com/office/drawing/2014/main" id="{71F0D980-CDEA-4E2E-877A-F8CBE5A6EF42}"/>
-              </a:ext>
-            </a:extLst>
-          </p:cNvPr>
+          <p:cNvPr id="7" name="Slide Number Placeholder 6"/>
           <p:cNvSpPr>
             <a:spLocks noGrp="1"/>
           </p:cNvSpPr>
@@ -2726,7 +2804,7 @@
     </p:spTree>
     <p:extLst>
       <p:ext uri="{BB962C8B-B14F-4D97-AF65-F5344CB8AC3E}">
-        <p14:creationId xmlns:p14="http://schemas.microsoft.com/office/powerpoint/2010/main" val="4188975321"/>
+        <p14:creationId xmlns:p14="http://schemas.microsoft.com/office/powerpoint/2010/main" val="2411053061"/>
       </p:ext>
     </p:extLst>
   </p:cSld>
@@ -2740,9 +2818,12 @@
 <p:sldMaster xmlns:a="http://schemas.openxmlformats.org/drawingml/2006/main" xmlns:r="http://schemas.openxmlformats.org/officeDocument/2006/relationships" xmlns:p="http://schemas.openxmlformats.org/presentationml/2006/main">
   <p:cSld>
     <p:bg>
-      <p:bgRef idx="1001">
-        <a:schemeClr val="bg1"/>
-      </p:bgRef>
+      <p:bgPr>
+        <a:solidFill>
+          <a:schemeClr val="accent1"/>
+        </a:solidFill>
+        <a:effectLst/>
+      </p:bgPr>
     </p:bg>
     <p:spTree>
       <p:nvGrpSpPr>
@@ -2760,24 +2841,58 @@
       </p:grpSpPr>
       <p:sp>
         <p:nvSpPr>
-          <p:cNvPr id="2" name="Title Placeholder 1">
-            <a:extLst>
-              <a:ext uri="{FF2B5EF4-FFF2-40B4-BE49-F238E27FC236}">
-                <a16:creationId xmlns:a16="http://schemas.microsoft.com/office/drawing/2014/main" id="{3B90E7C3-67F1-43AA-8EF3-32D9112EAE1E}"/>
-              </a:ext>
-            </a:extLst>
-          </p:cNvPr>
-          <p:cNvSpPr>
-            <a:spLocks noGrp="1"/>
-          </p:cNvSpPr>
-          <p:nvPr>
-            <p:ph type="title"/>
-          </p:nvPr>
+          <p:cNvPr id="7" name="Rectangle 6"/>
+          <p:cNvSpPr>
+            <a:spLocks noChangeAspect="1"/>
+          </p:cNvSpPr>
+          <p:nvPr/>
         </p:nvSpPr>
         <p:spPr>
           <a:xfrm>
-            <a:off x="838200" y="365125"/>
-            <a:ext cx="10515600" cy="1325563"/>
+            <a:off x="231140" y="243840"/>
+            <a:ext cx="11724640" cy="6377939"/>
+          </a:xfrm>
+          <a:prstGeom prst="rect">
+            <a:avLst/>
+          </a:prstGeom>
+          <a:solidFill>
+            <a:schemeClr val="bg1"/>
+          </a:solidFill>
+          <a:ln w="12700">
+            <a:noFill/>
+          </a:ln>
+        </p:spPr>
+        <p:style>
+          <a:lnRef idx="2">
+            <a:schemeClr val="accent1">
+              <a:shade val="50000"/>
+            </a:schemeClr>
+          </a:lnRef>
+          <a:fillRef idx="1">
+            <a:schemeClr val="accent1"/>
+          </a:fillRef>
+          <a:effectRef idx="0">
+            <a:schemeClr val="accent1"/>
+          </a:effectRef>
+          <a:fontRef idx="minor">
+            <a:schemeClr val="lt1"/>
+          </a:fontRef>
+        </p:style>
+      </p:sp>
+      <p:sp>
+        <p:nvSpPr>
+          <p:cNvPr id="2" name="Title Placeholder 1"/>
+          <p:cNvSpPr>
+            <a:spLocks noGrp="1"/>
+          </p:cNvSpPr>
+          <p:nvPr>
+            <p:ph type="title"/>
+          </p:nvPr>
+        </p:nvSpPr>
+        <p:spPr>
+          <a:xfrm>
+            <a:off x="1143000" y="609600"/>
+            <a:ext cx="9875520" cy="1356360"/>
           </a:xfrm>
           <a:prstGeom prst="rect">
             <a:avLst/>
@@ -2793,18 +2908,13 @@
               <a:rPr lang="en-US"/>
               <a:t>Click to edit Master title style</a:t>
             </a:r>
-          </a:p>
-        </p:txBody>
-      </p:sp>
-      <p:sp>
-        <p:nvSpPr>
-          <p:cNvPr id="3" name="Text Placeholder 2">
-            <a:extLst>
-              <a:ext uri="{FF2B5EF4-FFF2-40B4-BE49-F238E27FC236}">
-                <a16:creationId xmlns:a16="http://schemas.microsoft.com/office/drawing/2014/main" id="{C968E5FB-2ADA-4AE9-B41A-05C3F8454CD2}"/>
-              </a:ext>
-            </a:extLst>
-          </p:cNvPr>
+            <a:endParaRPr lang="en-US" dirty="0"/>
+          </a:p>
+        </p:txBody>
+      </p:sp>
+      <p:sp>
+        <p:nvSpPr>
+          <p:cNvPr id="3" name="Text Placeholder 2"/>
           <p:cNvSpPr>
             <a:spLocks noGrp="1"/>
           </p:cNvSpPr>
@@ -2814,8 +2924,8 @@
         </p:nvSpPr>
         <p:spPr>
           <a:xfrm>
-            <a:off x="838200" y="1825625"/>
-            <a:ext cx="10515600" cy="4351338"/>
+            <a:off x="1143000" y="2057400"/>
+            <a:ext cx="9872871" cy="4038600"/>
           </a:xfrm>
           <a:prstGeom prst="rect">
             <a:avLst/>
@@ -2860,18 +2970,13 @@
               <a:rPr lang="en-US"/>
               <a:t>Fifth level</a:t>
             </a:r>
-          </a:p>
-        </p:txBody>
-      </p:sp>
-      <p:sp>
-        <p:nvSpPr>
-          <p:cNvPr id="4" name="Date Placeholder 3">
-            <a:extLst>
-              <a:ext uri="{FF2B5EF4-FFF2-40B4-BE49-F238E27FC236}">
-                <a16:creationId xmlns:a16="http://schemas.microsoft.com/office/drawing/2014/main" id="{66E783E0-88C3-4DE1-BE6B-9FA2C50CE2DE}"/>
-              </a:ext>
-            </a:extLst>
-          </p:cNvPr>
+            <a:endParaRPr lang="en-US" dirty="0"/>
+          </a:p>
+        </p:txBody>
+      </p:sp>
+      <p:sp>
+        <p:nvSpPr>
+          <p:cNvPr id="4" name="Date Placeholder 3"/>
           <p:cNvSpPr>
             <a:spLocks noGrp="1"/>
           </p:cNvSpPr>
@@ -2881,8 +2986,8 @@
         </p:nvSpPr>
         <p:spPr>
           <a:xfrm>
-            <a:off x="838200" y="6356350"/>
-            <a:ext cx="2743200" cy="365125"/>
+            <a:off x="1142996" y="6223828"/>
+            <a:ext cx="2329074" cy="365125"/>
           </a:xfrm>
           <a:prstGeom prst="rect">
             <a:avLst/>
@@ -2894,9 +2999,7 @@
             <a:lvl1pPr algn="l">
               <a:defRPr sz="1200">
                 <a:solidFill>
-                  <a:schemeClr val="tx1">
-                    <a:tint val="75000"/>
-                  </a:schemeClr>
+                  <a:schemeClr val="accent1"/>
                 </a:solidFill>
               </a:defRPr>
             </a:lvl1pPr>
@@ -2912,13 +3015,7 @@
       </p:sp>
       <p:sp>
         <p:nvSpPr>
-          <p:cNvPr id="5" name="Footer Placeholder 4">
-            <a:extLst>
-              <a:ext uri="{FF2B5EF4-FFF2-40B4-BE49-F238E27FC236}">
-                <a16:creationId xmlns:a16="http://schemas.microsoft.com/office/drawing/2014/main" id="{2655BEF8-CF27-43AE-A741-CCEF5C3A3A03}"/>
-              </a:ext>
-            </a:extLst>
-          </p:cNvPr>
+          <p:cNvPr id="5" name="Footer Placeholder 4"/>
           <p:cNvSpPr>
             <a:spLocks noGrp="1"/>
           </p:cNvSpPr>
@@ -2928,8 +3025,8 @@
         </p:nvSpPr>
         <p:spPr>
           <a:xfrm>
-            <a:off x="4038600" y="6356350"/>
-            <a:ext cx="4114800" cy="365125"/>
+            <a:off x="3949148" y="6223828"/>
+            <a:ext cx="4717774" cy="365125"/>
           </a:xfrm>
           <a:prstGeom prst="rect">
             <a:avLst/>
@@ -2941,9 +3038,7 @@
             <a:lvl1pPr algn="ctr">
               <a:defRPr sz="1200">
                 <a:solidFill>
-                  <a:schemeClr val="tx1">
-                    <a:tint val="75000"/>
-                  </a:schemeClr>
+                  <a:schemeClr val="accent1"/>
                 </a:solidFill>
               </a:defRPr>
             </a:lvl1pPr>
@@ -2955,13 +3050,7 @@
       </p:sp>
       <p:sp>
         <p:nvSpPr>
-          <p:cNvPr id="6" name="Slide Number Placeholder 5">
-            <a:extLst>
-              <a:ext uri="{FF2B5EF4-FFF2-40B4-BE49-F238E27FC236}">
-                <a16:creationId xmlns:a16="http://schemas.microsoft.com/office/drawing/2014/main" id="{7BF5FC1B-2988-48A7-B8AB-67F58E8F94D1}"/>
-              </a:ext>
-            </a:extLst>
-          </p:cNvPr>
+          <p:cNvPr id="6" name="Slide Number Placeholder 5"/>
           <p:cNvSpPr>
             <a:spLocks noGrp="1"/>
           </p:cNvSpPr>
@@ -2971,8 +3060,8 @@
         </p:nvSpPr>
         <p:spPr>
           <a:xfrm>
-            <a:off x="8610600" y="6356350"/>
-            <a:ext cx="2743200" cy="365125"/>
+            <a:off x="9329530" y="6223828"/>
+            <a:ext cx="1706217" cy="365125"/>
           </a:xfrm>
           <a:prstGeom prst="rect">
             <a:avLst/>
@@ -2984,9 +3073,7 @@
             <a:lvl1pPr algn="r">
               <a:defRPr sz="1200">
                 <a:solidFill>
-                  <a:schemeClr val="tx1">
-                    <a:tint val="75000"/>
-                  </a:schemeClr>
+                  <a:schemeClr val="accent1"/>
                 </a:solidFill>
               </a:defRPr>
             </a:lvl1pPr>
@@ -3003,23 +3090,23 @@
     </p:spTree>
     <p:extLst>
       <p:ext uri="{BB962C8B-B14F-4D97-AF65-F5344CB8AC3E}">
-        <p14:creationId xmlns:p14="http://schemas.microsoft.com/office/powerpoint/2010/main" val="806642688"/>
+        <p14:creationId xmlns:p14="http://schemas.microsoft.com/office/powerpoint/2010/main" val="546573059"/>
       </p:ext>
     </p:extLst>
   </p:cSld>
   <p:clrMap bg1="lt1" tx1="dk1" bg2="lt2" tx2="dk2" accent1="accent1" accent2="accent2" accent3="accent3" accent4="accent4" accent5="accent5" accent6="accent6" hlink="hlink" folHlink="folHlink"/>
   <p:sldLayoutIdLst>
-    <p:sldLayoutId id="2147483649" r:id="rId1"/>
-    <p:sldLayoutId id="2147483650" r:id="rId2"/>
-    <p:sldLayoutId id="2147483651" r:id="rId3"/>
-    <p:sldLayoutId id="2147483652" r:id="rId4"/>
-    <p:sldLayoutId id="2147483653" r:id="rId5"/>
-    <p:sldLayoutId id="2147483654" r:id="rId6"/>
-    <p:sldLayoutId id="2147483655" r:id="rId7"/>
-    <p:sldLayoutId id="2147483656" r:id="rId8"/>
-    <p:sldLayoutId id="2147483657" r:id="rId9"/>
-    <p:sldLayoutId id="2147483658" r:id="rId10"/>
-    <p:sldLayoutId id="2147483659" r:id="rId11"/>
+    <p:sldLayoutId id="2147483727" r:id="rId1"/>
+    <p:sldLayoutId id="2147483728" r:id="rId2"/>
+    <p:sldLayoutId id="2147483729" r:id="rId3"/>
+    <p:sldLayoutId id="2147483730" r:id="rId4"/>
+    <p:sldLayoutId id="2147483731" r:id="rId5"/>
+    <p:sldLayoutId id="2147483732" r:id="rId6"/>
+    <p:sldLayoutId id="2147483733" r:id="rId7"/>
+    <p:sldLayoutId id="2147483734" r:id="rId8"/>
+    <p:sldLayoutId id="2147483735" r:id="rId9"/>
+    <p:sldLayoutId id="2147483736" r:id="rId10"/>
+    <p:sldLayoutId id="2147483737" r:id="rId11"/>
   </p:sldLayoutIdLst>
   <p:txStyles>
     <p:titleStyle>
@@ -3033,7 +3120,7 @@
         <a:buNone/>
         <a:defRPr sz="4400" kern="1200">
           <a:solidFill>
-            <a:schemeClr val="tx1"/>
+            <a:schemeClr val="accent1"/>
           </a:solidFill>
           <a:latin typeface="+mj-lt"/>
           <a:ea typeface="+mj-ea"/>
@@ -3042,162 +3129,222 @@
       </a:lvl1pPr>
     </p:titleStyle>
     <p:bodyStyle>
-      <a:lvl1pPr marL="228600" indent="-228600" algn="l" defTabSz="914400" rtl="0" eaLnBrk="1" latinLnBrk="0" hangingPunct="1">
+      <a:lvl1pPr marL="228600" indent="-182880" algn="l" defTabSz="914400" rtl="0" eaLnBrk="1" latinLnBrk="0" hangingPunct="1">
         <a:lnSpc>
           <a:spcPct val="90000"/>
         </a:lnSpc>
         <a:spcBef>
-          <a:spcPts val="1000"/>
+          <a:spcPts val="1400"/>
         </a:spcBef>
-        <a:buFont typeface="Arial" panose="020B0604020202020204" pitchFamily="34" charset="0"/>
+        <a:buClr>
+          <a:schemeClr val="accent1"/>
+        </a:buClr>
+        <a:buSzPct val="80000"/>
+        <a:buFont typeface="Corbel" pitchFamily="34" charset="0"/>
         <a:buChar char="•"/>
-        <a:defRPr sz="2800" kern="1200">
+        <a:defRPr sz="2200" kern="1200">
           <a:solidFill>
-            <a:schemeClr val="tx1"/>
+            <a:schemeClr val="accent1"/>
           </a:solidFill>
           <a:latin typeface="+mn-lt"/>
           <a:ea typeface="+mn-ea"/>
           <a:cs typeface="+mn-cs"/>
         </a:defRPr>
       </a:lvl1pPr>
-      <a:lvl2pPr marL="685800" indent="-228600" algn="l" defTabSz="914400" rtl="0" eaLnBrk="1" latinLnBrk="0" hangingPunct="1">
+      <a:lvl2pPr marL="457200" indent="-182880" algn="l" defTabSz="914400" rtl="0" eaLnBrk="1" latinLnBrk="0" hangingPunct="1">
         <a:lnSpc>
           <a:spcPct val="90000"/>
         </a:lnSpc>
         <a:spcBef>
-          <a:spcPts val="500"/>
+          <a:spcPts val="200"/>
         </a:spcBef>
-        <a:buFont typeface="Arial" panose="020B0604020202020204" pitchFamily="34" charset="0"/>
+        <a:spcAft>
+          <a:spcPts val="400"/>
+        </a:spcAft>
+        <a:buClr>
+          <a:schemeClr val="accent1"/>
+        </a:buClr>
+        <a:buSzPct val="80000"/>
+        <a:buFont typeface="Corbel" pitchFamily="34" charset="0"/>
         <a:buChar char="•"/>
-        <a:defRPr sz="2400" kern="1200">
+        <a:defRPr sz="2000" kern="1200">
           <a:solidFill>
-            <a:schemeClr val="tx1"/>
+            <a:schemeClr val="accent1"/>
           </a:solidFill>
           <a:latin typeface="+mn-lt"/>
           <a:ea typeface="+mn-ea"/>
           <a:cs typeface="+mn-cs"/>
         </a:defRPr>
       </a:lvl2pPr>
-      <a:lvl3pPr marL="1143000" indent="-228600" algn="l" defTabSz="914400" rtl="0" eaLnBrk="1" latinLnBrk="0" hangingPunct="1">
+      <a:lvl3pPr marL="731520" indent="-182880" algn="l" defTabSz="914400" rtl="0" eaLnBrk="1" latinLnBrk="0" hangingPunct="1">
         <a:lnSpc>
           <a:spcPct val="90000"/>
         </a:lnSpc>
         <a:spcBef>
-          <a:spcPts val="500"/>
+          <a:spcPts val="200"/>
         </a:spcBef>
-        <a:buFont typeface="Arial" panose="020B0604020202020204" pitchFamily="34" charset="0"/>
+        <a:spcAft>
+          <a:spcPts val="400"/>
+        </a:spcAft>
+        <a:buClr>
+          <a:schemeClr val="accent1"/>
+        </a:buClr>
+        <a:buSzPct val="80000"/>
+        <a:buFont typeface="Corbel" pitchFamily="34" charset="0"/>
         <a:buChar char="•"/>
-        <a:defRPr sz="2000" kern="1200">
+        <a:defRPr sz="1800" kern="1200">
           <a:solidFill>
-            <a:schemeClr val="tx1"/>
+            <a:schemeClr val="accent1"/>
           </a:solidFill>
           <a:latin typeface="+mn-lt"/>
           <a:ea typeface="+mn-ea"/>
           <a:cs typeface="+mn-cs"/>
         </a:defRPr>
       </a:lvl3pPr>
-      <a:lvl4pPr marL="1600200" indent="-228600" algn="l" defTabSz="914400" rtl="0" eaLnBrk="1" latinLnBrk="0" hangingPunct="1">
+      <a:lvl4pPr marL="1005840" indent="-182880" algn="l" defTabSz="914400" rtl="0" eaLnBrk="1" latinLnBrk="0" hangingPunct="1">
         <a:lnSpc>
           <a:spcPct val="90000"/>
         </a:lnSpc>
         <a:spcBef>
-          <a:spcPts val="500"/>
+          <a:spcPts val="200"/>
         </a:spcBef>
-        <a:buFont typeface="Arial" panose="020B0604020202020204" pitchFamily="34" charset="0"/>
+        <a:spcAft>
+          <a:spcPts val="400"/>
+        </a:spcAft>
+        <a:buClr>
+          <a:schemeClr val="accent1"/>
+        </a:buClr>
+        <a:buSzPct val="80000"/>
+        <a:buFont typeface="Corbel" pitchFamily="34" charset="0"/>
         <a:buChar char="•"/>
-        <a:defRPr sz="1800" kern="1200">
+        <a:defRPr sz="1600" kern="1200">
           <a:solidFill>
-            <a:schemeClr val="tx1"/>
+            <a:schemeClr val="accent1"/>
           </a:solidFill>
           <a:latin typeface="+mn-lt"/>
           <a:ea typeface="+mn-ea"/>
           <a:cs typeface="+mn-cs"/>
         </a:defRPr>
       </a:lvl4pPr>
-      <a:lvl5pPr marL="2057400" indent="-228600" algn="l" defTabSz="914400" rtl="0" eaLnBrk="1" latinLnBrk="0" hangingPunct="1">
+      <a:lvl5pPr marL="1280160" indent="-182880" algn="l" defTabSz="914400" rtl="0" eaLnBrk="1" latinLnBrk="0" hangingPunct="1">
         <a:lnSpc>
           <a:spcPct val="90000"/>
         </a:lnSpc>
         <a:spcBef>
-          <a:spcPts val="500"/>
+          <a:spcPts val="200"/>
         </a:spcBef>
-        <a:buFont typeface="Arial" panose="020B0604020202020204" pitchFamily="34" charset="0"/>
+        <a:spcAft>
+          <a:spcPts val="400"/>
+        </a:spcAft>
+        <a:buClr>
+          <a:schemeClr val="accent1"/>
+        </a:buClr>
+        <a:buSzPct val="80000"/>
+        <a:buFont typeface="Corbel" pitchFamily="34" charset="0"/>
         <a:buChar char="•"/>
-        <a:defRPr sz="1800" kern="1200">
+        <a:defRPr sz="1600" kern="1200">
           <a:solidFill>
-            <a:schemeClr val="tx1"/>
+            <a:schemeClr val="accent1"/>
           </a:solidFill>
           <a:latin typeface="+mn-lt"/>
           <a:ea typeface="+mn-ea"/>
           <a:cs typeface="+mn-cs"/>
         </a:defRPr>
       </a:lvl5pPr>
-      <a:lvl6pPr marL="2514600" indent="-228600" algn="l" defTabSz="914400" rtl="0" eaLnBrk="1" latinLnBrk="0" hangingPunct="1">
+      <a:lvl6pPr marL="1600000" indent="-228600" algn="l" defTabSz="914400" rtl="0" eaLnBrk="1" latinLnBrk="0" hangingPunct="1">
         <a:lnSpc>
           <a:spcPct val="90000"/>
         </a:lnSpc>
         <a:spcBef>
-          <a:spcPts val="500"/>
+          <a:spcPts val="200"/>
         </a:spcBef>
-        <a:buFont typeface="Arial" panose="020B0604020202020204" pitchFamily="34" charset="0"/>
+        <a:spcAft>
+          <a:spcPts val="400"/>
+        </a:spcAft>
+        <a:buClr>
+          <a:schemeClr val="accent1"/>
+        </a:buClr>
+        <a:buSzPct val="80000"/>
+        <a:buFont typeface="Corbel" pitchFamily="34" charset="0"/>
         <a:buChar char="•"/>
-        <a:defRPr sz="1800" kern="1200">
+        <a:defRPr sz="1600" kern="1200">
           <a:solidFill>
-            <a:schemeClr val="tx1"/>
+            <a:schemeClr val="accent1"/>
           </a:solidFill>
           <a:latin typeface="+mn-lt"/>
           <a:ea typeface="+mn-ea"/>
           <a:cs typeface="+mn-cs"/>
         </a:defRPr>
       </a:lvl6pPr>
-      <a:lvl7pPr marL="2971800" indent="-228600" algn="l" defTabSz="914400" rtl="0" eaLnBrk="1" latinLnBrk="0" hangingPunct="1">
+      <a:lvl7pPr marL="1900000" indent="-228600" algn="l" defTabSz="914400" rtl="0" eaLnBrk="1" latinLnBrk="0" hangingPunct="1">
         <a:lnSpc>
           <a:spcPct val="90000"/>
         </a:lnSpc>
         <a:spcBef>
-          <a:spcPts val="500"/>
+          <a:spcPts val="200"/>
         </a:spcBef>
-        <a:buFont typeface="Arial" panose="020B0604020202020204" pitchFamily="34" charset="0"/>
+        <a:spcAft>
+          <a:spcPts val="400"/>
+        </a:spcAft>
+        <a:buClr>
+          <a:schemeClr val="accent1"/>
+        </a:buClr>
+        <a:buSzPct val="80000"/>
+        <a:buFont typeface="Corbel" pitchFamily="34" charset="0"/>
         <a:buChar char="•"/>
-        <a:defRPr sz="1800" kern="1200">
+        <a:defRPr sz="1600" kern="1200">
           <a:solidFill>
-            <a:schemeClr val="tx1"/>
+            <a:schemeClr val="accent1"/>
           </a:solidFill>
           <a:latin typeface="+mn-lt"/>
           <a:ea typeface="+mn-ea"/>
           <a:cs typeface="+mn-cs"/>
         </a:defRPr>
       </a:lvl7pPr>
-      <a:lvl8pPr marL="3429000" indent="-228600" algn="l" defTabSz="914400" rtl="0" eaLnBrk="1" latinLnBrk="0" hangingPunct="1">
+      <a:lvl8pPr marL="2200000" indent="-228600" algn="l" defTabSz="914400" rtl="0" eaLnBrk="1" latinLnBrk="0" hangingPunct="1">
         <a:lnSpc>
           <a:spcPct val="90000"/>
         </a:lnSpc>
         <a:spcBef>
-          <a:spcPts val="500"/>
+          <a:spcPts val="200"/>
         </a:spcBef>
-        <a:buFont typeface="Arial" panose="020B0604020202020204" pitchFamily="34" charset="0"/>
+        <a:spcAft>
+          <a:spcPts val="400"/>
+        </a:spcAft>
+        <a:buClr>
+          <a:schemeClr val="accent1"/>
+        </a:buClr>
+        <a:buSzPct val="80000"/>
+        <a:buFont typeface="Corbel" pitchFamily="34" charset="0"/>
         <a:buChar char="•"/>
-        <a:defRPr sz="1800" kern="1200">
+        <a:defRPr sz="1600" kern="1200">
           <a:solidFill>
-            <a:schemeClr val="tx1"/>
+            <a:schemeClr val="accent1"/>
           </a:solidFill>
           <a:latin typeface="+mn-lt"/>
           <a:ea typeface="+mn-ea"/>
           <a:cs typeface="+mn-cs"/>
         </a:defRPr>
       </a:lvl8pPr>
-      <a:lvl9pPr marL="3886200" indent="-228600" algn="l" defTabSz="914400" rtl="0" eaLnBrk="1" latinLnBrk="0" hangingPunct="1">
+      <a:lvl9pPr marL="2500000" indent="-228600" algn="l" defTabSz="914400" rtl="0" eaLnBrk="1" latinLnBrk="0" hangingPunct="1">
         <a:lnSpc>
           <a:spcPct val="90000"/>
         </a:lnSpc>
         <a:spcBef>
-          <a:spcPts val="500"/>
+          <a:spcPts val="200"/>
         </a:spcBef>
-        <a:buFont typeface="Arial" panose="020B0604020202020204" pitchFamily="34" charset="0"/>
+        <a:spcAft>
+          <a:spcPts val="400"/>
+        </a:spcAft>
+        <a:buClr>
+          <a:schemeClr val="accent1"/>
+        </a:buClr>
+        <a:buSzPct val="80000"/>
+        <a:buFont typeface="Corbel" pitchFamily="34" charset="0"/>
         <a:buChar char="•"/>
-        <a:defRPr sz="1800" kern="1200">
+        <a:defRPr sz="1600" kern="1200">
           <a:solidFill>
-            <a:schemeClr val="tx1"/>
+            <a:schemeClr val="accent1"/>
           </a:solidFill>
           <a:latin typeface="+mn-lt"/>
           <a:ea typeface="+mn-ea"/>
@@ -3323,46 +3470,6 @@
       </p:grpSpPr>
       <p:sp>
         <p:nvSpPr>
-          <p:cNvPr id="2" name="Title 1">
-            <a:extLst>
-              <a:ext uri="{FF2B5EF4-FFF2-40B4-BE49-F238E27FC236}">
-                <a16:creationId xmlns:a16="http://schemas.microsoft.com/office/drawing/2014/main" id="{07A31DFA-2B2C-4A10-9CC3-2A063A73E26D}"/>
-              </a:ext>
-            </a:extLst>
-          </p:cNvPr>
-          <p:cNvSpPr>
-            <a:spLocks noGrp="1"/>
-          </p:cNvSpPr>
-          <p:nvPr>
-            <p:ph type="ctrTitle"/>
-          </p:nvPr>
-        </p:nvSpPr>
-        <p:spPr>
-          <a:xfrm>
-            <a:off x="0" y="677333"/>
-            <a:ext cx="12192000" cy="1735667"/>
-          </a:xfrm>
-        </p:spPr>
-        <p:txBody>
-          <a:bodyPr anchor="ctr">
-            <a:normAutofit fontScale="90000"/>
-          </a:bodyPr>
-          <a:lstStyle/>
-          <a:p>
-            <a:r>
-              <a:rPr lang="en-US" sz="6000" b="1" dirty="0">
-                <a:latin typeface="+mn-lt"/>
-              </a:rPr>
-              <a:t>United States Median House Price vs Median Household Income</a:t>
-            </a:r>
-            <a:endParaRPr lang="en-US" b="1" dirty="0">
-              <a:latin typeface="+mn-lt"/>
-            </a:endParaRPr>
-          </a:p>
-        </p:txBody>
-      </p:sp>
-      <p:sp>
-        <p:nvSpPr>
           <p:cNvPr id="3" name="Subtitle 2">
             <a:extLst>
               <a:ext uri="{FF2B5EF4-FFF2-40B4-BE49-F238E27FC236}">
@@ -3385,7 +3492,7 @@
         </p:spPr>
         <p:txBody>
           <a:bodyPr anchor="ctr">
-            <a:normAutofit lnSpcReduction="10000"/>
+            <a:normAutofit fontScale="92500" lnSpcReduction="10000"/>
           </a:bodyPr>
           <a:lstStyle/>
           <a:p>
@@ -3428,7 +3535,7 @@
         </p:nvSpPr>
         <p:spPr>
           <a:xfrm>
-            <a:off x="2484966" y="2465531"/>
+            <a:off x="2484964" y="2338531"/>
             <a:ext cx="7222068" cy="954107"/>
           </a:xfrm>
           <a:prstGeom prst="rect">
@@ -3459,6 +3566,46 @@
               <a:t>November 12, 2024</a:t>
             </a:r>
             <a:endParaRPr lang="en-US" sz="2400" dirty="0"/>
+          </a:p>
+        </p:txBody>
+      </p:sp>
+      <p:sp>
+        <p:nvSpPr>
+          <p:cNvPr id="9" name="TextBox 8">
+            <a:extLst>
+              <a:ext uri="{FF2B5EF4-FFF2-40B4-BE49-F238E27FC236}">
+                <a16:creationId xmlns:a16="http://schemas.microsoft.com/office/drawing/2014/main" id="{43D7AC2A-AE03-4834-98C4-08C2FA35ACE6}"/>
+              </a:ext>
+            </a:extLst>
+          </p:cNvPr>
+          <p:cNvSpPr txBox="1"/>
+          <p:nvPr/>
+        </p:nvSpPr>
+        <p:spPr>
+          <a:xfrm>
+            <a:off x="186264" y="1142205"/>
+            <a:ext cx="11819467" cy="1015663"/>
+          </a:xfrm>
+          <a:prstGeom prst="rect">
+            <a:avLst/>
+          </a:prstGeom>
+          <a:noFill/>
+        </p:spPr>
+        <p:txBody>
+          <a:bodyPr wrap="square" rtlCol="0" anchor="ctr">
+            <a:spAutoFit/>
+          </a:bodyPr>
+          <a:lstStyle/>
+          <a:p>
+            <a:pPr algn="ctr"/>
+            <a:r>
+              <a:rPr lang="en-US" sz="6000" b="1" dirty="0">
+                <a:solidFill>
+                  <a:schemeClr val="bg1"/>
+                </a:solidFill>
+              </a:rPr>
+              <a:t>United States Housing Market</a:t>
+            </a:r>
           </a:p>
         </p:txBody>
       </p:sp>
@@ -3475,111 +3622,157 @@
 </p:sld>
 </file>
 
+<file path=ppt/slides/slide2.xml><?xml version="1.0" encoding="utf-8"?>
+<p:sld xmlns:a="http://schemas.openxmlformats.org/drawingml/2006/main" xmlns:r="http://schemas.openxmlformats.org/officeDocument/2006/relationships" xmlns:p="http://schemas.openxmlformats.org/presentationml/2006/main">
+  <p:cSld>
+    <p:spTree>
+      <p:nvGrpSpPr>
+        <p:cNvPr id="1" name=""/>
+        <p:cNvGrpSpPr/>
+        <p:nvPr/>
+      </p:nvGrpSpPr>
+      <p:grpSpPr>
+        <a:xfrm>
+          <a:off x="0" y="0"/>
+          <a:ext cx="0" cy="0"/>
+          <a:chOff x="0" y="0"/>
+          <a:chExt cx="0" cy="0"/>
+        </a:xfrm>
+      </p:grpSpPr>
+      <p:sp>
+        <p:nvSpPr>
+          <p:cNvPr id="2" name="Title 1">
+            <a:extLst>
+              <a:ext uri="{FF2B5EF4-FFF2-40B4-BE49-F238E27FC236}">
+                <a16:creationId xmlns:a16="http://schemas.microsoft.com/office/drawing/2014/main" id="{4FF913AD-8CBE-4C0B-8446-9DA06A566F4D}"/>
+              </a:ext>
+            </a:extLst>
+          </p:cNvPr>
+          <p:cNvSpPr>
+            <a:spLocks noGrp="1"/>
+          </p:cNvSpPr>
+          <p:nvPr>
+            <p:ph type="title"/>
+          </p:nvPr>
+        </p:nvSpPr>
+        <p:spPr>
+          <a:xfrm>
+            <a:off x="220132" y="245533"/>
+            <a:ext cx="11743267" cy="872067"/>
+          </a:xfrm>
+        </p:spPr>
+        <p:txBody>
+          <a:bodyPr>
+            <a:normAutofit fontScale="90000"/>
+          </a:bodyPr>
+          <a:lstStyle/>
+          <a:p>
+            <a:r>
+              <a:rPr lang="en-US" sz="3600" b="1" dirty="0">
+                <a:latin typeface="+mn-lt"/>
+              </a:rPr>
+              <a:t>United States Median House Price vs Median Household Income</a:t>
+            </a:r>
+            <a:endParaRPr lang="en-US" sz="3600" dirty="0"/>
+          </a:p>
+        </p:txBody>
+      </p:sp>
+      <p:sp>
+        <p:nvSpPr>
+          <p:cNvPr id="3" name="Content Placeholder 2">
+            <a:extLst>
+              <a:ext uri="{FF2B5EF4-FFF2-40B4-BE49-F238E27FC236}">
+                <a16:creationId xmlns:a16="http://schemas.microsoft.com/office/drawing/2014/main" id="{5A664A7E-2300-42F7-B20F-A533DE70EBA5}"/>
+              </a:ext>
+            </a:extLst>
+          </p:cNvPr>
+          <p:cNvSpPr>
+            <a:spLocks noGrp="1"/>
+          </p:cNvSpPr>
+          <p:nvPr>
+            <p:ph idx="1"/>
+          </p:nvPr>
+        </p:nvSpPr>
+        <p:spPr>
+          <a:xfrm>
+            <a:off x="584200" y="1058333"/>
+            <a:ext cx="9872871" cy="4876800"/>
+          </a:xfrm>
+        </p:spPr>
+        <p:txBody>
+          <a:bodyPr/>
+          <a:lstStyle/>
+          <a:p>
+            <a:endParaRPr lang="en-US" dirty="0"/>
+          </a:p>
+        </p:txBody>
+      </p:sp>
+    </p:spTree>
+    <p:extLst>
+      <p:ext uri="{BB962C8B-B14F-4D97-AF65-F5344CB8AC3E}">
+        <p14:creationId xmlns:p14="http://schemas.microsoft.com/office/powerpoint/2010/main" val="941156980"/>
+      </p:ext>
+    </p:extLst>
+  </p:cSld>
+  <p:clrMapOvr>
+    <a:masterClrMapping/>
+  </p:clrMapOvr>
+</p:sld>
+</file>
+
 <file path=ppt/theme/theme1.xml><?xml version="1.0" encoding="utf-8"?>
-<a:theme xmlns:a="http://schemas.openxmlformats.org/drawingml/2006/main" name="Office Theme">
+<a:theme xmlns:a="http://schemas.openxmlformats.org/drawingml/2006/main" name="Basis">
   <a:themeElements>
-    <a:clrScheme name="Office">
+    <a:clrScheme name="Basis">
       <a:dk1>
-        <a:sysClr val="windowText" lastClr="000000"/>
+        <a:srgbClr val="000000"/>
       </a:dk1>
       <a:lt1>
-        <a:sysClr val="window" lastClr="FFFFFF"/>
+        <a:srgbClr val="FFFFFF"/>
       </a:lt1>
       <a:dk2>
-        <a:srgbClr val="44546A"/>
+        <a:srgbClr val="565349"/>
       </a:dk2>
       <a:lt2>
-        <a:srgbClr val="E7E6E6"/>
+        <a:srgbClr val="DDDDDD"/>
       </a:lt2>
       <a:accent1>
-        <a:srgbClr val="4472C4"/>
+        <a:srgbClr val="A6B727"/>
       </a:accent1>
       <a:accent2>
-        <a:srgbClr val="ED7D31"/>
+        <a:srgbClr val="DF5327"/>
       </a:accent2>
       <a:accent3>
-        <a:srgbClr val="A5A5A5"/>
+        <a:srgbClr val="FE9E00"/>
       </a:accent3>
       <a:accent4>
-        <a:srgbClr val="FFC000"/>
+        <a:srgbClr val="418AB3"/>
       </a:accent4>
       <a:accent5>
-        <a:srgbClr val="5B9BD5"/>
+        <a:srgbClr val="D7D447"/>
       </a:accent5>
       <a:accent6>
-        <a:srgbClr val="70AD47"/>
+        <a:srgbClr val="818183"/>
       </a:accent6>
       <a:hlink>
-        <a:srgbClr val="0563C1"/>
+        <a:srgbClr val="F59E00"/>
       </a:hlink>
       <a:folHlink>
-        <a:srgbClr val="954F72"/>
+        <a:srgbClr val="B2B2B2"/>
       </a:folHlink>
     </a:clrScheme>
-    <a:fontScheme name="Office">
+    <a:fontScheme name="Basis">
       <a:majorFont>
-        <a:latin typeface="Calibri Light" panose="020F0302020204030204"/>
+        <a:latin typeface="Corbel" panose="020B0503020204020204"/>
         <a:ea typeface=""/>
         <a:cs typeface=""/>
-        <a:font script="Jpan" typeface="游ゴシック Light"/>
+        <a:font script="Jpan" typeface="ＭＳ ゴシック"/>
         <a:font script="Hang" typeface="맑은 고딕"/>
-        <a:font script="Hans" typeface="等线 Light"/>
+        <a:font script="Hans" typeface="宋体"/>
         <a:font script="Hant" typeface="新細明體"/>
-        <a:font script="Arab" typeface="Times New Roman"/>
-        <a:font script="Hebr" typeface="Times New Roman"/>
-        <a:font script="Thai" typeface="Angsana New"/>
-        <a:font script="Ethi" typeface="Nyala"/>
-        <a:font script="Beng" typeface="Vrinda"/>
-        <a:font script="Gujr" typeface="Shruti"/>
-        <a:font script="Khmr" typeface="MoolBoran"/>
-        <a:font script="Knda" typeface="Tunga"/>
-        <a:font script="Guru" typeface="Raavi"/>
-        <a:font script="Cans" typeface="Euphemia"/>
-        <a:font script="Cher" typeface="Plantagenet Cherokee"/>
-        <a:font script="Yiii" typeface="Microsoft Yi Baiti"/>
-        <a:font script="Tibt" typeface="Microsoft Himalaya"/>
-        <a:font script="Thaa" typeface="MV Boli"/>
-        <a:font script="Deva" typeface="Mangal"/>
-        <a:font script="Telu" typeface="Gautami"/>
-        <a:font script="Taml" typeface="Latha"/>
-        <a:font script="Syrc" typeface="Estrangelo Edessa"/>
-        <a:font script="Orya" typeface="Kalinga"/>
-        <a:font script="Mlym" typeface="Kartika"/>
-        <a:font script="Laoo" typeface="DokChampa"/>
-        <a:font script="Sinh" typeface="Iskoola Pota"/>
-        <a:font script="Mong" typeface="Mongolian Baiti"/>
-        <a:font script="Viet" typeface="Times New Roman"/>
-        <a:font script="Uigh" typeface="Microsoft Uighur"/>
-        <a:font script="Geor" typeface="Sylfaen"/>
-        <a:font script="Armn" typeface="Arial"/>
-        <a:font script="Bugi" typeface="Leelawadee UI"/>
-        <a:font script="Bopo" typeface="Microsoft JhengHei"/>
-        <a:font script="Java" typeface="Javanese Text"/>
-        <a:font script="Lisu" typeface="Segoe UI"/>
-        <a:font script="Mymr" typeface="Myanmar Text"/>
-        <a:font script="Nkoo" typeface="Ebrima"/>
-        <a:font script="Olck" typeface="Nirmala UI"/>
-        <a:font script="Osma" typeface="Ebrima"/>
-        <a:font script="Phag" typeface="Phagspa"/>
-        <a:font script="Syrn" typeface="Estrangelo Edessa"/>
-        <a:font script="Syrj" typeface="Estrangelo Edessa"/>
-        <a:font script="Syre" typeface="Estrangelo Edessa"/>
-        <a:font script="Sora" typeface="Nirmala UI"/>
-        <a:font script="Tale" typeface="Microsoft Tai Le"/>
-        <a:font script="Talu" typeface="Microsoft New Tai Lue"/>
-        <a:font script="Tfng" typeface="Ebrima"/>
-      </a:majorFont>
-      <a:minorFont>
-        <a:latin typeface="Calibri" panose="020F0502020204030204"/>
-        <a:ea typeface=""/>
-        <a:cs typeface=""/>
-        <a:font script="Jpan" typeface="游ゴシック"/>
-        <a:font script="Hang" typeface="맑은 고딕"/>
-        <a:font script="Hans" typeface="等线"/>
-        <a:font script="Hant" typeface="新細明體"/>
-        <a:font script="Arab" typeface="Arial"/>
-        <a:font script="Hebr" typeface="Arial"/>
-        <a:font script="Thai" typeface="Cordia New"/>
+        <a:font script="Arab" typeface="Tahoma"/>
+        <a:font script="Hebr" typeface="Gisha"/>
+        <a:font script="Thai" typeface="DilleniaUPC"/>
         <a:font script="Ethi" typeface="Nyala"/>
         <a:font script="Beng" typeface="Vrinda"/>
         <a:font script="Gujr" typeface="Shruti"/>
@@ -3600,107 +3793,98 @@
         <a:font script="Laoo" typeface="DokChampa"/>
         <a:font script="Sinh" typeface="Iskoola Pota"/>
         <a:font script="Mong" typeface="Mongolian Baiti"/>
-        <a:font script="Viet" typeface="Arial"/>
+        <a:font script="Viet" typeface="Tahoma"/>
         <a:font script="Uigh" typeface="Microsoft Uighur"/>
         <a:font script="Geor" typeface="Sylfaen"/>
-        <a:font script="Armn" typeface="Arial"/>
-        <a:font script="Bugi" typeface="Leelawadee UI"/>
-        <a:font script="Bopo" typeface="Microsoft JhengHei"/>
-        <a:font script="Java" typeface="Javanese Text"/>
-        <a:font script="Lisu" typeface="Segoe UI"/>
-        <a:font script="Mymr" typeface="Myanmar Text"/>
-        <a:font script="Nkoo" typeface="Ebrima"/>
-        <a:font script="Olck" typeface="Nirmala UI"/>
-        <a:font script="Osma" typeface="Ebrima"/>
-        <a:font script="Phag" typeface="Phagspa"/>
-        <a:font script="Syrn" typeface="Estrangelo Edessa"/>
-        <a:font script="Syrj" typeface="Estrangelo Edessa"/>
-        <a:font script="Syre" typeface="Estrangelo Edessa"/>
-        <a:font script="Sora" typeface="Nirmala UI"/>
-        <a:font script="Tale" typeface="Microsoft Tai Le"/>
-        <a:font script="Talu" typeface="Microsoft New Tai Lue"/>
-        <a:font script="Tfng" typeface="Ebrima"/>
+      </a:majorFont>
+      <a:minorFont>
+        <a:latin typeface="Corbel" panose="020B0503020204020204"/>
+        <a:ea typeface=""/>
+        <a:cs typeface=""/>
+        <a:font script="Jpan" typeface="ＭＳ ゴシック"/>
+        <a:font script="Hang" typeface="맑은 고딕"/>
+        <a:font script="Hans" typeface="宋体"/>
+        <a:font script="Hant" typeface="新細明體"/>
+        <a:font script="Arab" typeface="Tahoma"/>
+        <a:font script="Hebr" typeface="Gisha"/>
+        <a:font script="Thai" typeface="DilleniaUPC"/>
+        <a:font script="Ethi" typeface="Nyala"/>
+        <a:font script="Beng" typeface="Vrinda"/>
+        <a:font script="Gujr" typeface="Shruti"/>
+        <a:font script="Khmr" typeface="DaunPenh"/>
+        <a:font script="Knda" typeface="Tunga"/>
+        <a:font script="Guru" typeface="Raavi"/>
+        <a:font script="Cans" typeface="Euphemia"/>
+        <a:font script="Cher" typeface="Plantagenet Cherokee"/>
+        <a:font script="Yiii" typeface="Microsoft Yi Baiti"/>
+        <a:font script="Tibt" typeface="Microsoft Himalaya"/>
+        <a:font script="Thaa" typeface="MV Boli"/>
+        <a:font script="Deva" typeface="Mangal"/>
+        <a:font script="Telu" typeface="Gautami"/>
+        <a:font script="Taml" typeface="Latha"/>
+        <a:font script="Syrc" typeface="Estrangelo Edessa"/>
+        <a:font script="Orya" typeface="Kalinga"/>
+        <a:font script="Mlym" typeface="Kartika"/>
+        <a:font script="Laoo" typeface="DokChampa"/>
+        <a:font script="Sinh" typeface="Iskoola Pota"/>
+        <a:font script="Mong" typeface="Mongolian Baiti"/>
+        <a:font script="Viet" typeface="Verdana"/>
+        <a:font script="Uigh" typeface="Microsoft Uighur"/>
+        <a:font script="Geor" typeface="Sylfaen"/>
       </a:minorFont>
     </a:fontScheme>
-    <a:fmtScheme name="Office">
+    <a:fmtScheme name="Basis">
       <a:fillStyleLst>
         <a:solidFill>
           <a:schemeClr val="phClr"/>
         </a:solidFill>
+        <a:solidFill>
+          <a:schemeClr val="phClr">
+            <a:tint val="55000"/>
+            <a:satMod val="130000"/>
+          </a:schemeClr>
+        </a:solidFill>
         <a:gradFill rotWithShape="1">
           <a:gsLst>
             <a:gs pos="0">
+              <a:schemeClr val="phClr"/>
+            </a:gs>
+            <a:gs pos="90000">
               <a:schemeClr val="phClr">
-                <a:lumMod val="110000"/>
+                <a:shade val="100000"/>
                 <a:satMod val="105000"/>
-                <a:tint val="67000"/>
-              </a:schemeClr>
-            </a:gs>
-            <a:gs pos="50000">
-              <a:schemeClr val="phClr">
-                <a:lumMod val="105000"/>
-                <a:satMod val="103000"/>
-                <a:tint val="73000"/>
               </a:schemeClr>
             </a:gs>
             <a:gs pos="100000">
               <a:schemeClr val="phClr">
-                <a:lumMod val="105000"/>
-                <a:satMod val="109000"/>
-                <a:tint val="81000"/>
+                <a:shade val="80000"/>
+                <a:satMod val="120000"/>
               </a:schemeClr>
             </a:gs>
           </a:gsLst>
-          <a:lin ang="5400000" scaled="0"/>
-        </a:gradFill>
-        <a:gradFill rotWithShape="1">
-          <a:gsLst>
-            <a:gs pos="0">
-              <a:schemeClr val="phClr">
-                <a:satMod val="103000"/>
-                <a:lumMod val="102000"/>
-                <a:tint val="94000"/>
-              </a:schemeClr>
-            </a:gs>
-            <a:gs pos="50000">
-              <a:schemeClr val="phClr">
-                <a:satMod val="110000"/>
-                <a:lumMod val="100000"/>
-                <a:shade val="100000"/>
-              </a:schemeClr>
-            </a:gs>
-            <a:gs pos="100000">
-              <a:schemeClr val="phClr">
-                <a:lumMod val="99000"/>
-                <a:satMod val="120000"/>
-                <a:shade val="78000"/>
-              </a:schemeClr>
-            </a:gs>
-          </a:gsLst>
-          <a:lin ang="5400000" scaled="0"/>
+          <a:path path="circle">
+            <a:fillToRect l="100000" t="100000" r="100000" b="100000"/>
+          </a:path>
         </a:gradFill>
       </a:fillStyleLst>
       <a:lnStyleLst>
-        <a:ln w="6350" cap="flat" cmpd="sng" algn="ctr">
+        <a:ln w="10000" cap="flat" cmpd="sng" algn="ctr">
           <a:solidFill>
             <a:schemeClr val="phClr"/>
           </a:solidFill>
           <a:prstDash val="solid"/>
-          <a:miter lim="800000"/>
-        </a:ln>
-        <a:ln w="12700" cap="flat" cmpd="sng" algn="ctr">
-          <a:solidFill>
-            <a:schemeClr val="phClr"/>
-          </a:solidFill>
-          <a:prstDash val="solid"/>
-          <a:miter lim="800000"/>
         </a:ln>
         <a:ln w="19050" cap="flat" cmpd="sng" algn="ctr">
           <a:solidFill>
             <a:schemeClr val="phClr"/>
           </a:solidFill>
           <a:prstDash val="solid"/>
-          <a:miter lim="800000"/>
+        </a:ln>
+        <a:ln w="53975" cap="flat" cmpd="dbl" algn="ctr">
+          <a:solidFill>
+            <a:schemeClr val="phClr"/>
+          </a:solidFill>
+          <a:prstDash val="solid"/>
         </a:ln>
       </a:lnStyleLst>
       <a:effectStyleLst>
@@ -3708,16 +3892,37 @@
           <a:effectLst/>
         </a:effectStyle>
         <a:effectStyle>
-          <a:effectLst/>
+          <a:effectLst>
+            <a:outerShdw blurRad="38100" dist="25400" dir="5400000" rotWithShape="0">
+              <a:srgbClr val="000000">
+                <a:alpha val="45000"/>
+              </a:srgbClr>
+            </a:outerShdw>
+          </a:effectLst>
         </a:effectStyle>
         <a:effectStyle>
           <a:effectLst>
-            <a:outerShdw blurRad="57150" dist="19050" dir="5400000" algn="ctr" rotWithShape="0">
+            <a:outerShdw blurRad="38100" dist="25400" dir="5400000" rotWithShape="0">
               <a:srgbClr val="000000">
-                <a:alpha val="63000"/>
+                <a:alpha val="45000"/>
               </a:srgbClr>
             </a:outerShdw>
           </a:effectLst>
+          <a:scene3d>
+            <a:camera prst="orthographicFront">
+              <a:rot lat="0" lon="0" rev="0"/>
+            </a:camera>
+            <a:lightRig rig="brightRoom" dir="t"/>
+          </a:scene3d>
+          <a:sp3d extrusionH="12700" contourW="25400" prstMaterial="flat">
+            <a:bevelT w="63500" h="152400" prst="angle"/>
+            <a:contourClr>
+              <a:schemeClr val="phClr">
+                <a:shade val="27000"/>
+                <a:satMod val="120000"/>
+              </a:schemeClr>
+            </a:contourClr>
+          </a:sp3d>
         </a:effectStyle>
       </a:effectStyleLst>
       <a:bgFillStyleLst>
@@ -3727,36 +3932,18 @@
         <a:solidFill>
           <a:schemeClr val="phClr">
             <a:tint val="95000"/>
-            <a:satMod val="170000"/>
+            <a:shade val="95000"/>
+            <a:satMod val="140000"/>
           </a:schemeClr>
         </a:solidFill>
-        <a:gradFill rotWithShape="1">
-          <a:gsLst>
-            <a:gs pos="0">
-              <a:schemeClr val="phClr">
-                <a:tint val="93000"/>
-                <a:satMod val="150000"/>
-                <a:shade val="98000"/>
-                <a:lumMod val="102000"/>
-              </a:schemeClr>
-            </a:gs>
-            <a:gs pos="50000">
-              <a:schemeClr val="phClr">
-                <a:tint val="98000"/>
-                <a:satMod val="130000"/>
-                <a:shade val="90000"/>
-                <a:lumMod val="103000"/>
-              </a:schemeClr>
-            </a:gs>
-            <a:gs pos="100000">
-              <a:schemeClr val="phClr">
-                <a:shade val="63000"/>
-                <a:satMod val="120000"/>
-              </a:schemeClr>
-            </a:gs>
-          </a:gsLst>
-          <a:lin ang="5400000" scaled="0"/>
-        </a:gradFill>
+        <a:solidFill>
+          <a:schemeClr val="phClr">
+            <a:tint val="90000"/>
+            <a:shade val="85000"/>
+            <a:satMod val="160000"/>
+            <a:lumMod val="110000"/>
+          </a:schemeClr>
+        </a:solidFill>
       </a:bgFillStyleLst>
     </a:fmtScheme>
   </a:themeElements>
@@ -3764,7 +3951,7 @@
   <a:extraClrSchemeLst/>
   <a:extLst>
     <a:ext uri="{05A4C25C-085E-4340-85A3-A5531E510DB2}">
-      <thm15:themeFamily xmlns:thm15="http://schemas.microsoft.com/office/thememl/2012/main" name="Office Theme" id="{62F939B6-93AF-4DB8-9C6B-D6C7DFDC589F}" vid="{4A3C46E8-61CC-4603-A589-7422A47A8E4A}"/>
+      <thm15:themeFamily xmlns:thm15="http://schemas.microsoft.com/office/thememl/2012/main" name="Basis" id="{5665723A-49BA-4B57-8411-A56F8F207965}" vid="{90E45F77-AEFC-46EF-A7C1-5B338C297B02}"/>
     </a:ext>
   </a:extLst>
 </a:theme>

--- a/Presentation/Project-1_Group-8_Presentation-US_Housing_Market.pptx
+++ b/Presentation/Project-1_Group-8_Presentation-US_Housing_Market.pptx
@@ -6,7 +6,12 @@
   </p:sldMasterIdLst>
   <p:sldIdLst>
     <p:sldId id="256" r:id="rId2"/>
-    <p:sldId id="257" r:id="rId3"/>
+    <p:sldId id="258" r:id="rId3"/>
+    <p:sldId id="257" r:id="rId4"/>
+    <p:sldId id="262" r:id="rId5"/>
+    <p:sldId id="259" r:id="rId6"/>
+    <p:sldId id="260" r:id="rId7"/>
+    <p:sldId id="261" r:id="rId8"/>
   </p:sldIdLst>
   <p:sldSz cx="12192000" cy="6858000"/>
   <p:notesSz cx="6858000" cy="9144000"/>
@@ -106,6 +111,37 @@
     </a:lvl9pPr>
   </p:defaultTextStyle>
   <p:extLst>
+    <p:ext uri="{521415D9-36F7-43E2-AB2F-B90AF26B5E84}">
+      <p14:sectionLst xmlns:p14="http://schemas.microsoft.com/office/powerpoint/2010/main">
+        <p14:section name="Introduction" id="{B9022647-A87C-4CE1-BDC2-846A13F50B19}">
+          <p14:sldIdLst>
+            <p14:sldId id="256"/>
+            <p14:sldId id="258"/>
+          </p14:sldIdLst>
+        </p14:section>
+        <p14:section name="Household Income (Amy)" id="{792E91AA-B04F-42B4-BAB1-3147F5BC046E}">
+          <p14:sldIdLst>
+            <p14:sldId id="257"/>
+            <p14:sldId id="262"/>
+          </p14:sldIdLst>
+        </p14:section>
+        <p14:section name="Interest Rates (Eduardo)" id="{B5034727-FAFC-463A-B671-E243F8A0FA5B}">
+          <p14:sldIdLst>
+            <p14:sldId id="259"/>
+          </p14:sldIdLst>
+        </p14:section>
+        <p14:section name="Population Growth (Seth)" id="{C790FDC6-D29D-4EA5-84B8-3CA255DCF5FF}">
+          <p14:sldIdLst>
+            <p14:sldId id="260"/>
+          </p14:sldIdLst>
+        </p14:section>
+        <p14:section name="Unemployment (Rafa)" id="{2A0F1F27-93E5-4F93-B25E-7C5EC6E6860E}">
+          <p14:sldIdLst>
+            <p14:sldId id="261"/>
+          </p14:sldIdLst>
+        </p14:section>
+      </p14:sectionLst>
+    </p:ext>
     <p:ext uri="{EFAFB233-063F-42B5-8137-9DF3F51BA10A}">
       <p15:sldGuideLst xmlns:p15="http://schemas.microsoft.com/office/powerpoint/2012/main"/>
     </p:ext>
@@ -117,8 +153,8 @@
 <pc:chgInfo xmlns:a="http://schemas.openxmlformats.org/drawingml/2006/main" xmlns:r="http://schemas.openxmlformats.org/officeDocument/2006/relationships" xmlns:ac="http://schemas.microsoft.com/office/drawing/2013/main/command" xmlns:pc="http://schemas.microsoft.com/office/powerpoint/2013/main/command">
   <pc:docChgLst>
     <pc:chgData name="amy johnson" userId="25c68ebca75fcc76" providerId="LiveId" clId="{D2E9D5EE-8FC9-43E0-83E2-2F253631FD93}"/>
-    <pc:docChg chg="custSel addSld modSld">
-      <pc:chgData name="amy johnson" userId="25c68ebca75fcc76" providerId="LiveId" clId="{D2E9D5EE-8FC9-43E0-83E2-2F253631FD93}" dt="2024-11-05T05:33:49.784" v="120" actId="1076"/>
+    <pc:docChg chg="undo custSel addSld modSld addSection modSection">
+      <pc:chgData name="amy johnson" userId="25c68ebca75fcc76" providerId="LiveId" clId="{D2E9D5EE-8FC9-43E0-83E2-2F253631FD93}" dt="2024-11-08T04:05:00.707" v="797" actId="14100"/>
       <pc:docMkLst>
         <pc:docMk/>
       </pc:docMkLst>
@@ -185,8 +221,8 @@
           </ac:picMkLst>
         </pc:picChg>
       </pc:sldChg>
-      <pc:sldChg chg="modSp new mod">
-        <pc:chgData name="amy johnson" userId="25c68ebca75fcc76" providerId="LiveId" clId="{D2E9D5EE-8FC9-43E0-83E2-2F253631FD93}" dt="2024-11-05T05:33:49.784" v="120" actId="1076"/>
+      <pc:sldChg chg="addSp modSp new mod">
+        <pc:chgData name="amy johnson" userId="25c68ebca75fcc76" providerId="LiveId" clId="{D2E9D5EE-8FC9-43E0-83E2-2F253631FD93}" dt="2024-11-08T04:00:28.217" v="689" actId="1076"/>
         <pc:sldMkLst>
           <pc:docMk/>
           <pc:sldMk cId="941156980" sldId="257"/>
@@ -200,13 +236,152 @@
           </ac:spMkLst>
         </pc:spChg>
         <pc:spChg chg="mod">
-          <ac:chgData name="amy johnson" userId="25c68ebca75fcc76" providerId="LiveId" clId="{D2E9D5EE-8FC9-43E0-83E2-2F253631FD93}" dt="2024-11-05T05:33:49.784" v="120" actId="1076"/>
+          <ac:chgData name="amy johnson" userId="25c68ebca75fcc76" providerId="LiveId" clId="{D2E9D5EE-8FC9-43E0-83E2-2F253631FD93}" dt="2024-11-08T04:00:28.217" v="689" actId="1076"/>
           <ac:spMkLst>
             <pc:docMk/>
             <pc:sldMk cId="941156980" sldId="257"/>
             <ac:spMk id="3" creationId="{5A664A7E-2300-42F7-B20F-A533DE70EBA5}"/>
           </ac:spMkLst>
         </pc:spChg>
+        <pc:spChg chg="add mod">
+          <ac:chgData name="amy johnson" userId="25c68ebca75fcc76" providerId="LiveId" clId="{D2E9D5EE-8FC9-43E0-83E2-2F253631FD93}" dt="2024-11-08T04:00:12.545" v="682"/>
+          <ac:spMkLst>
+            <pc:docMk/>
+            <pc:sldMk cId="941156980" sldId="257"/>
+            <ac:spMk id="8" creationId="{1E45BD31-C24F-4374-8455-1A0380BC399F}"/>
+          </ac:spMkLst>
+        </pc:spChg>
+        <pc:picChg chg="add mod">
+          <ac:chgData name="amy johnson" userId="25c68ebca75fcc76" providerId="LiveId" clId="{D2E9D5EE-8FC9-43E0-83E2-2F253631FD93}" dt="2024-11-08T04:00:14.563" v="684" actId="1076"/>
+          <ac:picMkLst>
+            <pc:docMk/>
+            <pc:sldMk cId="941156980" sldId="257"/>
+            <ac:picMk id="5" creationId="{736D0001-5317-4497-98E1-0270C848D7A1}"/>
+          </ac:picMkLst>
+        </pc:picChg>
+        <pc:picChg chg="add mod modCrop">
+          <ac:chgData name="amy johnson" userId="25c68ebca75fcc76" providerId="LiveId" clId="{D2E9D5EE-8FC9-43E0-83E2-2F253631FD93}" dt="2024-11-08T03:57:36.143" v="662" actId="1076"/>
+          <ac:picMkLst>
+            <pc:docMk/>
+            <pc:sldMk cId="941156980" sldId="257"/>
+            <ac:picMk id="7" creationId="{A719DCFD-B4C1-4AD5-AC6B-AE6EFC4EB413}"/>
+          </ac:picMkLst>
+        </pc:picChg>
+      </pc:sldChg>
+      <pc:sldChg chg="addSp delSp modSp new mod">
+        <pc:chgData name="amy johnson" userId="25c68ebca75fcc76" providerId="LiveId" clId="{D2E9D5EE-8FC9-43E0-83E2-2F253631FD93}" dt="2024-11-08T04:05:00.707" v="797" actId="14100"/>
+        <pc:sldMkLst>
+          <pc:docMk/>
+          <pc:sldMk cId="8857085" sldId="258"/>
+        </pc:sldMkLst>
+        <pc:spChg chg="mod">
+          <ac:chgData name="amy johnson" userId="25c68ebca75fcc76" providerId="LiveId" clId="{D2E9D5EE-8FC9-43E0-83E2-2F253631FD93}" dt="2024-11-08T04:05:00.264" v="796" actId="14100"/>
+          <ac:spMkLst>
+            <pc:docMk/>
+            <pc:sldMk cId="8857085" sldId="258"/>
+            <ac:spMk id="2" creationId="{EDF4B18D-2226-4672-AC39-BF1D3712BBE2}"/>
+          </ac:spMkLst>
+        </pc:spChg>
+        <pc:spChg chg="mod">
+          <ac:chgData name="amy johnson" userId="25c68ebca75fcc76" providerId="LiveId" clId="{D2E9D5EE-8FC9-43E0-83E2-2F253631FD93}" dt="2024-11-08T04:05:00.707" v="797" actId="14100"/>
+          <ac:spMkLst>
+            <pc:docMk/>
+            <pc:sldMk cId="8857085" sldId="258"/>
+            <ac:spMk id="3" creationId="{01E33C81-1A36-4BB2-AA08-6E1962B5222C}"/>
+          </ac:spMkLst>
+        </pc:spChg>
+        <pc:spChg chg="add del">
+          <ac:chgData name="amy johnson" userId="25c68ebca75fcc76" providerId="LiveId" clId="{D2E9D5EE-8FC9-43E0-83E2-2F253631FD93}" dt="2024-11-08T03:50:39.721" v="578" actId="478"/>
+          <ac:spMkLst>
+            <pc:docMk/>
+            <pc:sldMk cId="8857085" sldId="258"/>
+            <ac:spMk id="4" creationId="{749FB5BD-3CF9-4607-B2B7-647D2FCBDA01}"/>
+          </ac:spMkLst>
+        </pc:spChg>
+        <pc:picChg chg="add mod">
+          <ac:chgData name="amy johnson" userId="25c68ebca75fcc76" providerId="LiveId" clId="{D2E9D5EE-8FC9-43E0-83E2-2F253631FD93}" dt="2024-11-08T03:50:46.697" v="581" actId="1076"/>
+          <ac:picMkLst>
+            <pc:docMk/>
+            <pc:sldMk cId="8857085" sldId="258"/>
+            <ac:picMk id="5" creationId="{97666737-BD74-449C-B985-5708CF08459E}"/>
+          </ac:picMkLst>
+        </pc:picChg>
+      </pc:sldChg>
+      <pc:sldChg chg="modSp add mod">
+        <pc:chgData name="amy johnson" userId="25c68ebca75fcc76" providerId="LiveId" clId="{D2E9D5EE-8FC9-43E0-83E2-2F253631FD93}" dt="2024-11-08T03:52:05.480" v="608" actId="20577"/>
+        <pc:sldMkLst>
+          <pc:docMk/>
+          <pc:sldMk cId="1140609959" sldId="259"/>
+        </pc:sldMkLst>
+        <pc:spChg chg="mod">
+          <ac:chgData name="amy johnson" userId="25c68ebca75fcc76" providerId="LiveId" clId="{D2E9D5EE-8FC9-43E0-83E2-2F253631FD93}" dt="2024-11-08T03:52:05.480" v="608" actId="20577"/>
+          <ac:spMkLst>
+            <pc:docMk/>
+            <pc:sldMk cId="1140609959" sldId="259"/>
+            <ac:spMk id="2" creationId="{4FF913AD-8CBE-4C0B-8446-9DA06A566F4D}"/>
+          </ac:spMkLst>
+        </pc:spChg>
+      </pc:sldChg>
+      <pc:sldChg chg="modSp add mod">
+        <pc:chgData name="amy johnson" userId="25c68ebca75fcc76" providerId="LiveId" clId="{D2E9D5EE-8FC9-43E0-83E2-2F253631FD93}" dt="2024-11-08T03:52:13.824" v="636" actId="20577"/>
+        <pc:sldMkLst>
+          <pc:docMk/>
+          <pc:sldMk cId="116479251" sldId="260"/>
+        </pc:sldMkLst>
+        <pc:spChg chg="mod">
+          <ac:chgData name="amy johnson" userId="25c68ebca75fcc76" providerId="LiveId" clId="{D2E9D5EE-8FC9-43E0-83E2-2F253631FD93}" dt="2024-11-08T03:52:13.824" v="636" actId="20577"/>
+          <ac:spMkLst>
+            <pc:docMk/>
+            <pc:sldMk cId="116479251" sldId="260"/>
+            <ac:spMk id="2" creationId="{4FF913AD-8CBE-4C0B-8446-9DA06A566F4D}"/>
+          </ac:spMkLst>
+        </pc:spChg>
+      </pc:sldChg>
+      <pc:sldChg chg="modSp add mod">
+        <pc:chgData name="amy johnson" userId="25c68ebca75fcc76" providerId="LiveId" clId="{D2E9D5EE-8FC9-43E0-83E2-2F253631FD93}" dt="2024-11-08T03:52:23.513" v="649" actId="20577"/>
+        <pc:sldMkLst>
+          <pc:docMk/>
+          <pc:sldMk cId="953722196" sldId="261"/>
+        </pc:sldMkLst>
+        <pc:spChg chg="mod">
+          <ac:chgData name="amy johnson" userId="25c68ebca75fcc76" providerId="LiveId" clId="{D2E9D5EE-8FC9-43E0-83E2-2F253631FD93}" dt="2024-11-08T03:52:23.513" v="649" actId="20577"/>
+          <ac:spMkLst>
+            <pc:docMk/>
+            <pc:sldMk cId="953722196" sldId="261"/>
+            <ac:spMk id="2" creationId="{4FF913AD-8CBE-4C0B-8446-9DA06A566F4D}"/>
+          </ac:spMkLst>
+        </pc:spChg>
+      </pc:sldChg>
+      <pc:sldChg chg="delSp modSp add mod">
+        <pc:chgData name="amy johnson" userId="25c68ebca75fcc76" providerId="LiveId" clId="{D2E9D5EE-8FC9-43E0-83E2-2F253631FD93}" dt="2024-11-08T04:00:48.754" v="707" actId="478"/>
+        <pc:sldMkLst>
+          <pc:docMk/>
+          <pc:sldMk cId="2304352796" sldId="262"/>
+        </pc:sldMkLst>
+        <pc:spChg chg="mod">
+          <ac:chgData name="amy johnson" userId="25c68ebca75fcc76" providerId="LiveId" clId="{D2E9D5EE-8FC9-43E0-83E2-2F253631FD93}" dt="2024-11-08T04:00:45.119" v="705" actId="20577"/>
+          <ac:spMkLst>
+            <pc:docMk/>
+            <pc:sldMk cId="2304352796" sldId="262"/>
+            <ac:spMk id="2" creationId="{4FF913AD-8CBE-4C0B-8446-9DA06A566F4D}"/>
+          </ac:spMkLst>
+        </pc:spChg>
+        <pc:picChg chg="del">
+          <ac:chgData name="amy johnson" userId="25c68ebca75fcc76" providerId="LiveId" clId="{D2E9D5EE-8FC9-43E0-83E2-2F253631FD93}" dt="2024-11-08T04:00:47.523" v="706" actId="478"/>
+          <ac:picMkLst>
+            <pc:docMk/>
+            <pc:sldMk cId="2304352796" sldId="262"/>
+            <ac:picMk id="5" creationId="{736D0001-5317-4497-98E1-0270C848D7A1}"/>
+          </ac:picMkLst>
+        </pc:picChg>
+        <pc:picChg chg="del">
+          <ac:chgData name="amy johnson" userId="25c68ebca75fcc76" providerId="LiveId" clId="{D2E9D5EE-8FC9-43E0-83E2-2F253631FD93}" dt="2024-11-08T04:00:48.754" v="707" actId="478"/>
+          <ac:picMkLst>
+            <pc:docMk/>
+            <pc:sldMk cId="2304352796" sldId="262"/>
+            <ac:picMk id="7" creationId="{A719DCFD-B4C1-4AD5-AC6B-AE6EFC4EB413}"/>
+          </ac:picMkLst>
+        </pc:picChg>
       </pc:sldChg>
     </pc:docChg>
   </pc:docChgLst>
@@ -409,7 +584,7 @@
           <a:p>
             <a:fld id="{F3576400-C64E-4A7B-B26D-3DB992303269}" type="datetimeFigureOut">
               <a:rPr lang="en-US" smtClean="0"/>
-              <a:t>11/4/2024</a:t>
+              <a:t>11/7/2024</a:t>
             </a:fld>
             <a:endParaRPr lang="en-US"/>
           </a:p>
@@ -630,7 +805,7 @@
           <a:p>
             <a:fld id="{F3576400-C64E-4A7B-B26D-3DB992303269}" type="datetimeFigureOut">
               <a:rPr lang="en-US" smtClean="0"/>
-              <a:t>11/4/2024</a:t>
+              <a:t>11/7/2024</a:t>
             </a:fld>
             <a:endParaRPr lang="en-US"/>
           </a:p>
@@ -810,7 +985,7 @@
           <a:p>
             <a:fld id="{F3576400-C64E-4A7B-B26D-3DB992303269}" type="datetimeFigureOut">
               <a:rPr lang="en-US" smtClean="0"/>
-              <a:t>11/4/2024</a:t>
+              <a:t>11/7/2024</a:t>
             </a:fld>
             <a:endParaRPr lang="en-US"/>
           </a:p>
@@ -980,7 +1155,7 @@
           <a:p>
             <a:fld id="{F3576400-C64E-4A7B-B26D-3DB992303269}" type="datetimeFigureOut">
               <a:rPr lang="en-US" smtClean="0"/>
-              <a:t>11/4/2024</a:t>
+              <a:t>11/7/2024</a:t>
             </a:fld>
             <a:endParaRPr lang="en-US"/>
           </a:p>
@@ -1231,7 +1406,7 @@
           <a:p>
             <a:fld id="{F3576400-C64E-4A7B-B26D-3DB992303269}" type="datetimeFigureOut">
               <a:rPr lang="en-US" smtClean="0"/>
-              <a:t>11/4/2024</a:t>
+              <a:t>11/7/2024</a:t>
             </a:fld>
             <a:endParaRPr lang="en-US"/>
           </a:p>
@@ -1554,7 +1729,7 @@
           <a:p>
             <a:fld id="{F3576400-C64E-4A7B-B26D-3DB992303269}" type="datetimeFigureOut">
               <a:rPr lang="en-US" smtClean="0"/>
-              <a:t>11/4/2024</a:t>
+              <a:t>11/7/2024</a:t>
             </a:fld>
             <a:endParaRPr lang="en-US"/>
           </a:p>
@@ -1978,7 +2153,7 @@
           <a:p>
             <a:fld id="{F3576400-C64E-4A7B-B26D-3DB992303269}" type="datetimeFigureOut">
               <a:rPr lang="en-US" smtClean="0"/>
-              <a:t>11/4/2024</a:t>
+              <a:t>11/7/2024</a:t>
             </a:fld>
             <a:endParaRPr lang="en-US"/>
           </a:p>
@@ -2096,7 +2271,7 @@
           <a:p>
             <a:fld id="{F3576400-C64E-4A7B-B26D-3DB992303269}" type="datetimeFigureOut">
               <a:rPr lang="en-US" smtClean="0"/>
-              <a:t>11/4/2024</a:t>
+              <a:t>11/7/2024</a:t>
             </a:fld>
             <a:endParaRPr lang="en-US"/>
           </a:p>
@@ -2191,7 +2366,7 @@
           <a:p>
             <a:fld id="{F3576400-C64E-4A7B-B26D-3DB992303269}" type="datetimeFigureOut">
               <a:rPr lang="en-US" smtClean="0"/>
-              <a:t>11/4/2024</a:t>
+              <a:t>11/7/2024</a:t>
             </a:fld>
             <a:endParaRPr lang="en-US"/>
           </a:p>
@@ -2481,7 +2656,7 @@
           <a:p>
             <a:fld id="{F3576400-C64E-4A7B-B26D-3DB992303269}" type="datetimeFigureOut">
               <a:rPr lang="en-US" smtClean="0"/>
-              <a:t>11/4/2024</a:t>
+              <a:t>11/7/2024</a:t>
             </a:fld>
             <a:endParaRPr lang="en-US"/>
           </a:p>
@@ -2753,7 +2928,7 @@
           <a:p>
             <a:fld id="{F3576400-C64E-4A7B-B26D-3DB992303269}" type="datetimeFigureOut">
               <a:rPr lang="en-US" smtClean="0"/>
-              <a:t>11/4/2024</a:t>
+              <a:t>11/7/2024</a:t>
             </a:fld>
             <a:endParaRPr lang="en-US"/>
           </a:p>
@@ -3007,7 +3182,7 @@
           <a:p>
             <a:fld id="{F3576400-C64E-4A7B-B26D-3DB992303269}" type="datetimeFigureOut">
               <a:rPr lang="en-US" smtClean="0"/>
-              <a:t>11/4/2024</a:t>
+              <a:t>11/7/2024</a:t>
             </a:fld>
             <a:endParaRPr lang="en-US"/>
           </a:p>
@@ -3644,6 +3819,187 @@
           <p:cNvPr id="2" name="Title 1">
             <a:extLst>
               <a:ext uri="{FF2B5EF4-FFF2-40B4-BE49-F238E27FC236}">
+                <a16:creationId xmlns:a16="http://schemas.microsoft.com/office/drawing/2014/main" id="{EDF4B18D-2226-4672-AC39-BF1D3712BBE2}"/>
+              </a:ext>
+            </a:extLst>
+          </p:cNvPr>
+          <p:cNvSpPr>
+            <a:spLocks noGrp="1"/>
+          </p:cNvSpPr>
+          <p:nvPr>
+            <p:ph type="title"/>
+          </p:nvPr>
+        </p:nvSpPr>
+        <p:spPr>
+          <a:xfrm>
+            <a:off x="236413" y="242277"/>
+            <a:ext cx="11736755" cy="844061"/>
+          </a:xfrm>
+        </p:spPr>
+        <p:txBody>
+          <a:bodyPr>
+            <a:normAutofit/>
+          </a:bodyPr>
+          <a:lstStyle/>
+          <a:p>
+            <a:r>
+              <a:rPr lang="en-US" dirty="0"/>
+              <a:t>What are the trends with the housing market?</a:t>
+            </a:r>
+          </a:p>
+        </p:txBody>
+      </p:sp>
+      <p:sp>
+        <p:nvSpPr>
+          <p:cNvPr id="3" name="Content Placeholder 2">
+            <a:extLst>
+              <a:ext uri="{FF2B5EF4-FFF2-40B4-BE49-F238E27FC236}">
+                <a16:creationId xmlns:a16="http://schemas.microsoft.com/office/drawing/2014/main" id="{01E33C81-1A36-4BB2-AA08-6E1962B5222C}"/>
+              </a:ext>
+            </a:extLst>
+          </p:cNvPr>
+          <p:cNvSpPr>
+            <a:spLocks noGrp="1"/>
+          </p:cNvSpPr>
+          <p:nvPr>
+            <p:ph idx="1"/>
+          </p:nvPr>
+        </p:nvSpPr>
+        <p:spPr>
+          <a:xfrm>
+            <a:off x="1143000" y="1219200"/>
+            <a:ext cx="9872871" cy="4876800"/>
+          </a:xfrm>
+        </p:spPr>
+        <p:txBody>
+          <a:bodyPr/>
+          <a:lstStyle/>
+          <a:p>
+            <a:pPr marL="45720" indent="0">
+              <a:buNone/>
+            </a:pPr>
+            <a:r>
+              <a:rPr lang="en-US" sz="2400" b="1" dirty="0"/>
+              <a:t>Datasets were analyzed to determine trends against United States Median House Price which included:</a:t>
+            </a:r>
+          </a:p>
+          <a:p>
+            <a:pPr lvl="1"/>
+            <a:endParaRPr lang="en-US" dirty="0"/>
+          </a:p>
+          <a:p>
+            <a:pPr lvl="1"/>
+            <a:r>
+              <a:rPr lang="en-US" dirty="0"/>
+              <a:t>Median Household Income</a:t>
+            </a:r>
+          </a:p>
+          <a:p>
+            <a:pPr lvl="1"/>
+            <a:r>
+              <a:rPr lang="en-US" dirty="0"/>
+              <a:t>Inflation Rate</a:t>
+            </a:r>
+          </a:p>
+          <a:p>
+            <a:pPr lvl="1"/>
+            <a:r>
+              <a:rPr lang="en-US" dirty="0"/>
+              <a:t>Interest Rates</a:t>
+            </a:r>
+          </a:p>
+          <a:p>
+            <a:pPr lvl="1"/>
+            <a:r>
+              <a:rPr lang="en-US" dirty="0"/>
+              <a:t>Population Growth</a:t>
+            </a:r>
+          </a:p>
+          <a:p>
+            <a:pPr lvl="1"/>
+            <a:r>
+              <a:rPr lang="en-US" dirty="0"/>
+              <a:t>Housing Inventory</a:t>
+            </a:r>
+          </a:p>
+          <a:p>
+            <a:pPr lvl="1"/>
+            <a:r>
+              <a:rPr lang="en-US" dirty="0"/>
+              <a:t>Unemployment Rate</a:t>
+            </a:r>
+          </a:p>
+          <a:p>
+            <a:pPr lvl="1"/>
+            <a:endParaRPr lang="en-US" dirty="0"/>
+          </a:p>
+        </p:txBody>
+      </p:sp>
+      <p:pic>
+        <p:nvPicPr>
+          <p:cNvPr id="5" name="Picture 4">
+            <a:extLst>
+              <a:ext uri="{FF2B5EF4-FFF2-40B4-BE49-F238E27FC236}">
+                <a16:creationId xmlns:a16="http://schemas.microsoft.com/office/drawing/2014/main" id="{97666737-BD74-449C-B985-5708CF08459E}"/>
+              </a:ext>
+            </a:extLst>
+          </p:cNvPr>
+          <p:cNvPicPr>
+            <a:picLocks noChangeAspect="1"/>
+          </p:cNvPicPr>
+          <p:nvPr/>
+        </p:nvPicPr>
+        <p:blipFill>
+          <a:blip r:embed="rId2"/>
+          <a:stretch>
+            <a:fillRect/>
+          </a:stretch>
+        </p:blipFill>
+        <p:spPr>
+          <a:xfrm>
+            <a:off x="5462954" y="2450785"/>
+            <a:ext cx="5844557" cy="3305245"/>
+          </a:xfrm>
+          <a:prstGeom prst="rect">
+            <a:avLst/>
+          </a:prstGeom>
+        </p:spPr>
+      </p:pic>
+    </p:spTree>
+    <p:extLst>
+      <p:ext uri="{BB962C8B-B14F-4D97-AF65-F5344CB8AC3E}">
+        <p14:creationId xmlns:p14="http://schemas.microsoft.com/office/powerpoint/2010/main" val="8857085"/>
+      </p:ext>
+    </p:extLst>
+  </p:cSld>
+  <p:clrMapOvr>
+    <a:masterClrMapping/>
+  </p:clrMapOvr>
+</p:sld>
+</file>
+
+<file path=ppt/slides/slide3.xml><?xml version="1.0" encoding="utf-8"?>
+<p:sld xmlns:a="http://schemas.openxmlformats.org/drawingml/2006/main" xmlns:r="http://schemas.openxmlformats.org/officeDocument/2006/relationships" xmlns:p="http://schemas.openxmlformats.org/presentationml/2006/main">
+  <p:cSld>
+    <p:spTree>
+      <p:nvGrpSpPr>
+        <p:cNvPr id="1" name=""/>
+        <p:cNvGrpSpPr/>
+        <p:nvPr/>
+      </p:nvGrpSpPr>
+      <p:grpSpPr>
+        <a:xfrm>
+          <a:off x="0" y="0"/>
+          <a:ext cx="0" cy="0"/>
+          <a:chOff x="0" y="0"/>
+          <a:chExt cx="0" cy="0"/>
+        </a:xfrm>
+      </p:grpSpPr>
+      <p:sp>
+        <p:nvSpPr>
+          <p:cNvPr id="2" name="Title 1">
+            <a:extLst>
+              <a:ext uri="{FF2B5EF4-FFF2-40B4-BE49-F238E27FC236}">
                 <a16:creationId xmlns:a16="http://schemas.microsoft.com/office/drawing/2014/main" id="{4FF913AD-8CBE-4C0B-8446-9DA06A566F4D}"/>
               </a:ext>
             </a:extLst>
@@ -3695,14 +4051,336 @@
         </p:nvSpPr>
         <p:spPr>
           <a:xfrm>
-            <a:off x="584200" y="1058333"/>
-            <a:ext cx="9872871" cy="4876800"/>
+            <a:off x="7578970" y="3845170"/>
+            <a:ext cx="4300209" cy="2741284"/>
           </a:xfrm>
         </p:spPr>
         <p:txBody>
           <a:bodyPr/>
           <a:lstStyle/>
           <a:p>
+            <a:r>
+              <a:rPr lang="en-US" dirty="0"/>
+              <a:t>comments</a:t>
+            </a:r>
+          </a:p>
+        </p:txBody>
+      </p:sp>
+      <p:pic>
+        <p:nvPicPr>
+          <p:cNvPr id="5" name="Picture 4">
+            <a:extLst>
+              <a:ext uri="{FF2B5EF4-FFF2-40B4-BE49-F238E27FC236}">
+                <a16:creationId xmlns:a16="http://schemas.microsoft.com/office/drawing/2014/main" id="{736D0001-5317-4497-98E1-0270C848D7A1}"/>
+              </a:ext>
+            </a:extLst>
+          </p:cNvPr>
+          <p:cNvPicPr>
+            <a:picLocks noChangeAspect="1"/>
+          </p:cNvPicPr>
+          <p:nvPr/>
+        </p:nvPicPr>
+        <p:blipFill>
+          <a:blip r:embed="rId2"/>
+          <a:stretch>
+            <a:fillRect/>
+          </a:stretch>
+        </p:blipFill>
+        <p:spPr>
+          <a:xfrm>
+            <a:off x="235762" y="3018039"/>
+            <a:ext cx="7188853" cy="3594427"/>
+          </a:xfrm>
+          <a:prstGeom prst="rect">
+            <a:avLst/>
+          </a:prstGeom>
+        </p:spPr>
+      </p:pic>
+      <p:pic>
+        <p:nvPicPr>
+          <p:cNvPr id="7" name="Picture 6">
+            <a:extLst>
+              <a:ext uri="{FF2B5EF4-FFF2-40B4-BE49-F238E27FC236}">
+                <a16:creationId xmlns:a16="http://schemas.microsoft.com/office/drawing/2014/main" id="{A719DCFD-B4C1-4AD5-AC6B-AE6EFC4EB413}"/>
+              </a:ext>
+            </a:extLst>
+          </p:cNvPr>
+          <p:cNvPicPr>
+            <a:picLocks noChangeAspect="1"/>
+          </p:cNvPicPr>
+          <p:nvPr/>
+        </p:nvPicPr>
+        <p:blipFill rotWithShape="1">
+          <a:blip r:embed="rId3"/>
+          <a:srcRect t="509"/>
+          <a:stretch/>
+        </p:blipFill>
+        <p:spPr>
+          <a:xfrm>
+            <a:off x="7858798" y="820615"/>
+            <a:ext cx="4082216" cy="3050567"/>
+          </a:xfrm>
+          <a:prstGeom prst="rect">
+            <a:avLst/>
+          </a:prstGeom>
+        </p:spPr>
+      </p:pic>
+      <p:sp>
+        <p:nvSpPr>
+          <p:cNvPr id="8" name="Content Placeholder 2">
+            <a:extLst>
+              <a:ext uri="{FF2B5EF4-FFF2-40B4-BE49-F238E27FC236}">
+                <a16:creationId xmlns:a16="http://schemas.microsoft.com/office/drawing/2014/main" id="{1E45BD31-C24F-4374-8455-1A0380BC399F}"/>
+              </a:ext>
+            </a:extLst>
+          </p:cNvPr>
+          <p:cNvSpPr txBox="1">
+            <a:spLocks/>
+          </p:cNvSpPr>
+          <p:nvPr/>
+        </p:nvSpPr>
+        <p:spPr>
+          <a:xfrm>
+            <a:off x="736601" y="1210733"/>
+            <a:ext cx="7051430" cy="1802098"/>
+          </a:xfrm>
+          <a:prstGeom prst="rect">
+            <a:avLst/>
+          </a:prstGeom>
+        </p:spPr>
+        <p:txBody>
+          <a:bodyPr vert="horz" lIns="91440" tIns="45720" rIns="91440" bIns="45720" rtlCol="0">
+            <a:normAutofit/>
+          </a:bodyPr>
+          <a:lstStyle>
+            <a:lvl1pPr marL="228600" indent="-182880" algn="l" defTabSz="914400" rtl="0" eaLnBrk="1" latinLnBrk="0" hangingPunct="1">
+              <a:lnSpc>
+                <a:spcPct val="90000"/>
+              </a:lnSpc>
+              <a:spcBef>
+                <a:spcPts val="1400"/>
+              </a:spcBef>
+              <a:buClr>
+                <a:schemeClr val="accent1"/>
+              </a:buClr>
+              <a:buSzPct val="80000"/>
+              <a:buFont typeface="Corbel" pitchFamily="34" charset="0"/>
+              <a:buChar char="•"/>
+              <a:defRPr sz="2200" kern="1200">
+                <a:solidFill>
+                  <a:schemeClr val="accent1"/>
+                </a:solidFill>
+                <a:latin typeface="+mn-lt"/>
+                <a:ea typeface="+mn-ea"/>
+                <a:cs typeface="+mn-cs"/>
+              </a:defRPr>
+            </a:lvl1pPr>
+            <a:lvl2pPr marL="457200" indent="-182880" algn="l" defTabSz="914400" rtl="0" eaLnBrk="1" latinLnBrk="0" hangingPunct="1">
+              <a:lnSpc>
+                <a:spcPct val="90000"/>
+              </a:lnSpc>
+              <a:spcBef>
+                <a:spcPts val="200"/>
+              </a:spcBef>
+              <a:spcAft>
+                <a:spcPts val="400"/>
+              </a:spcAft>
+              <a:buClr>
+                <a:schemeClr val="accent1"/>
+              </a:buClr>
+              <a:buSzPct val="80000"/>
+              <a:buFont typeface="Corbel" pitchFamily="34" charset="0"/>
+              <a:buChar char="•"/>
+              <a:defRPr sz="2000" kern="1200">
+                <a:solidFill>
+                  <a:schemeClr val="accent1"/>
+                </a:solidFill>
+                <a:latin typeface="+mn-lt"/>
+                <a:ea typeface="+mn-ea"/>
+                <a:cs typeface="+mn-cs"/>
+              </a:defRPr>
+            </a:lvl2pPr>
+            <a:lvl3pPr marL="731520" indent="-182880" algn="l" defTabSz="914400" rtl="0" eaLnBrk="1" latinLnBrk="0" hangingPunct="1">
+              <a:lnSpc>
+                <a:spcPct val="90000"/>
+              </a:lnSpc>
+              <a:spcBef>
+                <a:spcPts val="200"/>
+              </a:spcBef>
+              <a:spcAft>
+                <a:spcPts val="400"/>
+              </a:spcAft>
+              <a:buClr>
+                <a:schemeClr val="accent1"/>
+              </a:buClr>
+              <a:buSzPct val="80000"/>
+              <a:buFont typeface="Corbel" pitchFamily="34" charset="0"/>
+              <a:buChar char="•"/>
+              <a:defRPr sz="1800" kern="1200">
+                <a:solidFill>
+                  <a:schemeClr val="accent1"/>
+                </a:solidFill>
+                <a:latin typeface="+mn-lt"/>
+                <a:ea typeface="+mn-ea"/>
+                <a:cs typeface="+mn-cs"/>
+              </a:defRPr>
+            </a:lvl3pPr>
+            <a:lvl4pPr marL="1005840" indent="-182880" algn="l" defTabSz="914400" rtl="0" eaLnBrk="1" latinLnBrk="0" hangingPunct="1">
+              <a:lnSpc>
+                <a:spcPct val="90000"/>
+              </a:lnSpc>
+              <a:spcBef>
+                <a:spcPts val="200"/>
+              </a:spcBef>
+              <a:spcAft>
+                <a:spcPts val="400"/>
+              </a:spcAft>
+              <a:buClr>
+                <a:schemeClr val="accent1"/>
+              </a:buClr>
+              <a:buSzPct val="80000"/>
+              <a:buFont typeface="Corbel" pitchFamily="34" charset="0"/>
+              <a:buChar char="•"/>
+              <a:defRPr sz="1600" kern="1200">
+                <a:solidFill>
+                  <a:schemeClr val="accent1"/>
+                </a:solidFill>
+                <a:latin typeface="+mn-lt"/>
+                <a:ea typeface="+mn-ea"/>
+                <a:cs typeface="+mn-cs"/>
+              </a:defRPr>
+            </a:lvl4pPr>
+            <a:lvl5pPr marL="1280160" indent="-182880" algn="l" defTabSz="914400" rtl="0" eaLnBrk="1" latinLnBrk="0" hangingPunct="1">
+              <a:lnSpc>
+                <a:spcPct val="90000"/>
+              </a:lnSpc>
+              <a:spcBef>
+                <a:spcPts val="200"/>
+              </a:spcBef>
+              <a:spcAft>
+                <a:spcPts val="400"/>
+              </a:spcAft>
+              <a:buClr>
+                <a:schemeClr val="accent1"/>
+              </a:buClr>
+              <a:buSzPct val="80000"/>
+              <a:buFont typeface="Corbel" pitchFamily="34" charset="0"/>
+              <a:buChar char="•"/>
+              <a:defRPr sz="1600" kern="1200">
+                <a:solidFill>
+                  <a:schemeClr val="accent1"/>
+                </a:solidFill>
+                <a:latin typeface="+mn-lt"/>
+                <a:ea typeface="+mn-ea"/>
+                <a:cs typeface="+mn-cs"/>
+              </a:defRPr>
+            </a:lvl5pPr>
+            <a:lvl6pPr marL="1600000" indent="-228600" algn="l" defTabSz="914400" rtl="0" eaLnBrk="1" latinLnBrk="0" hangingPunct="1">
+              <a:lnSpc>
+                <a:spcPct val="90000"/>
+              </a:lnSpc>
+              <a:spcBef>
+                <a:spcPts val="200"/>
+              </a:spcBef>
+              <a:spcAft>
+                <a:spcPts val="400"/>
+              </a:spcAft>
+              <a:buClr>
+                <a:schemeClr val="accent1"/>
+              </a:buClr>
+              <a:buSzPct val="80000"/>
+              <a:buFont typeface="Corbel" pitchFamily="34" charset="0"/>
+              <a:buChar char="•"/>
+              <a:defRPr sz="1600" kern="1200">
+                <a:solidFill>
+                  <a:schemeClr val="accent1"/>
+                </a:solidFill>
+                <a:latin typeface="+mn-lt"/>
+                <a:ea typeface="+mn-ea"/>
+                <a:cs typeface="+mn-cs"/>
+              </a:defRPr>
+            </a:lvl6pPr>
+            <a:lvl7pPr marL="1900000" indent="-228600" algn="l" defTabSz="914400" rtl="0" eaLnBrk="1" latinLnBrk="0" hangingPunct="1">
+              <a:lnSpc>
+                <a:spcPct val="90000"/>
+              </a:lnSpc>
+              <a:spcBef>
+                <a:spcPts val="200"/>
+              </a:spcBef>
+              <a:spcAft>
+                <a:spcPts val="400"/>
+              </a:spcAft>
+              <a:buClr>
+                <a:schemeClr val="accent1"/>
+              </a:buClr>
+              <a:buSzPct val="80000"/>
+              <a:buFont typeface="Corbel" pitchFamily="34" charset="0"/>
+              <a:buChar char="•"/>
+              <a:defRPr sz="1600" kern="1200">
+                <a:solidFill>
+                  <a:schemeClr val="accent1"/>
+                </a:solidFill>
+                <a:latin typeface="+mn-lt"/>
+                <a:ea typeface="+mn-ea"/>
+                <a:cs typeface="+mn-cs"/>
+              </a:defRPr>
+            </a:lvl7pPr>
+            <a:lvl8pPr marL="2200000" indent="-228600" algn="l" defTabSz="914400" rtl="0" eaLnBrk="1" latinLnBrk="0" hangingPunct="1">
+              <a:lnSpc>
+                <a:spcPct val="90000"/>
+              </a:lnSpc>
+              <a:spcBef>
+                <a:spcPts val="200"/>
+              </a:spcBef>
+              <a:spcAft>
+                <a:spcPts val="400"/>
+              </a:spcAft>
+              <a:buClr>
+                <a:schemeClr val="accent1"/>
+              </a:buClr>
+              <a:buSzPct val="80000"/>
+              <a:buFont typeface="Corbel" pitchFamily="34" charset="0"/>
+              <a:buChar char="•"/>
+              <a:defRPr sz="1600" kern="1200">
+                <a:solidFill>
+                  <a:schemeClr val="accent1"/>
+                </a:solidFill>
+                <a:latin typeface="+mn-lt"/>
+                <a:ea typeface="+mn-ea"/>
+                <a:cs typeface="+mn-cs"/>
+              </a:defRPr>
+            </a:lvl8pPr>
+            <a:lvl9pPr marL="2500000" indent="-228600" algn="l" defTabSz="914400" rtl="0" eaLnBrk="1" latinLnBrk="0" hangingPunct="1">
+              <a:lnSpc>
+                <a:spcPct val="90000"/>
+              </a:lnSpc>
+              <a:spcBef>
+                <a:spcPts val="200"/>
+              </a:spcBef>
+              <a:spcAft>
+                <a:spcPts val="400"/>
+              </a:spcAft>
+              <a:buClr>
+                <a:schemeClr val="accent1"/>
+              </a:buClr>
+              <a:buSzPct val="80000"/>
+              <a:buFont typeface="Corbel" pitchFamily="34" charset="0"/>
+              <a:buChar char="•"/>
+              <a:defRPr sz="1600" kern="1200">
+                <a:solidFill>
+                  <a:schemeClr val="accent1"/>
+                </a:solidFill>
+                <a:latin typeface="+mn-lt"/>
+                <a:ea typeface="+mn-ea"/>
+                <a:cs typeface="+mn-cs"/>
+              </a:defRPr>
+            </a:lvl9pPr>
+          </a:lstStyle>
+          <a:p>
+            <a:r>
+              <a:rPr lang="en-US"/>
+              <a:t>comments</a:t>
+            </a:r>
             <a:endParaRPr lang="en-US" dirty="0"/>
           </a:p>
         </p:txBody>
@@ -3720,45 +4398,700 @@
 </p:sld>
 </file>
 
+<file path=ppt/slides/slide4.xml><?xml version="1.0" encoding="utf-8"?>
+<p:sld xmlns:a="http://schemas.openxmlformats.org/drawingml/2006/main" xmlns:r="http://schemas.openxmlformats.org/officeDocument/2006/relationships" xmlns:p="http://schemas.openxmlformats.org/presentationml/2006/main">
+  <p:cSld>
+    <p:spTree>
+      <p:nvGrpSpPr>
+        <p:cNvPr id="1" name=""/>
+        <p:cNvGrpSpPr/>
+        <p:nvPr/>
+      </p:nvGrpSpPr>
+      <p:grpSpPr>
+        <a:xfrm>
+          <a:off x="0" y="0"/>
+          <a:ext cx="0" cy="0"/>
+          <a:chOff x="0" y="0"/>
+          <a:chExt cx="0" cy="0"/>
+        </a:xfrm>
+      </p:grpSpPr>
+      <p:sp>
+        <p:nvSpPr>
+          <p:cNvPr id="2" name="Title 1">
+            <a:extLst>
+              <a:ext uri="{FF2B5EF4-FFF2-40B4-BE49-F238E27FC236}">
+                <a16:creationId xmlns:a16="http://schemas.microsoft.com/office/drawing/2014/main" id="{4FF913AD-8CBE-4C0B-8446-9DA06A566F4D}"/>
+              </a:ext>
+            </a:extLst>
+          </p:cNvPr>
+          <p:cNvSpPr>
+            <a:spLocks noGrp="1"/>
+          </p:cNvSpPr>
+          <p:nvPr>
+            <p:ph type="title"/>
+          </p:nvPr>
+        </p:nvSpPr>
+        <p:spPr>
+          <a:xfrm>
+            <a:off x="220132" y="245533"/>
+            <a:ext cx="11743267" cy="872067"/>
+          </a:xfrm>
+        </p:spPr>
+        <p:txBody>
+          <a:bodyPr>
+            <a:normAutofit/>
+          </a:bodyPr>
+          <a:lstStyle/>
+          <a:p>
+            <a:r>
+              <a:rPr lang="en-US" sz="3600" b="1" dirty="0">
+                <a:latin typeface="+mn-lt"/>
+              </a:rPr>
+              <a:t>United States Median House Price plus Inflation</a:t>
+            </a:r>
+            <a:endParaRPr lang="en-US" sz="3600" dirty="0"/>
+          </a:p>
+        </p:txBody>
+      </p:sp>
+      <p:sp>
+        <p:nvSpPr>
+          <p:cNvPr id="3" name="Content Placeholder 2">
+            <a:extLst>
+              <a:ext uri="{FF2B5EF4-FFF2-40B4-BE49-F238E27FC236}">
+                <a16:creationId xmlns:a16="http://schemas.microsoft.com/office/drawing/2014/main" id="{5A664A7E-2300-42F7-B20F-A533DE70EBA5}"/>
+              </a:ext>
+            </a:extLst>
+          </p:cNvPr>
+          <p:cNvSpPr>
+            <a:spLocks noGrp="1"/>
+          </p:cNvSpPr>
+          <p:nvPr>
+            <p:ph idx="1"/>
+          </p:nvPr>
+        </p:nvSpPr>
+        <p:spPr>
+          <a:xfrm>
+            <a:off x="7578970" y="3845170"/>
+            <a:ext cx="4300209" cy="2741284"/>
+          </a:xfrm>
+        </p:spPr>
+        <p:txBody>
+          <a:bodyPr/>
+          <a:lstStyle/>
+          <a:p>
+            <a:r>
+              <a:rPr lang="en-US" dirty="0"/>
+              <a:t>comments</a:t>
+            </a:r>
+          </a:p>
+        </p:txBody>
+      </p:sp>
+      <p:sp>
+        <p:nvSpPr>
+          <p:cNvPr id="8" name="Content Placeholder 2">
+            <a:extLst>
+              <a:ext uri="{FF2B5EF4-FFF2-40B4-BE49-F238E27FC236}">
+                <a16:creationId xmlns:a16="http://schemas.microsoft.com/office/drawing/2014/main" id="{1E45BD31-C24F-4374-8455-1A0380BC399F}"/>
+              </a:ext>
+            </a:extLst>
+          </p:cNvPr>
+          <p:cNvSpPr txBox="1">
+            <a:spLocks/>
+          </p:cNvSpPr>
+          <p:nvPr/>
+        </p:nvSpPr>
+        <p:spPr>
+          <a:xfrm>
+            <a:off x="736601" y="1210733"/>
+            <a:ext cx="7051430" cy="1802098"/>
+          </a:xfrm>
+          <a:prstGeom prst="rect">
+            <a:avLst/>
+          </a:prstGeom>
+        </p:spPr>
+        <p:txBody>
+          <a:bodyPr vert="horz" lIns="91440" tIns="45720" rIns="91440" bIns="45720" rtlCol="0">
+            <a:normAutofit/>
+          </a:bodyPr>
+          <a:lstStyle>
+            <a:lvl1pPr marL="228600" indent="-182880" algn="l" defTabSz="914400" rtl="0" eaLnBrk="1" latinLnBrk="0" hangingPunct="1">
+              <a:lnSpc>
+                <a:spcPct val="90000"/>
+              </a:lnSpc>
+              <a:spcBef>
+                <a:spcPts val="1400"/>
+              </a:spcBef>
+              <a:buClr>
+                <a:schemeClr val="accent1"/>
+              </a:buClr>
+              <a:buSzPct val="80000"/>
+              <a:buFont typeface="Corbel" pitchFamily="34" charset="0"/>
+              <a:buChar char="•"/>
+              <a:defRPr sz="2200" kern="1200">
+                <a:solidFill>
+                  <a:schemeClr val="accent1"/>
+                </a:solidFill>
+                <a:latin typeface="+mn-lt"/>
+                <a:ea typeface="+mn-ea"/>
+                <a:cs typeface="+mn-cs"/>
+              </a:defRPr>
+            </a:lvl1pPr>
+            <a:lvl2pPr marL="457200" indent="-182880" algn="l" defTabSz="914400" rtl="0" eaLnBrk="1" latinLnBrk="0" hangingPunct="1">
+              <a:lnSpc>
+                <a:spcPct val="90000"/>
+              </a:lnSpc>
+              <a:spcBef>
+                <a:spcPts val="200"/>
+              </a:spcBef>
+              <a:spcAft>
+                <a:spcPts val="400"/>
+              </a:spcAft>
+              <a:buClr>
+                <a:schemeClr val="accent1"/>
+              </a:buClr>
+              <a:buSzPct val="80000"/>
+              <a:buFont typeface="Corbel" pitchFamily="34" charset="0"/>
+              <a:buChar char="•"/>
+              <a:defRPr sz="2000" kern="1200">
+                <a:solidFill>
+                  <a:schemeClr val="accent1"/>
+                </a:solidFill>
+                <a:latin typeface="+mn-lt"/>
+                <a:ea typeface="+mn-ea"/>
+                <a:cs typeface="+mn-cs"/>
+              </a:defRPr>
+            </a:lvl2pPr>
+            <a:lvl3pPr marL="731520" indent="-182880" algn="l" defTabSz="914400" rtl="0" eaLnBrk="1" latinLnBrk="0" hangingPunct="1">
+              <a:lnSpc>
+                <a:spcPct val="90000"/>
+              </a:lnSpc>
+              <a:spcBef>
+                <a:spcPts val="200"/>
+              </a:spcBef>
+              <a:spcAft>
+                <a:spcPts val="400"/>
+              </a:spcAft>
+              <a:buClr>
+                <a:schemeClr val="accent1"/>
+              </a:buClr>
+              <a:buSzPct val="80000"/>
+              <a:buFont typeface="Corbel" pitchFamily="34" charset="0"/>
+              <a:buChar char="•"/>
+              <a:defRPr sz="1800" kern="1200">
+                <a:solidFill>
+                  <a:schemeClr val="accent1"/>
+                </a:solidFill>
+                <a:latin typeface="+mn-lt"/>
+                <a:ea typeface="+mn-ea"/>
+                <a:cs typeface="+mn-cs"/>
+              </a:defRPr>
+            </a:lvl3pPr>
+            <a:lvl4pPr marL="1005840" indent="-182880" algn="l" defTabSz="914400" rtl="0" eaLnBrk="1" latinLnBrk="0" hangingPunct="1">
+              <a:lnSpc>
+                <a:spcPct val="90000"/>
+              </a:lnSpc>
+              <a:spcBef>
+                <a:spcPts val="200"/>
+              </a:spcBef>
+              <a:spcAft>
+                <a:spcPts val="400"/>
+              </a:spcAft>
+              <a:buClr>
+                <a:schemeClr val="accent1"/>
+              </a:buClr>
+              <a:buSzPct val="80000"/>
+              <a:buFont typeface="Corbel" pitchFamily="34" charset="0"/>
+              <a:buChar char="•"/>
+              <a:defRPr sz="1600" kern="1200">
+                <a:solidFill>
+                  <a:schemeClr val="accent1"/>
+                </a:solidFill>
+                <a:latin typeface="+mn-lt"/>
+                <a:ea typeface="+mn-ea"/>
+                <a:cs typeface="+mn-cs"/>
+              </a:defRPr>
+            </a:lvl4pPr>
+            <a:lvl5pPr marL="1280160" indent="-182880" algn="l" defTabSz="914400" rtl="0" eaLnBrk="1" latinLnBrk="0" hangingPunct="1">
+              <a:lnSpc>
+                <a:spcPct val="90000"/>
+              </a:lnSpc>
+              <a:spcBef>
+                <a:spcPts val="200"/>
+              </a:spcBef>
+              <a:spcAft>
+                <a:spcPts val="400"/>
+              </a:spcAft>
+              <a:buClr>
+                <a:schemeClr val="accent1"/>
+              </a:buClr>
+              <a:buSzPct val="80000"/>
+              <a:buFont typeface="Corbel" pitchFamily="34" charset="0"/>
+              <a:buChar char="•"/>
+              <a:defRPr sz="1600" kern="1200">
+                <a:solidFill>
+                  <a:schemeClr val="accent1"/>
+                </a:solidFill>
+                <a:latin typeface="+mn-lt"/>
+                <a:ea typeface="+mn-ea"/>
+                <a:cs typeface="+mn-cs"/>
+              </a:defRPr>
+            </a:lvl5pPr>
+            <a:lvl6pPr marL="1600000" indent="-228600" algn="l" defTabSz="914400" rtl="0" eaLnBrk="1" latinLnBrk="0" hangingPunct="1">
+              <a:lnSpc>
+                <a:spcPct val="90000"/>
+              </a:lnSpc>
+              <a:spcBef>
+                <a:spcPts val="200"/>
+              </a:spcBef>
+              <a:spcAft>
+                <a:spcPts val="400"/>
+              </a:spcAft>
+              <a:buClr>
+                <a:schemeClr val="accent1"/>
+              </a:buClr>
+              <a:buSzPct val="80000"/>
+              <a:buFont typeface="Corbel" pitchFamily="34" charset="0"/>
+              <a:buChar char="•"/>
+              <a:defRPr sz="1600" kern="1200">
+                <a:solidFill>
+                  <a:schemeClr val="accent1"/>
+                </a:solidFill>
+                <a:latin typeface="+mn-lt"/>
+                <a:ea typeface="+mn-ea"/>
+                <a:cs typeface="+mn-cs"/>
+              </a:defRPr>
+            </a:lvl6pPr>
+            <a:lvl7pPr marL="1900000" indent="-228600" algn="l" defTabSz="914400" rtl="0" eaLnBrk="1" latinLnBrk="0" hangingPunct="1">
+              <a:lnSpc>
+                <a:spcPct val="90000"/>
+              </a:lnSpc>
+              <a:spcBef>
+                <a:spcPts val="200"/>
+              </a:spcBef>
+              <a:spcAft>
+                <a:spcPts val="400"/>
+              </a:spcAft>
+              <a:buClr>
+                <a:schemeClr val="accent1"/>
+              </a:buClr>
+              <a:buSzPct val="80000"/>
+              <a:buFont typeface="Corbel" pitchFamily="34" charset="0"/>
+              <a:buChar char="•"/>
+              <a:defRPr sz="1600" kern="1200">
+                <a:solidFill>
+                  <a:schemeClr val="accent1"/>
+                </a:solidFill>
+                <a:latin typeface="+mn-lt"/>
+                <a:ea typeface="+mn-ea"/>
+                <a:cs typeface="+mn-cs"/>
+              </a:defRPr>
+            </a:lvl7pPr>
+            <a:lvl8pPr marL="2200000" indent="-228600" algn="l" defTabSz="914400" rtl="0" eaLnBrk="1" latinLnBrk="0" hangingPunct="1">
+              <a:lnSpc>
+                <a:spcPct val="90000"/>
+              </a:lnSpc>
+              <a:spcBef>
+                <a:spcPts val="200"/>
+              </a:spcBef>
+              <a:spcAft>
+                <a:spcPts val="400"/>
+              </a:spcAft>
+              <a:buClr>
+                <a:schemeClr val="accent1"/>
+              </a:buClr>
+              <a:buSzPct val="80000"/>
+              <a:buFont typeface="Corbel" pitchFamily="34" charset="0"/>
+              <a:buChar char="•"/>
+              <a:defRPr sz="1600" kern="1200">
+                <a:solidFill>
+                  <a:schemeClr val="accent1"/>
+                </a:solidFill>
+                <a:latin typeface="+mn-lt"/>
+                <a:ea typeface="+mn-ea"/>
+                <a:cs typeface="+mn-cs"/>
+              </a:defRPr>
+            </a:lvl8pPr>
+            <a:lvl9pPr marL="2500000" indent="-228600" algn="l" defTabSz="914400" rtl="0" eaLnBrk="1" latinLnBrk="0" hangingPunct="1">
+              <a:lnSpc>
+                <a:spcPct val="90000"/>
+              </a:lnSpc>
+              <a:spcBef>
+                <a:spcPts val="200"/>
+              </a:spcBef>
+              <a:spcAft>
+                <a:spcPts val="400"/>
+              </a:spcAft>
+              <a:buClr>
+                <a:schemeClr val="accent1"/>
+              </a:buClr>
+              <a:buSzPct val="80000"/>
+              <a:buFont typeface="Corbel" pitchFamily="34" charset="0"/>
+              <a:buChar char="•"/>
+              <a:defRPr sz="1600" kern="1200">
+                <a:solidFill>
+                  <a:schemeClr val="accent1"/>
+                </a:solidFill>
+                <a:latin typeface="+mn-lt"/>
+                <a:ea typeface="+mn-ea"/>
+                <a:cs typeface="+mn-cs"/>
+              </a:defRPr>
+            </a:lvl9pPr>
+          </a:lstStyle>
+          <a:p>
+            <a:r>
+              <a:rPr lang="en-US"/>
+              <a:t>comments</a:t>
+            </a:r>
+            <a:endParaRPr lang="en-US" dirty="0"/>
+          </a:p>
+        </p:txBody>
+      </p:sp>
+    </p:spTree>
+    <p:extLst>
+      <p:ext uri="{BB962C8B-B14F-4D97-AF65-F5344CB8AC3E}">
+        <p14:creationId xmlns:p14="http://schemas.microsoft.com/office/powerpoint/2010/main" val="2304352796"/>
+      </p:ext>
+    </p:extLst>
+  </p:cSld>
+  <p:clrMapOvr>
+    <a:masterClrMapping/>
+  </p:clrMapOvr>
+</p:sld>
+</file>
+
+<file path=ppt/slides/slide5.xml><?xml version="1.0" encoding="utf-8"?>
+<p:sld xmlns:a="http://schemas.openxmlformats.org/drawingml/2006/main" xmlns:r="http://schemas.openxmlformats.org/officeDocument/2006/relationships" xmlns:p="http://schemas.openxmlformats.org/presentationml/2006/main">
+  <p:cSld>
+    <p:spTree>
+      <p:nvGrpSpPr>
+        <p:cNvPr id="1" name=""/>
+        <p:cNvGrpSpPr/>
+        <p:nvPr/>
+      </p:nvGrpSpPr>
+      <p:grpSpPr>
+        <a:xfrm>
+          <a:off x="0" y="0"/>
+          <a:ext cx="0" cy="0"/>
+          <a:chOff x="0" y="0"/>
+          <a:chExt cx="0" cy="0"/>
+        </a:xfrm>
+      </p:grpSpPr>
+      <p:sp>
+        <p:nvSpPr>
+          <p:cNvPr id="2" name="Title 1">
+            <a:extLst>
+              <a:ext uri="{FF2B5EF4-FFF2-40B4-BE49-F238E27FC236}">
+                <a16:creationId xmlns:a16="http://schemas.microsoft.com/office/drawing/2014/main" id="{4FF913AD-8CBE-4C0B-8446-9DA06A566F4D}"/>
+              </a:ext>
+            </a:extLst>
+          </p:cNvPr>
+          <p:cNvSpPr>
+            <a:spLocks noGrp="1"/>
+          </p:cNvSpPr>
+          <p:nvPr>
+            <p:ph type="title"/>
+          </p:nvPr>
+        </p:nvSpPr>
+        <p:spPr>
+          <a:xfrm>
+            <a:off x="220132" y="245533"/>
+            <a:ext cx="11743267" cy="872067"/>
+          </a:xfrm>
+        </p:spPr>
+        <p:txBody>
+          <a:bodyPr>
+            <a:normAutofit/>
+          </a:bodyPr>
+          <a:lstStyle/>
+          <a:p>
+            <a:r>
+              <a:rPr lang="en-US" sz="3600" b="1" dirty="0">
+                <a:latin typeface="+mn-lt"/>
+              </a:rPr>
+              <a:t>United States Median House Price vs Interest Rates</a:t>
+            </a:r>
+            <a:endParaRPr lang="en-US" sz="3600" dirty="0"/>
+          </a:p>
+        </p:txBody>
+      </p:sp>
+      <p:sp>
+        <p:nvSpPr>
+          <p:cNvPr id="3" name="Content Placeholder 2">
+            <a:extLst>
+              <a:ext uri="{FF2B5EF4-FFF2-40B4-BE49-F238E27FC236}">
+                <a16:creationId xmlns:a16="http://schemas.microsoft.com/office/drawing/2014/main" id="{5A664A7E-2300-42F7-B20F-A533DE70EBA5}"/>
+              </a:ext>
+            </a:extLst>
+          </p:cNvPr>
+          <p:cNvSpPr>
+            <a:spLocks noGrp="1"/>
+          </p:cNvSpPr>
+          <p:nvPr>
+            <p:ph idx="1"/>
+          </p:nvPr>
+        </p:nvSpPr>
+        <p:spPr>
+          <a:xfrm>
+            <a:off x="584200" y="1058333"/>
+            <a:ext cx="9872871" cy="4876800"/>
+          </a:xfrm>
+        </p:spPr>
+        <p:txBody>
+          <a:bodyPr/>
+          <a:lstStyle/>
+          <a:p>
+            <a:endParaRPr lang="en-US" dirty="0"/>
+          </a:p>
+        </p:txBody>
+      </p:sp>
+    </p:spTree>
+    <p:extLst>
+      <p:ext uri="{BB962C8B-B14F-4D97-AF65-F5344CB8AC3E}">
+        <p14:creationId xmlns:p14="http://schemas.microsoft.com/office/powerpoint/2010/main" val="1140609959"/>
+      </p:ext>
+    </p:extLst>
+  </p:cSld>
+  <p:clrMapOvr>
+    <a:masterClrMapping/>
+  </p:clrMapOvr>
+</p:sld>
+</file>
+
+<file path=ppt/slides/slide6.xml><?xml version="1.0" encoding="utf-8"?>
+<p:sld xmlns:a="http://schemas.openxmlformats.org/drawingml/2006/main" xmlns:r="http://schemas.openxmlformats.org/officeDocument/2006/relationships" xmlns:p="http://schemas.openxmlformats.org/presentationml/2006/main">
+  <p:cSld>
+    <p:spTree>
+      <p:nvGrpSpPr>
+        <p:cNvPr id="1" name=""/>
+        <p:cNvGrpSpPr/>
+        <p:nvPr/>
+      </p:nvGrpSpPr>
+      <p:grpSpPr>
+        <a:xfrm>
+          <a:off x="0" y="0"/>
+          <a:ext cx="0" cy="0"/>
+          <a:chOff x="0" y="0"/>
+          <a:chExt cx="0" cy="0"/>
+        </a:xfrm>
+      </p:grpSpPr>
+      <p:sp>
+        <p:nvSpPr>
+          <p:cNvPr id="2" name="Title 1">
+            <a:extLst>
+              <a:ext uri="{FF2B5EF4-FFF2-40B4-BE49-F238E27FC236}">
+                <a16:creationId xmlns:a16="http://schemas.microsoft.com/office/drawing/2014/main" id="{4FF913AD-8CBE-4C0B-8446-9DA06A566F4D}"/>
+              </a:ext>
+            </a:extLst>
+          </p:cNvPr>
+          <p:cNvSpPr>
+            <a:spLocks noGrp="1"/>
+          </p:cNvSpPr>
+          <p:nvPr>
+            <p:ph type="title"/>
+          </p:nvPr>
+        </p:nvSpPr>
+        <p:spPr>
+          <a:xfrm>
+            <a:off x="220132" y="245533"/>
+            <a:ext cx="11743267" cy="872067"/>
+          </a:xfrm>
+        </p:spPr>
+        <p:txBody>
+          <a:bodyPr>
+            <a:normAutofit/>
+          </a:bodyPr>
+          <a:lstStyle/>
+          <a:p>
+            <a:r>
+              <a:rPr lang="en-US" sz="3600" b="1" dirty="0">
+                <a:latin typeface="+mn-lt"/>
+              </a:rPr>
+              <a:t>United States Median House Price vs Population Growth</a:t>
+            </a:r>
+            <a:endParaRPr lang="en-US" sz="3600" dirty="0"/>
+          </a:p>
+        </p:txBody>
+      </p:sp>
+      <p:sp>
+        <p:nvSpPr>
+          <p:cNvPr id="3" name="Content Placeholder 2">
+            <a:extLst>
+              <a:ext uri="{FF2B5EF4-FFF2-40B4-BE49-F238E27FC236}">
+                <a16:creationId xmlns:a16="http://schemas.microsoft.com/office/drawing/2014/main" id="{5A664A7E-2300-42F7-B20F-A533DE70EBA5}"/>
+              </a:ext>
+            </a:extLst>
+          </p:cNvPr>
+          <p:cNvSpPr>
+            <a:spLocks noGrp="1"/>
+          </p:cNvSpPr>
+          <p:nvPr>
+            <p:ph idx="1"/>
+          </p:nvPr>
+        </p:nvSpPr>
+        <p:spPr>
+          <a:xfrm>
+            <a:off x="584200" y="1058333"/>
+            <a:ext cx="9872871" cy="4876800"/>
+          </a:xfrm>
+        </p:spPr>
+        <p:txBody>
+          <a:bodyPr/>
+          <a:lstStyle/>
+          <a:p>
+            <a:endParaRPr lang="en-US" dirty="0"/>
+          </a:p>
+        </p:txBody>
+      </p:sp>
+    </p:spTree>
+    <p:extLst>
+      <p:ext uri="{BB962C8B-B14F-4D97-AF65-F5344CB8AC3E}">
+        <p14:creationId xmlns:p14="http://schemas.microsoft.com/office/powerpoint/2010/main" val="116479251"/>
+      </p:ext>
+    </p:extLst>
+  </p:cSld>
+  <p:clrMapOvr>
+    <a:masterClrMapping/>
+  </p:clrMapOvr>
+</p:sld>
+</file>
+
+<file path=ppt/slides/slide7.xml><?xml version="1.0" encoding="utf-8"?>
+<p:sld xmlns:a="http://schemas.openxmlformats.org/drawingml/2006/main" xmlns:r="http://schemas.openxmlformats.org/officeDocument/2006/relationships" xmlns:p="http://schemas.openxmlformats.org/presentationml/2006/main">
+  <p:cSld>
+    <p:spTree>
+      <p:nvGrpSpPr>
+        <p:cNvPr id="1" name=""/>
+        <p:cNvGrpSpPr/>
+        <p:nvPr/>
+      </p:nvGrpSpPr>
+      <p:grpSpPr>
+        <a:xfrm>
+          <a:off x="0" y="0"/>
+          <a:ext cx="0" cy="0"/>
+          <a:chOff x="0" y="0"/>
+          <a:chExt cx="0" cy="0"/>
+        </a:xfrm>
+      </p:grpSpPr>
+      <p:sp>
+        <p:nvSpPr>
+          <p:cNvPr id="2" name="Title 1">
+            <a:extLst>
+              <a:ext uri="{FF2B5EF4-FFF2-40B4-BE49-F238E27FC236}">
+                <a16:creationId xmlns:a16="http://schemas.microsoft.com/office/drawing/2014/main" id="{4FF913AD-8CBE-4C0B-8446-9DA06A566F4D}"/>
+              </a:ext>
+            </a:extLst>
+          </p:cNvPr>
+          <p:cNvSpPr>
+            <a:spLocks noGrp="1"/>
+          </p:cNvSpPr>
+          <p:nvPr>
+            <p:ph type="title"/>
+          </p:nvPr>
+        </p:nvSpPr>
+        <p:spPr>
+          <a:xfrm>
+            <a:off x="220132" y="245533"/>
+            <a:ext cx="11743267" cy="872067"/>
+          </a:xfrm>
+        </p:spPr>
+        <p:txBody>
+          <a:bodyPr>
+            <a:normAutofit/>
+          </a:bodyPr>
+          <a:lstStyle/>
+          <a:p>
+            <a:r>
+              <a:rPr lang="en-US" sz="3600" b="1" dirty="0">
+                <a:latin typeface="+mn-lt"/>
+              </a:rPr>
+              <a:t>United States Median House Price vs Unemployment</a:t>
+            </a:r>
+            <a:endParaRPr lang="en-US" sz="3600" dirty="0"/>
+          </a:p>
+        </p:txBody>
+      </p:sp>
+      <p:sp>
+        <p:nvSpPr>
+          <p:cNvPr id="3" name="Content Placeholder 2">
+            <a:extLst>
+              <a:ext uri="{FF2B5EF4-FFF2-40B4-BE49-F238E27FC236}">
+                <a16:creationId xmlns:a16="http://schemas.microsoft.com/office/drawing/2014/main" id="{5A664A7E-2300-42F7-B20F-A533DE70EBA5}"/>
+              </a:ext>
+            </a:extLst>
+          </p:cNvPr>
+          <p:cNvSpPr>
+            <a:spLocks noGrp="1"/>
+          </p:cNvSpPr>
+          <p:nvPr>
+            <p:ph idx="1"/>
+          </p:nvPr>
+        </p:nvSpPr>
+        <p:spPr>
+          <a:xfrm>
+            <a:off x="584200" y="1058333"/>
+            <a:ext cx="9872871" cy="4876800"/>
+          </a:xfrm>
+        </p:spPr>
+        <p:txBody>
+          <a:bodyPr/>
+          <a:lstStyle/>
+          <a:p>
+            <a:endParaRPr lang="en-US" dirty="0"/>
+          </a:p>
+        </p:txBody>
+      </p:sp>
+    </p:spTree>
+    <p:extLst>
+      <p:ext uri="{BB962C8B-B14F-4D97-AF65-F5344CB8AC3E}">
+        <p14:creationId xmlns:p14="http://schemas.microsoft.com/office/powerpoint/2010/main" val="953722196"/>
+      </p:ext>
+    </p:extLst>
+  </p:cSld>
+  <p:clrMapOvr>
+    <a:masterClrMapping/>
+  </p:clrMapOvr>
+</p:sld>
+</file>
+
 <file path=ppt/theme/theme1.xml><?xml version="1.0" encoding="utf-8"?>
 <a:theme xmlns:a="http://schemas.openxmlformats.org/drawingml/2006/main" name="Basis">
   <a:themeElements>
-    <a:clrScheme name="Basis">
+    <a:clrScheme name="Blue">
       <a:dk1>
-        <a:srgbClr val="000000"/>
+        <a:sysClr val="windowText" lastClr="000000"/>
       </a:dk1>
       <a:lt1>
-        <a:srgbClr val="FFFFFF"/>
+        <a:sysClr val="window" lastClr="FFFFFF"/>
       </a:lt1>
       <a:dk2>
-        <a:srgbClr val="565349"/>
+        <a:srgbClr val="17406D"/>
       </a:dk2>
       <a:lt2>
-        <a:srgbClr val="DDDDDD"/>
+        <a:srgbClr val="DBEFF9"/>
       </a:lt2>
       <a:accent1>
-        <a:srgbClr val="A6B727"/>
+        <a:srgbClr val="0F6FC6"/>
       </a:accent1>
       <a:accent2>
-        <a:srgbClr val="DF5327"/>
+        <a:srgbClr val="009DD9"/>
       </a:accent2>
       <a:accent3>
-        <a:srgbClr val="FE9E00"/>
+        <a:srgbClr val="0BD0D9"/>
       </a:accent3>
       <a:accent4>
-        <a:srgbClr val="418AB3"/>
+        <a:srgbClr val="10CF9B"/>
       </a:accent4>
       <a:accent5>
-        <a:srgbClr val="D7D447"/>
+        <a:srgbClr val="7CCA62"/>
       </a:accent5>
       <a:accent6>
-        <a:srgbClr val="818183"/>
+        <a:srgbClr val="A5C249"/>
       </a:accent6>
       <a:hlink>
-        <a:srgbClr val="F59E00"/>
+        <a:srgbClr val="F49100"/>
       </a:hlink>
       <a:folHlink>
-        <a:srgbClr val="B2B2B2"/>
+        <a:srgbClr val="85DFD0"/>
       </a:folHlink>
     </a:clrScheme>
     <a:fontScheme name="Basis">

--- a/Presentation/Project-1_Group-8_Presentation-US_Housing_Market.pptx
+++ b/Presentation/Project-1_Group-8_Presentation-US_Housing_Market.pptx
@@ -154,7 +154,7 @@
   <pc:docChgLst>
     <pc:chgData name="amy johnson" userId="25c68ebca75fcc76" providerId="LiveId" clId="{D2E9D5EE-8FC9-43E0-83E2-2F253631FD93}"/>
     <pc:docChg chg="undo custSel addSld modSld addSection modSection">
-      <pc:chgData name="amy johnson" userId="25c68ebca75fcc76" providerId="LiveId" clId="{D2E9D5EE-8FC9-43E0-83E2-2F253631FD93}" dt="2024-11-08T04:05:00.707" v="797" actId="14100"/>
+      <pc:chgData name="amy johnson" userId="25c68ebca75fcc76" providerId="LiveId" clId="{D2E9D5EE-8FC9-43E0-83E2-2F253631FD93}" dt="2024-11-08T05:13:54.755" v="856" actId="20577"/>
       <pc:docMkLst>
         <pc:docMk/>
       </pc:docMkLst>
@@ -269,7 +269,7 @@
         </pc:picChg>
       </pc:sldChg>
       <pc:sldChg chg="addSp delSp modSp new mod">
-        <pc:chgData name="amy johnson" userId="25c68ebca75fcc76" providerId="LiveId" clId="{D2E9D5EE-8FC9-43E0-83E2-2F253631FD93}" dt="2024-11-08T04:05:00.707" v="797" actId="14100"/>
+        <pc:chgData name="amy johnson" userId="25c68ebca75fcc76" providerId="LiveId" clId="{D2E9D5EE-8FC9-43E0-83E2-2F253631FD93}" dt="2024-11-08T05:13:54.755" v="856" actId="20577"/>
         <pc:sldMkLst>
           <pc:docMk/>
           <pc:sldMk cId="8857085" sldId="258"/>
@@ -283,7 +283,7 @@
           </ac:spMkLst>
         </pc:spChg>
         <pc:spChg chg="mod">
-          <ac:chgData name="amy johnson" userId="25c68ebca75fcc76" providerId="LiveId" clId="{D2E9D5EE-8FC9-43E0-83E2-2F253631FD93}" dt="2024-11-08T04:05:00.707" v="797" actId="14100"/>
+          <ac:chgData name="amy johnson" userId="25c68ebca75fcc76" providerId="LiveId" clId="{D2E9D5EE-8FC9-43E0-83E2-2F253631FD93}" dt="2024-11-08T05:13:54.755" v="856" actId="20577"/>
           <ac:spMkLst>
             <pc:docMk/>
             <pc:sldMk cId="8857085" sldId="258"/>
@@ -3880,11 +3880,12 @@
             </a:pPr>
             <a:r>
               <a:rPr lang="en-US" sz="2400" b="1" dirty="0"/>
-              <a:t>Datasets were analyzed to determine trends against United States Median House Price which included:</a:t>
-            </a:r>
-          </a:p>
-          <a:p>
-            <a:pPr lvl="1"/>
+              <a:t>Datasets were analyzed to determine trends and examine relationships between United States Median House Price </a:t>
+            </a:r>
+            <a:r>
+              <a:rPr lang="en-US" sz="2400" b="1"/>
+              <a:t>and:</a:t>
+            </a:r>
             <a:endParaRPr lang="en-US" dirty="0"/>
           </a:p>
           <a:p>

--- a/Presentation/Project-1_Group-8_Presentation-US_Housing_Market.pptx
+++ b/Presentation/Project-1_Group-8_Presentation-US_Housing_Market.pptx
@@ -9,9 +9,10 @@
     <p:sldId id="258" r:id="rId3"/>
     <p:sldId id="257" r:id="rId4"/>
     <p:sldId id="262" r:id="rId5"/>
-    <p:sldId id="259" r:id="rId6"/>
-    <p:sldId id="260" r:id="rId7"/>
-    <p:sldId id="261" r:id="rId8"/>
+    <p:sldId id="263" r:id="rId6"/>
+    <p:sldId id="259" r:id="rId7"/>
+    <p:sldId id="260" r:id="rId8"/>
+    <p:sldId id="261" r:id="rId9"/>
   </p:sldIdLst>
   <p:sldSz cx="12192000" cy="6858000"/>
   <p:notesSz cx="6858000" cy="9144000"/>
@@ -127,6 +128,7 @@
         </p14:section>
         <p14:section name="Interest Rates (Eduardo)" id="{B5034727-FAFC-463A-B671-E243F8A0FA5B}">
           <p14:sldIdLst>
+            <p14:sldId id="263"/>
             <p14:sldId id="259"/>
           </p14:sldIdLst>
         </p14:section>
@@ -584,7 +586,7 @@
           <a:p>
             <a:fld id="{F3576400-C64E-4A7B-B26D-3DB992303269}" type="datetimeFigureOut">
               <a:rPr lang="en-US" smtClean="0"/>
-              <a:t>11/7/2024</a:t>
+              <a:t>11/11/2024</a:t>
             </a:fld>
             <a:endParaRPr lang="en-US"/>
           </a:p>
@@ -805,7 +807,7 @@
           <a:p>
             <a:fld id="{F3576400-C64E-4A7B-B26D-3DB992303269}" type="datetimeFigureOut">
               <a:rPr lang="en-US" smtClean="0"/>
-              <a:t>11/7/2024</a:t>
+              <a:t>11/11/2024</a:t>
             </a:fld>
             <a:endParaRPr lang="en-US"/>
           </a:p>
@@ -985,7 +987,7 @@
           <a:p>
             <a:fld id="{F3576400-C64E-4A7B-B26D-3DB992303269}" type="datetimeFigureOut">
               <a:rPr lang="en-US" smtClean="0"/>
-              <a:t>11/7/2024</a:t>
+              <a:t>11/11/2024</a:t>
             </a:fld>
             <a:endParaRPr lang="en-US"/>
           </a:p>
@@ -1155,7 +1157,7 @@
           <a:p>
             <a:fld id="{F3576400-C64E-4A7B-B26D-3DB992303269}" type="datetimeFigureOut">
               <a:rPr lang="en-US" smtClean="0"/>
-              <a:t>11/7/2024</a:t>
+              <a:t>11/11/2024</a:t>
             </a:fld>
             <a:endParaRPr lang="en-US"/>
           </a:p>
@@ -1406,7 +1408,7 @@
           <a:p>
             <a:fld id="{F3576400-C64E-4A7B-B26D-3DB992303269}" type="datetimeFigureOut">
               <a:rPr lang="en-US" smtClean="0"/>
-              <a:t>11/7/2024</a:t>
+              <a:t>11/11/2024</a:t>
             </a:fld>
             <a:endParaRPr lang="en-US"/>
           </a:p>
@@ -1729,7 +1731,7 @@
           <a:p>
             <a:fld id="{F3576400-C64E-4A7B-B26D-3DB992303269}" type="datetimeFigureOut">
               <a:rPr lang="en-US" smtClean="0"/>
-              <a:t>11/7/2024</a:t>
+              <a:t>11/11/2024</a:t>
             </a:fld>
             <a:endParaRPr lang="en-US"/>
           </a:p>
@@ -2153,7 +2155,7 @@
           <a:p>
             <a:fld id="{F3576400-C64E-4A7B-B26D-3DB992303269}" type="datetimeFigureOut">
               <a:rPr lang="en-US" smtClean="0"/>
-              <a:t>11/7/2024</a:t>
+              <a:t>11/11/2024</a:t>
             </a:fld>
             <a:endParaRPr lang="en-US"/>
           </a:p>
@@ -2271,7 +2273,7 @@
           <a:p>
             <a:fld id="{F3576400-C64E-4A7B-B26D-3DB992303269}" type="datetimeFigureOut">
               <a:rPr lang="en-US" smtClean="0"/>
-              <a:t>11/7/2024</a:t>
+              <a:t>11/11/2024</a:t>
             </a:fld>
             <a:endParaRPr lang="en-US"/>
           </a:p>
@@ -2366,7 +2368,7 @@
           <a:p>
             <a:fld id="{F3576400-C64E-4A7B-B26D-3DB992303269}" type="datetimeFigureOut">
               <a:rPr lang="en-US" smtClean="0"/>
-              <a:t>11/7/2024</a:t>
+              <a:t>11/11/2024</a:t>
             </a:fld>
             <a:endParaRPr lang="en-US"/>
           </a:p>
@@ -2656,7 +2658,7 @@
           <a:p>
             <a:fld id="{F3576400-C64E-4A7B-B26D-3DB992303269}" type="datetimeFigureOut">
               <a:rPr lang="en-US" smtClean="0"/>
-              <a:t>11/7/2024</a:t>
+              <a:t>11/11/2024</a:t>
             </a:fld>
             <a:endParaRPr lang="en-US"/>
           </a:p>
@@ -2928,7 +2930,7 @@
           <a:p>
             <a:fld id="{F3576400-C64E-4A7B-B26D-3DB992303269}" type="datetimeFigureOut">
               <a:rPr lang="en-US" smtClean="0"/>
-              <a:t>11/7/2024</a:t>
+              <a:t>11/11/2024</a:t>
             </a:fld>
             <a:endParaRPr lang="en-US"/>
           </a:p>
@@ -3182,7 +3184,7 @@
           <a:p>
             <a:fld id="{F3576400-C64E-4A7B-B26D-3DB992303269}" type="datetimeFigureOut">
               <a:rPr lang="en-US" smtClean="0"/>
-              <a:t>11/7/2024</a:t>
+              <a:t>11/11/2024</a:t>
             </a:fld>
             <a:endParaRPr lang="en-US"/>
           </a:p>
@@ -4763,6 +4765,14 @@
 <file path=ppt/slides/slide5.xml><?xml version="1.0" encoding="utf-8"?>
 <p:sld xmlns:a="http://schemas.openxmlformats.org/drawingml/2006/main" xmlns:r="http://schemas.openxmlformats.org/officeDocument/2006/relationships" xmlns:p="http://schemas.openxmlformats.org/presentationml/2006/main">
   <p:cSld>
+    <p:bg>
+      <p:bgPr>
+        <a:solidFill>
+          <a:schemeClr val="accent1"/>
+        </a:solidFill>
+        <a:effectLst/>
+      </p:bgPr>
+    </p:bg>
     <p:spTree>
       <p:nvGrpSpPr>
         <p:cNvPr id="1" name=""/>
@@ -4779,10 +4789,72 @@
       </p:grpSpPr>
       <p:sp>
         <p:nvSpPr>
+          <p:cNvPr id="34" name="Rectangle 33">
+            <a:extLst>
+              <a:ext uri="{FF2B5EF4-FFF2-40B4-BE49-F238E27FC236}">
+                <a16:creationId xmlns:a16="http://schemas.microsoft.com/office/drawing/2014/main" id="{BA2EA6A6-CD0C-4CFD-8EC2-AA44F9870331}"/>
+              </a:ext>
+              <a:ext uri="{C183D7F6-B498-43B3-948B-1728B52AA6E4}">
+                <adec:decorative xmlns:adec="http://schemas.microsoft.com/office/drawing/2017/decorative" val="1"/>
+              </a:ext>
+            </a:extLst>
+          </p:cNvPr>
+          <p:cNvSpPr>
+            <a:spLocks noGrp="1" noRot="1" noChangeAspect="1" noMove="1" noResize="1" noEditPoints="1" noAdjustHandles="1" noChangeArrowheads="1" noChangeShapeType="1" noTextEdit="1"/>
+          </p:cNvSpPr>
+          <p:nvPr>
+            <p:extLst>
+              <p:ext uri="{386F3935-93C4-4BCD-93E2-E3B085C9AB24}">
+                <p16:designElem xmlns:p16="http://schemas.microsoft.com/office/powerpoint/2015/main" val="1"/>
+              </p:ext>
+            </p:extLst>
+          </p:nvPr>
+        </p:nvSpPr>
+        <p:spPr>
+          <a:xfrm>
+            <a:off x="231140" y="243840"/>
+            <a:ext cx="11724640" cy="6377939"/>
+          </a:xfrm>
+          <a:prstGeom prst="rect">
+            <a:avLst/>
+          </a:prstGeom>
+          <a:solidFill>
+            <a:schemeClr val="bg1"/>
+          </a:solidFill>
+          <a:ln w="12700">
+            <a:noFill/>
+          </a:ln>
+        </p:spPr>
+        <p:style>
+          <a:lnRef idx="2">
+            <a:schemeClr val="accent1">
+              <a:shade val="50000"/>
+            </a:schemeClr>
+          </a:lnRef>
+          <a:fillRef idx="1">
+            <a:schemeClr val="accent1"/>
+          </a:fillRef>
+          <a:effectRef idx="0">
+            <a:schemeClr val="accent1"/>
+          </a:effectRef>
+          <a:fontRef idx="minor">
+            <a:schemeClr val="lt1"/>
+          </a:fontRef>
+        </p:style>
+        <p:txBody>
+          <a:bodyPr/>
+          <a:lstStyle/>
+          <a:p>
+            <a:endParaRPr lang="en-US"/>
+          </a:p>
+        </p:txBody>
+      </p:sp>
+      <p:sp>
+        <p:nvSpPr>
           <p:cNvPr id="2" name="Title 1">
             <a:extLst>
               <a:ext uri="{FF2B5EF4-FFF2-40B4-BE49-F238E27FC236}">
-                <a16:creationId xmlns:a16="http://schemas.microsoft.com/office/drawing/2014/main" id="{4FF913AD-8CBE-4C0B-8446-9DA06A566F4D}"/>
+                <a16:creationId xmlns:a16="http://schemas.microsoft.com/office/drawing/2014/main" id="{06319D08-CBBB-3205-D68B-4DAE3DD53FE1}"/>
               </a:ext>
             </a:extLst>
           </p:cNvPr>
@@ -4795,8 +4867,8 @@
         </p:nvSpPr>
         <p:spPr>
           <a:xfrm>
-            <a:off x="220132" y="245533"/>
-            <a:ext cx="11743267" cy="872067"/>
+            <a:off x="541401" y="110490"/>
+            <a:ext cx="9775697" cy="1356360"/>
           </a:xfrm>
         </p:spPr>
         <p:txBody>
@@ -4806,21 +4878,18 @@
           <a:lstStyle/>
           <a:p>
             <a:r>
-              <a:rPr lang="en-US" sz="3600" b="1" dirty="0">
-                <a:latin typeface="+mn-lt"/>
-              </a:rPr>
-              <a:t>United States Median House Price vs Interest Rates</a:t>
-            </a:r>
-            <a:endParaRPr lang="en-US" sz="3600" dirty="0"/>
-          </a:p>
-        </p:txBody>
-      </p:sp>
-      <p:sp>
-        <p:nvSpPr>
-          <p:cNvPr id="3" name="Content Placeholder 2">
+              <a:rPr lang="en-US" sz="3200" b="1" dirty="0"/>
+              <a:t>United States Home Interest Rates </a:t>
+            </a:r>
+          </a:p>
+        </p:txBody>
+      </p:sp>
+      <p:sp>
+        <p:nvSpPr>
+          <p:cNvPr id="35" name="Content Placeholder 8">
             <a:extLst>
               <a:ext uri="{FF2B5EF4-FFF2-40B4-BE49-F238E27FC236}">
-                <a16:creationId xmlns:a16="http://schemas.microsoft.com/office/drawing/2014/main" id="{5A664A7E-2300-42F7-B20F-A533DE70EBA5}"/>
+                <a16:creationId xmlns:a16="http://schemas.microsoft.com/office/drawing/2014/main" id="{D1200BB2-FFA6-1418-D2FF-81E25984BBB1}"/>
               </a:ext>
             </a:extLst>
           </p:cNvPr>
@@ -4833,22 +4902,93 @@
         </p:nvSpPr>
         <p:spPr>
           <a:xfrm>
-            <a:off x="584200" y="1058333"/>
-            <a:ext cx="9872871" cy="4876800"/>
+            <a:off x="9211765" y="1706845"/>
+            <a:ext cx="2308097" cy="3924300"/>
           </a:xfrm>
         </p:spPr>
         <p:txBody>
-          <a:bodyPr/>
-          <a:lstStyle/>
-          <a:p>
-            <a:endParaRPr lang="en-US" dirty="0"/>
-          </a:p>
-        </p:txBody>
-      </p:sp>
+          <a:bodyPr>
+            <a:normAutofit/>
+          </a:bodyPr>
+          <a:lstStyle/>
+          <a:p>
+            <a:pPr marL="45720" indent="0" algn="ctr">
+              <a:buNone/>
+            </a:pPr>
+            <a:r>
+              <a:rPr lang="en-US" sz="1600" dirty="0"/>
+              <a:t>Highest Rate: </a:t>
+            </a:r>
+          </a:p>
+          <a:p>
+            <a:pPr marL="45720" indent="0" algn="ctr">
+              <a:buNone/>
+            </a:pPr>
+            <a:r>
+              <a:rPr lang="en-US" sz="1600" dirty="0"/>
+              <a:t>10/9/1981: 18.63%</a:t>
+            </a:r>
+          </a:p>
+          <a:p>
+            <a:pPr marL="45720" indent="0" algn="ctr">
+              <a:buNone/>
+            </a:pPr>
+            <a:endParaRPr lang="en-US" sz="1600" dirty="0"/>
+          </a:p>
+          <a:p>
+            <a:pPr marL="45720" indent="0" algn="ctr">
+              <a:buNone/>
+            </a:pPr>
+            <a:r>
+              <a:rPr lang="en-US" sz="1600" dirty="0"/>
+              <a:t>Lowest Rate: </a:t>
+            </a:r>
+          </a:p>
+          <a:p>
+            <a:pPr marL="45720" indent="0" algn="ctr">
+              <a:buNone/>
+            </a:pPr>
+            <a:r>
+              <a:rPr lang="en-US" sz="1600" dirty="0"/>
+              <a:t>1/7/2021: 2.65%</a:t>
+            </a:r>
+          </a:p>
+        </p:txBody>
+      </p:sp>
+      <p:pic>
+        <p:nvPicPr>
+          <p:cNvPr id="7" name="Picture 6">
+            <a:extLst>
+              <a:ext uri="{FF2B5EF4-FFF2-40B4-BE49-F238E27FC236}">
+                <a16:creationId xmlns:a16="http://schemas.microsoft.com/office/drawing/2014/main" id="{C5510417-32D0-85AC-7B81-113B5AAA694B}"/>
+              </a:ext>
+            </a:extLst>
+          </p:cNvPr>
+          <p:cNvPicPr>
+            <a:picLocks noChangeAspect="1"/>
+          </p:cNvPicPr>
+          <p:nvPr/>
+        </p:nvPicPr>
+        <p:blipFill>
+          <a:blip r:embed="rId2"/>
+          <a:stretch>
+            <a:fillRect/>
+          </a:stretch>
+        </p:blipFill>
+        <p:spPr>
+          <a:xfrm>
+            <a:off x="541401" y="1466850"/>
+            <a:ext cx="8749769" cy="4295181"/>
+          </a:xfrm>
+          <a:prstGeom prst="rect">
+            <a:avLst/>
+          </a:prstGeom>
+        </p:spPr>
+      </p:pic>
     </p:spTree>
     <p:extLst>
       <p:ext uri="{BB962C8B-B14F-4D97-AF65-F5344CB8AC3E}">
-        <p14:creationId xmlns:p14="http://schemas.microsoft.com/office/powerpoint/2010/main" val="1140609959"/>
+        <p14:creationId xmlns:p14="http://schemas.microsoft.com/office/powerpoint/2010/main" val="4162743762"/>
       </p:ext>
     </p:extLst>
   </p:cSld>
@@ -4907,6 +5047,103 @@
               <a:rPr lang="en-US" sz="3600" b="1" dirty="0">
                 <a:latin typeface="+mn-lt"/>
               </a:rPr>
+              <a:t>United States Median House Price vs Interest Rates</a:t>
+            </a:r>
+            <a:endParaRPr lang="en-US" sz="3600" dirty="0"/>
+          </a:p>
+        </p:txBody>
+      </p:sp>
+      <p:pic>
+        <p:nvPicPr>
+          <p:cNvPr id="9" name="Content Placeholder 8">
+            <a:extLst>
+              <a:ext uri="{FF2B5EF4-FFF2-40B4-BE49-F238E27FC236}">
+                <a16:creationId xmlns:a16="http://schemas.microsoft.com/office/drawing/2014/main" id="{FB852D0F-C551-BD9D-9E54-2BA488DA5074}"/>
+              </a:ext>
+            </a:extLst>
+          </p:cNvPr>
+          <p:cNvPicPr>
+            <a:picLocks noGrp="1" noChangeAspect="1"/>
+          </p:cNvPicPr>
+          <p:nvPr>
+            <p:ph idx="1"/>
+          </p:nvPr>
+        </p:nvPicPr>
+        <p:blipFill>
+          <a:blip r:embed="rId2"/>
+          <a:stretch>
+            <a:fillRect/>
+          </a:stretch>
+        </p:blipFill>
+        <p:spPr>
+          <a:xfrm>
+            <a:off x="2020764" y="1209675"/>
+            <a:ext cx="8142002" cy="4820802"/>
+          </a:xfrm>
+        </p:spPr>
+      </p:pic>
+    </p:spTree>
+    <p:extLst>
+      <p:ext uri="{BB962C8B-B14F-4D97-AF65-F5344CB8AC3E}">
+        <p14:creationId xmlns:p14="http://schemas.microsoft.com/office/powerpoint/2010/main" val="1140609959"/>
+      </p:ext>
+    </p:extLst>
+  </p:cSld>
+  <p:clrMapOvr>
+    <a:masterClrMapping/>
+  </p:clrMapOvr>
+</p:sld>
+</file>
+
+<file path=ppt/slides/slide7.xml><?xml version="1.0" encoding="utf-8"?>
+<p:sld xmlns:a="http://schemas.openxmlformats.org/drawingml/2006/main" xmlns:r="http://schemas.openxmlformats.org/officeDocument/2006/relationships" xmlns:p="http://schemas.openxmlformats.org/presentationml/2006/main">
+  <p:cSld>
+    <p:spTree>
+      <p:nvGrpSpPr>
+        <p:cNvPr id="1" name=""/>
+        <p:cNvGrpSpPr/>
+        <p:nvPr/>
+      </p:nvGrpSpPr>
+      <p:grpSpPr>
+        <a:xfrm>
+          <a:off x="0" y="0"/>
+          <a:ext cx="0" cy="0"/>
+          <a:chOff x="0" y="0"/>
+          <a:chExt cx="0" cy="0"/>
+        </a:xfrm>
+      </p:grpSpPr>
+      <p:sp>
+        <p:nvSpPr>
+          <p:cNvPr id="2" name="Title 1">
+            <a:extLst>
+              <a:ext uri="{FF2B5EF4-FFF2-40B4-BE49-F238E27FC236}">
+                <a16:creationId xmlns:a16="http://schemas.microsoft.com/office/drawing/2014/main" id="{4FF913AD-8CBE-4C0B-8446-9DA06A566F4D}"/>
+              </a:ext>
+            </a:extLst>
+          </p:cNvPr>
+          <p:cNvSpPr>
+            <a:spLocks noGrp="1"/>
+          </p:cNvSpPr>
+          <p:nvPr>
+            <p:ph type="title"/>
+          </p:nvPr>
+        </p:nvSpPr>
+        <p:spPr>
+          <a:xfrm>
+            <a:off x="220132" y="245533"/>
+            <a:ext cx="11743267" cy="872067"/>
+          </a:xfrm>
+        </p:spPr>
+        <p:txBody>
+          <a:bodyPr>
+            <a:normAutofit/>
+          </a:bodyPr>
+          <a:lstStyle/>
+          <a:p>
+            <a:r>
+              <a:rPr lang="en-US" sz="3600" b="1" dirty="0">
+                <a:latin typeface="+mn-lt"/>
+              </a:rPr>
               <a:t>United States Median House Price vs Population Growth</a:t>
             </a:r>
             <a:endParaRPr lang="en-US" sz="3600" dirty="0"/>
@@ -4956,7 +5193,7 @@
 </p:sld>
 </file>
 
-<file path=ppt/slides/slide7.xml><?xml version="1.0" encoding="utf-8"?>
+<file path=ppt/slides/slide8.xml><?xml version="1.0" encoding="utf-8"?>
 <p:sld xmlns:a="http://schemas.openxmlformats.org/drawingml/2006/main" xmlns:r="http://schemas.openxmlformats.org/officeDocument/2006/relationships" xmlns:p="http://schemas.openxmlformats.org/presentationml/2006/main">
   <p:cSld>
     <p:spTree>

--- a/Presentation/Project-1_Group-8_Presentation-US_Housing_Market.pptx
+++ b/Presentation/Project-1_Group-8_Presentation-US_Housing_Market.pptx
@@ -154,7 +154,7 @@
   <pc:docChgLst>
     <pc:chgData name="amy johnson" userId="25c68ebca75fcc76" providerId="LiveId" clId="{D2E9D5EE-8FC9-43E0-83E2-2F253631FD93}"/>
     <pc:docChg chg="undo custSel addSld modSld addSection modSection">
-      <pc:chgData name="amy johnson" userId="25c68ebca75fcc76" providerId="LiveId" clId="{D2E9D5EE-8FC9-43E0-83E2-2F253631FD93}" dt="2024-11-08T05:13:54.755" v="856" actId="20577"/>
+      <pc:chgData name="amy johnson" userId="25c68ebca75fcc76" providerId="LiveId" clId="{D2E9D5EE-8FC9-43E0-83E2-2F253631FD93}" dt="2024-11-12T01:41:44.906" v="908" actId="20577"/>
       <pc:docMkLst>
         <pc:docMk/>
       </pc:docMkLst>
@@ -221,8 +221,8 @@
           </ac:picMkLst>
         </pc:picChg>
       </pc:sldChg>
-      <pc:sldChg chg="addSp modSp new mod">
-        <pc:chgData name="amy johnson" userId="25c68ebca75fcc76" providerId="LiveId" clId="{D2E9D5EE-8FC9-43E0-83E2-2F253631FD93}" dt="2024-11-08T04:00:28.217" v="689" actId="1076"/>
+      <pc:sldChg chg="addSp delSp modSp new mod">
+        <pc:chgData name="amy johnson" userId="25c68ebca75fcc76" providerId="LiveId" clId="{D2E9D5EE-8FC9-43E0-83E2-2F253631FD93}" dt="2024-11-12T01:41:44.906" v="908" actId="20577"/>
         <pc:sldMkLst>
           <pc:docMk/>
           <pc:sldMk cId="941156980" sldId="257"/>
@@ -236,7 +236,7 @@
           </ac:spMkLst>
         </pc:spChg>
         <pc:spChg chg="mod">
-          <ac:chgData name="amy johnson" userId="25c68ebca75fcc76" providerId="LiveId" clId="{D2E9D5EE-8FC9-43E0-83E2-2F253631FD93}" dt="2024-11-08T04:00:28.217" v="689" actId="1076"/>
+          <ac:chgData name="amy johnson" userId="25c68ebca75fcc76" providerId="LiveId" clId="{D2E9D5EE-8FC9-43E0-83E2-2F253631FD93}" dt="2024-11-12T00:29:26.265" v="875" actId="14100"/>
           <ac:spMkLst>
             <pc:docMk/>
             <pc:sldMk cId="941156980" sldId="257"/>
@@ -244,32 +244,56 @@
           </ac:spMkLst>
         </pc:spChg>
         <pc:spChg chg="add mod">
-          <ac:chgData name="amy johnson" userId="25c68ebca75fcc76" providerId="LiveId" clId="{D2E9D5EE-8FC9-43E0-83E2-2F253631FD93}" dt="2024-11-08T04:00:12.545" v="682"/>
+          <ac:chgData name="amy johnson" userId="25c68ebca75fcc76" providerId="LiveId" clId="{D2E9D5EE-8FC9-43E0-83E2-2F253631FD93}" dt="2024-11-12T01:41:44.906" v="908" actId="20577"/>
           <ac:spMkLst>
             <pc:docMk/>
             <pc:sldMk cId="941156980" sldId="257"/>
             <ac:spMk id="8" creationId="{1E45BD31-C24F-4374-8455-1A0380BC399F}"/>
           </ac:spMkLst>
         </pc:spChg>
-        <pc:picChg chg="add mod">
-          <ac:chgData name="amy johnson" userId="25c68ebca75fcc76" providerId="LiveId" clId="{D2E9D5EE-8FC9-43E0-83E2-2F253631FD93}" dt="2024-11-08T04:00:14.563" v="684" actId="1076"/>
+        <pc:picChg chg="add del mod">
+          <ac:chgData name="amy johnson" userId="25c68ebca75fcc76" providerId="LiveId" clId="{D2E9D5EE-8FC9-43E0-83E2-2F253631FD93}" dt="2024-11-12T00:28:14.078" v="858" actId="478"/>
           <ac:picMkLst>
             <pc:docMk/>
             <pc:sldMk cId="941156980" sldId="257"/>
             <ac:picMk id="5" creationId="{736D0001-5317-4497-98E1-0270C848D7A1}"/>
           </ac:picMkLst>
         </pc:picChg>
-        <pc:picChg chg="add mod modCrop">
-          <ac:chgData name="amy johnson" userId="25c68ebca75fcc76" providerId="LiveId" clId="{D2E9D5EE-8FC9-43E0-83E2-2F253631FD93}" dt="2024-11-08T03:57:36.143" v="662" actId="1076"/>
+        <pc:picChg chg="add del mod">
+          <ac:chgData name="amy johnson" userId="25c68ebca75fcc76" providerId="LiveId" clId="{D2E9D5EE-8FC9-43E0-83E2-2F253631FD93}" dt="2024-11-12T00:31:31.050" v="876" actId="478"/>
+          <ac:picMkLst>
+            <pc:docMk/>
+            <pc:sldMk cId="941156980" sldId="257"/>
+            <ac:picMk id="6" creationId="{3E927C7A-42BF-4E82-A09E-1B65CE68A9E6}"/>
+          </ac:picMkLst>
+        </pc:picChg>
+        <pc:picChg chg="add del mod modCrop">
+          <ac:chgData name="amy johnson" userId="25c68ebca75fcc76" providerId="LiveId" clId="{D2E9D5EE-8FC9-43E0-83E2-2F253631FD93}" dt="2024-11-12T00:28:46.544" v="863" actId="478"/>
           <ac:picMkLst>
             <pc:docMk/>
             <pc:sldMk cId="941156980" sldId="257"/>
             <ac:picMk id="7" creationId="{A719DCFD-B4C1-4AD5-AC6B-AE6EFC4EB413}"/>
           </ac:picMkLst>
         </pc:picChg>
+        <pc:picChg chg="add mod ord">
+          <ac:chgData name="amy johnson" userId="25c68ebca75fcc76" providerId="LiveId" clId="{D2E9D5EE-8FC9-43E0-83E2-2F253631FD93}" dt="2024-11-12T00:31:49.022" v="882" actId="166"/>
+          <ac:picMkLst>
+            <pc:docMk/>
+            <pc:sldMk cId="941156980" sldId="257"/>
+            <ac:picMk id="10" creationId="{5BC1459E-B6A0-4EBA-8260-94CC800B8731}"/>
+          </ac:picMkLst>
+        </pc:picChg>
+        <pc:picChg chg="add mod">
+          <ac:chgData name="amy johnson" userId="25c68ebca75fcc76" providerId="LiveId" clId="{D2E9D5EE-8FC9-43E0-83E2-2F253631FD93}" dt="2024-11-12T00:31:42.898" v="881" actId="14100"/>
+          <ac:picMkLst>
+            <pc:docMk/>
+            <pc:sldMk cId="941156980" sldId="257"/>
+            <ac:picMk id="12" creationId="{8DA78037-669F-4469-BFBA-8582385AF0D8}"/>
+          </ac:picMkLst>
+        </pc:picChg>
       </pc:sldChg>
       <pc:sldChg chg="addSp delSp modSp new mod">
-        <pc:chgData name="amy johnson" userId="25c68ebca75fcc76" providerId="LiveId" clId="{D2E9D5EE-8FC9-43E0-83E2-2F253631FD93}" dt="2024-11-08T05:13:54.755" v="856" actId="20577"/>
+        <pc:chgData name="amy johnson" userId="25c68ebca75fcc76" providerId="LiveId" clId="{D2E9D5EE-8FC9-43E0-83E2-2F253631FD93}" dt="2024-11-12T00:21:57.580" v="857" actId="20577"/>
         <pc:sldMkLst>
           <pc:docMk/>
           <pc:sldMk cId="8857085" sldId="258"/>
@@ -283,7 +307,7 @@
           </ac:spMkLst>
         </pc:spChg>
         <pc:spChg chg="mod">
-          <ac:chgData name="amy johnson" userId="25c68ebca75fcc76" providerId="LiveId" clId="{D2E9D5EE-8FC9-43E0-83E2-2F253631FD93}" dt="2024-11-08T05:13:54.755" v="856" actId="20577"/>
+          <ac:chgData name="amy johnson" userId="25c68ebca75fcc76" providerId="LiveId" clId="{D2E9D5EE-8FC9-43E0-83E2-2F253631FD93}" dt="2024-11-12T00:21:57.580" v="857" actId="20577"/>
           <ac:spMkLst>
             <pc:docMk/>
             <pc:sldMk cId="8857085" sldId="258"/>
@@ -352,8 +376,8 @@
           </ac:spMkLst>
         </pc:spChg>
       </pc:sldChg>
-      <pc:sldChg chg="delSp modSp add mod">
-        <pc:chgData name="amy johnson" userId="25c68ebca75fcc76" providerId="LiveId" clId="{D2E9D5EE-8FC9-43E0-83E2-2F253631FD93}" dt="2024-11-08T04:00:48.754" v="707" actId="478"/>
+      <pc:sldChg chg="addSp delSp modSp add mod">
+        <pc:chgData name="amy johnson" userId="25c68ebca75fcc76" providerId="LiveId" clId="{D2E9D5EE-8FC9-43E0-83E2-2F253631FD93}" dt="2024-11-12T00:43:37.811" v="900" actId="14100"/>
         <pc:sldMkLst>
           <pc:docMk/>
           <pc:sldMk cId="2304352796" sldId="262"/>
@@ -374,12 +398,36 @@
             <ac:picMk id="5" creationId="{736D0001-5317-4497-98E1-0270C848D7A1}"/>
           </ac:picMkLst>
         </pc:picChg>
+        <pc:picChg chg="add mod">
+          <ac:chgData name="amy johnson" userId="25c68ebca75fcc76" providerId="LiveId" clId="{D2E9D5EE-8FC9-43E0-83E2-2F253631FD93}" dt="2024-11-12T00:33:43.962" v="893" actId="14100"/>
+          <ac:picMkLst>
+            <pc:docMk/>
+            <pc:sldMk cId="2304352796" sldId="262"/>
+            <ac:picMk id="5" creationId="{9C8E51D9-D754-4CD0-9DED-EFBA65916C2B}"/>
+          </ac:picMkLst>
+        </pc:picChg>
+        <pc:picChg chg="add del mod">
+          <ac:chgData name="amy johnson" userId="25c68ebca75fcc76" providerId="LiveId" clId="{D2E9D5EE-8FC9-43E0-83E2-2F253631FD93}" dt="2024-11-12T00:43:19.189" v="895" actId="478"/>
+          <ac:picMkLst>
+            <pc:docMk/>
+            <pc:sldMk cId="2304352796" sldId="262"/>
+            <ac:picMk id="7" creationId="{7B8440F6-8F8E-46E8-B8FF-624C7CC20B47}"/>
+          </ac:picMkLst>
+        </pc:picChg>
         <pc:picChg chg="del">
           <ac:chgData name="amy johnson" userId="25c68ebca75fcc76" providerId="LiveId" clId="{D2E9D5EE-8FC9-43E0-83E2-2F253631FD93}" dt="2024-11-08T04:00:48.754" v="707" actId="478"/>
           <ac:picMkLst>
             <pc:docMk/>
             <pc:sldMk cId="2304352796" sldId="262"/>
             <ac:picMk id="7" creationId="{A719DCFD-B4C1-4AD5-AC6B-AE6EFC4EB413}"/>
+          </ac:picMkLst>
+        </pc:picChg>
+        <pc:picChg chg="add mod modCrop">
+          <ac:chgData name="amy johnson" userId="25c68ebca75fcc76" providerId="LiveId" clId="{D2E9D5EE-8FC9-43E0-83E2-2F253631FD93}" dt="2024-11-12T00:43:37.811" v="900" actId="14100"/>
+          <ac:picMkLst>
+            <pc:docMk/>
+            <pc:sldMk cId="2304352796" sldId="262"/>
+            <ac:picMk id="10" creationId="{06520EC3-163C-4F02-8927-5A1ADEA4D390}"/>
           </ac:picMkLst>
         </pc:picChg>
       </pc:sldChg>
@@ -584,7 +632,7 @@
           <a:p>
             <a:fld id="{F3576400-C64E-4A7B-B26D-3DB992303269}" type="datetimeFigureOut">
               <a:rPr lang="en-US" smtClean="0"/>
-              <a:t>11/7/2024</a:t>
+              <a:t>11/11/2024</a:t>
             </a:fld>
             <a:endParaRPr lang="en-US"/>
           </a:p>
@@ -805,7 +853,7 @@
           <a:p>
             <a:fld id="{F3576400-C64E-4A7B-B26D-3DB992303269}" type="datetimeFigureOut">
               <a:rPr lang="en-US" smtClean="0"/>
-              <a:t>11/7/2024</a:t>
+              <a:t>11/11/2024</a:t>
             </a:fld>
             <a:endParaRPr lang="en-US"/>
           </a:p>
@@ -985,7 +1033,7 @@
           <a:p>
             <a:fld id="{F3576400-C64E-4A7B-B26D-3DB992303269}" type="datetimeFigureOut">
               <a:rPr lang="en-US" smtClean="0"/>
-              <a:t>11/7/2024</a:t>
+              <a:t>11/11/2024</a:t>
             </a:fld>
             <a:endParaRPr lang="en-US"/>
           </a:p>
@@ -1155,7 +1203,7 @@
           <a:p>
             <a:fld id="{F3576400-C64E-4A7B-B26D-3DB992303269}" type="datetimeFigureOut">
               <a:rPr lang="en-US" smtClean="0"/>
-              <a:t>11/7/2024</a:t>
+              <a:t>11/11/2024</a:t>
             </a:fld>
             <a:endParaRPr lang="en-US"/>
           </a:p>
@@ -1406,7 +1454,7 @@
           <a:p>
             <a:fld id="{F3576400-C64E-4A7B-B26D-3DB992303269}" type="datetimeFigureOut">
               <a:rPr lang="en-US" smtClean="0"/>
-              <a:t>11/7/2024</a:t>
+              <a:t>11/11/2024</a:t>
             </a:fld>
             <a:endParaRPr lang="en-US"/>
           </a:p>
@@ -1729,7 +1777,7 @@
           <a:p>
             <a:fld id="{F3576400-C64E-4A7B-B26D-3DB992303269}" type="datetimeFigureOut">
               <a:rPr lang="en-US" smtClean="0"/>
-              <a:t>11/7/2024</a:t>
+              <a:t>11/11/2024</a:t>
             </a:fld>
             <a:endParaRPr lang="en-US"/>
           </a:p>
@@ -2153,7 +2201,7 @@
           <a:p>
             <a:fld id="{F3576400-C64E-4A7B-B26D-3DB992303269}" type="datetimeFigureOut">
               <a:rPr lang="en-US" smtClean="0"/>
-              <a:t>11/7/2024</a:t>
+              <a:t>11/11/2024</a:t>
             </a:fld>
             <a:endParaRPr lang="en-US"/>
           </a:p>
@@ -2271,7 +2319,7 @@
           <a:p>
             <a:fld id="{F3576400-C64E-4A7B-B26D-3DB992303269}" type="datetimeFigureOut">
               <a:rPr lang="en-US" smtClean="0"/>
-              <a:t>11/7/2024</a:t>
+              <a:t>11/11/2024</a:t>
             </a:fld>
             <a:endParaRPr lang="en-US"/>
           </a:p>
@@ -2366,7 +2414,7 @@
           <a:p>
             <a:fld id="{F3576400-C64E-4A7B-B26D-3DB992303269}" type="datetimeFigureOut">
               <a:rPr lang="en-US" smtClean="0"/>
-              <a:t>11/7/2024</a:t>
+              <a:t>11/11/2024</a:t>
             </a:fld>
             <a:endParaRPr lang="en-US"/>
           </a:p>
@@ -2656,7 +2704,7 @@
           <a:p>
             <a:fld id="{F3576400-C64E-4A7B-B26D-3DB992303269}" type="datetimeFigureOut">
               <a:rPr lang="en-US" smtClean="0"/>
-              <a:t>11/7/2024</a:t>
+              <a:t>11/11/2024</a:t>
             </a:fld>
             <a:endParaRPr lang="en-US"/>
           </a:p>
@@ -2928,7 +2976,7 @@
           <a:p>
             <a:fld id="{F3576400-C64E-4A7B-B26D-3DB992303269}" type="datetimeFigureOut">
               <a:rPr lang="en-US" smtClean="0"/>
-              <a:t>11/7/2024</a:t>
+              <a:t>11/11/2024</a:t>
             </a:fld>
             <a:endParaRPr lang="en-US"/>
           </a:p>
@@ -3182,7 +3230,7 @@
           <a:p>
             <a:fld id="{F3576400-C64E-4A7B-B26D-3DB992303269}" type="datetimeFigureOut">
               <a:rPr lang="en-US" smtClean="0"/>
-              <a:t>11/7/2024</a:t>
+              <a:t>11/11/2024</a:t>
             </a:fld>
             <a:endParaRPr lang="en-US"/>
           </a:p>
@@ -3880,13 +3928,13 @@
             </a:pPr>
             <a:r>
               <a:rPr lang="en-US" sz="2400" b="1" dirty="0"/>
-              <a:t>Datasets were analyzed to determine trends and examine relationships between United States Median House Price </a:t>
-            </a:r>
-            <a:r>
-              <a:rPr lang="en-US" sz="2400" b="1"/>
-              <a:t>and:</a:t>
+              <a:t>Datasets were analyzed to determine trends and examine relationships between United States Median House Price and:</a:t>
             </a:r>
             <a:endParaRPr lang="en-US" dirty="0"/>
+          </a:p>
+          <a:p>
+            <a:pPr lvl="1"/>
+            <a:endParaRPr lang="en-US"/>
           </a:p>
           <a:p>
             <a:pPr lvl="1"/>
@@ -4052,8 +4100,8 @@
         </p:nvSpPr>
         <p:spPr>
           <a:xfrm>
-            <a:off x="7578970" y="3845170"/>
-            <a:ext cx="4300209" cy="2741284"/>
+            <a:off x="7276124" y="4486030"/>
+            <a:ext cx="4603056" cy="2100423"/>
           </a:xfrm>
         </p:spPr>
         <p:txBody>
@@ -4067,65 +4115,6 @@
           </a:p>
         </p:txBody>
       </p:sp>
-      <p:pic>
-        <p:nvPicPr>
-          <p:cNvPr id="5" name="Picture 4">
-            <a:extLst>
-              <a:ext uri="{FF2B5EF4-FFF2-40B4-BE49-F238E27FC236}">
-                <a16:creationId xmlns:a16="http://schemas.microsoft.com/office/drawing/2014/main" id="{736D0001-5317-4497-98E1-0270C848D7A1}"/>
-              </a:ext>
-            </a:extLst>
-          </p:cNvPr>
-          <p:cNvPicPr>
-            <a:picLocks noChangeAspect="1"/>
-          </p:cNvPicPr>
-          <p:nvPr/>
-        </p:nvPicPr>
-        <p:blipFill>
-          <a:blip r:embed="rId2"/>
-          <a:stretch>
-            <a:fillRect/>
-          </a:stretch>
-        </p:blipFill>
-        <p:spPr>
-          <a:xfrm>
-            <a:off x="235762" y="3018039"/>
-            <a:ext cx="7188853" cy="3594427"/>
-          </a:xfrm>
-          <a:prstGeom prst="rect">
-            <a:avLst/>
-          </a:prstGeom>
-        </p:spPr>
-      </p:pic>
-      <p:pic>
-        <p:nvPicPr>
-          <p:cNvPr id="7" name="Picture 6">
-            <a:extLst>
-              <a:ext uri="{FF2B5EF4-FFF2-40B4-BE49-F238E27FC236}">
-                <a16:creationId xmlns:a16="http://schemas.microsoft.com/office/drawing/2014/main" id="{A719DCFD-B4C1-4AD5-AC6B-AE6EFC4EB413}"/>
-              </a:ext>
-            </a:extLst>
-          </p:cNvPr>
-          <p:cNvPicPr>
-            <a:picLocks noChangeAspect="1"/>
-          </p:cNvPicPr>
-          <p:nvPr/>
-        </p:nvPicPr>
-        <p:blipFill rotWithShape="1">
-          <a:blip r:embed="rId3"/>
-          <a:srcRect t="509"/>
-          <a:stretch/>
-        </p:blipFill>
-        <p:spPr>
-          <a:xfrm>
-            <a:off x="7858798" y="820615"/>
-            <a:ext cx="4082216" cy="3050567"/>
-          </a:xfrm>
-          <a:prstGeom prst="rect">
-            <a:avLst/>
-          </a:prstGeom>
-        </p:spPr>
-      </p:pic>
       <p:sp>
         <p:nvSpPr>
           <p:cNvPr id="8" name="Content Placeholder 2">
@@ -4378,14 +4367,70 @@
             </a:lvl9pPr>
           </a:lstStyle>
           <a:p>
-            <a:r>
-              <a:rPr lang="en-US"/>
-              <a:t>comments</a:t>
-            </a:r>
             <a:endParaRPr lang="en-US" dirty="0"/>
           </a:p>
         </p:txBody>
       </p:sp>
+      <p:pic>
+        <p:nvPicPr>
+          <p:cNvPr id="12" name="Picture 11">
+            <a:extLst>
+              <a:ext uri="{FF2B5EF4-FFF2-40B4-BE49-F238E27FC236}">
+                <a16:creationId xmlns:a16="http://schemas.microsoft.com/office/drawing/2014/main" id="{8DA78037-669F-4469-BFBA-8582385AF0D8}"/>
+              </a:ext>
+            </a:extLst>
+          </p:cNvPr>
+          <p:cNvPicPr>
+            <a:picLocks noChangeAspect="1"/>
+          </p:cNvPicPr>
+          <p:nvPr/>
+        </p:nvPicPr>
+        <p:blipFill>
+          <a:blip r:embed="rId2"/>
+          <a:stretch>
+            <a:fillRect/>
+          </a:stretch>
+        </p:blipFill>
+        <p:spPr>
+          <a:xfrm>
+            <a:off x="244231" y="2989311"/>
+            <a:ext cx="6852138" cy="3623156"/>
+          </a:xfrm>
+          <a:prstGeom prst="rect">
+            <a:avLst/>
+          </a:prstGeom>
+        </p:spPr>
+      </p:pic>
+      <p:pic>
+        <p:nvPicPr>
+          <p:cNvPr id="10" name="Picture 9">
+            <a:extLst>
+              <a:ext uri="{FF2B5EF4-FFF2-40B4-BE49-F238E27FC236}">
+                <a16:creationId xmlns:a16="http://schemas.microsoft.com/office/drawing/2014/main" id="{5BC1459E-B6A0-4EBA-8260-94CC800B8731}"/>
+              </a:ext>
+            </a:extLst>
+          </p:cNvPr>
+          <p:cNvPicPr>
+            <a:picLocks noChangeAspect="1"/>
+          </p:cNvPicPr>
+          <p:nvPr/>
+        </p:nvPicPr>
+        <p:blipFill>
+          <a:blip r:embed="rId3"/>
+          <a:stretch>
+            <a:fillRect/>
+          </a:stretch>
+        </p:blipFill>
+        <p:spPr>
+          <a:xfrm>
+            <a:off x="6971322" y="864453"/>
+            <a:ext cx="4984261" cy="3732633"/>
+          </a:xfrm>
+          <a:prstGeom prst="rect">
+            <a:avLst/>
+          </a:prstGeom>
+        </p:spPr>
+      </p:pic>
     </p:spTree>
     <p:extLst>
       <p:ext uri="{BB962C8B-B14F-4D97-AF65-F5344CB8AC3E}">
@@ -4747,6 +4792,65 @@
           </a:p>
         </p:txBody>
       </p:sp>
+      <p:pic>
+        <p:nvPicPr>
+          <p:cNvPr id="5" name="Picture 4">
+            <a:extLst>
+              <a:ext uri="{FF2B5EF4-FFF2-40B4-BE49-F238E27FC236}">
+                <a16:creationId xmlns:a16="http://schemas.microsoft.com/office/drawing/2014/main" id="{9C8E51D9-D754-4CD0-9DED-EFBA65916C2B}"/>
+              </a:ext>
+            </a:extLst>
+          </p:cNvPr>
+          <p:cNvPicPr>
+            <a:picLocks noChangeAspect="1"/>
+          </p:cNvPicPr>
+          <p:nvPr/>
+        </p:nvPicPr>
+        <p:blipFill>
+          <a:blip r:embed="rId2"/>
+          <a:stretch>
+            <a:fillRect/>
+          </a:stretch>
+        </p:blipFill>
+        <p:spPr>
+          <a:xfrm>
+            <a:off x="235763" y="3218475"/>
+            <a:ext cx="6798084" cy="3393992"/>
+          </a:xfrm>
+          <a:prstGeom prst="rect">
+            <a:avLst/>
+          </a:prstGeom>
+        </p:spPr>
+      </p:pic>
+      <p:pic>
+        <p:nvPicPr>
+          <p:cNvPr id="10" name="Picture 9">
+            <a:extLst>
+              <a:ext uri="{FF2B5EF4-FFF2-40B4-BE49-F238E27FC236}">
+                <a16:creationId xmlns:a16="http://schemas.microsoft.com/office/drawing/2014/main" id="{06520EC3-163C-4F02-8927-5A1ADEA4D390}"/>
+              </a:ext>
+            </a:extLst>
+          </p:cNvPr>
+          <p:cNvPicPr>
+            <a:picLocks noChangeAspect="1"/>
+          </p:cNvPicPr>
+          <p:nvPr/>
+        </p:nvPicPr>
+        <p:blipFill rotWithShape="1">
+          <a:blip r:embed="rId3"/>
+          <a:srcRect t="1728"/>
+          <a:stretch/>
+        </p:blipFill>
+        <p:spPr>
+          <a:xfrm>
+            <a:off x="5972939" y="905203"/>
+            <a:ext cx="5983298" cy="2939967"/>
+          </a:xfrm>
+          <a:prstGeom prst="rect">
+            <a:avLst/>
+          </a:prstGeom>
+        </p:spPr>
+      </p:pic>
     </p:spTree>
     <p:extLst>
       <p:ext uri="{BB962C8B-B14F-4D97-AF65-F5344CB8AC3E}">

--- a/Presentation/Project-1_Group-8_Presentation-US_Housing_Market.pptx
+++ b/Presentation/Project-1_Group-8_Presentation-US_Housing_Market.pptx
@@ -9,10 +9,11 @@
     <p:sldId id="258" r:id="rId3"/>
     <p:sldId id="257" r:id="rId4"/>
     <p:sldId id="262" r:id="rId5"/>
-    <p:sldId id="263" r:id="rId6"/>
-    <p:sldId id="259" r:id="rId7"/>
-    <p:sldId id="260" r:id="rId8"/>
-    <p:sldId id="261" r:id="rId9"/>
+    <p:sldId id="264" r:id="rId6"/>
+    <p:sldId id="263" r:id="rId7"/>
+    <p:sldId id="259" r:id="rId8"/>
+    <p:sldId id="260" r:id="rId9"/>
+    <p:sldId id="261" r:id="rId10"/>
   </p:sldIdLst>
   <p:sldSz cx="12192000" cy="6858000"/>
   <p:notesSz cx="6858000" cy="9144000"/>
@@ -124,6 +125,7 @@
           <p14:sldIdLst>
             <p14:sldId id="257"/>
             <p14:sldId id="262"/>
+            <p14:sldId id="264"/>
           </p14:sldIdLst>
         </p14:section>
         <p14:section name="Interest Rates (Eduardo)" id="{B5034727-FAFC-463A-B671-E243F8A0FA5B}">
@@ -156,7 +158,7 @@
   <pc:docChgLst>
     <pc:chgData name="amy johnson" userId="25c68ebca75fcc76" providerId="LiveId" clId="{D2E9D5EE-8FC9-43E0-83E2-2F253631FD93}"/>
     <pc:docChg chg="undo custSel addSld modSld addSection modSection">
-      <pc:chgData name="amy johnson" userId="25c68ebca75fcc76" providerId="LiveId" clId="{D2E9D5EE-8FC9-43E0-83E2-2F253631FD93}" dt="2024-11-08T05:13:54.755" v="856" actId="20577"/>
+      <pc:chgData name="amy johnson" userId="25c68ebca75fcc76" providerId="LiveId" clId="{D2E9D5EE-8FC9-43E0-83E2-2F253631FD93}" dt="2024-11-12T03:40:46.229" v="862" actId="1076"/>
       <pc:docMkLst>
         <pc:docMk/>
       </pc:docMkLst>
@@ -382,6 +384,37 @@
             <pc:docMk/>
             <pc:sldMk cId="2304352796" sldId="262"/>
             <ac:picMk id="7" creationId="{A719DCFD-B4C1-4AD5-AC6B-AE6EFC4EB413}"/>
+          </ac:picMkLst>
+        </pc:picChg>
+      </pc:sldChg>
+      <pc:sldChg chg="addSp modSp new mod">
+        <pc:chgData name="amy johnson" userId="25c68ebca75fcc76" providerId="LiveId" clId="{D2E9D5EE-8FC9-43E0-83E2-2F253631FD93}" dt="2024-11-12T03:40:46.229" v="862" actId="1076"/>
+        <pc:sldMkLst>
+          <pc:docMk/>
+          <pc:sldMk cId="2905478279" sldId="264"/>
+        </pc:sldMkLst>
+        <pc:spChg chg="mod">
+          <ac:chgData name="amy johnson" userId="25c68ebca75fcc76" providerId="LiveId" clId="{D2E9D5EE-8FC9-43E0-83E2-2F253631FD93}" dt="2024-11-12T03:40:26.167" v="858" actId="14100"/>
+          <ac:spMkLst>
+            <pc:docMk/>
+            <pc:sldMk cId="2905478279" sldId="264"/>
+            <ac:spMk id="3" creationId="{F052FA26-59C7-4441-A4CB-C22D73A3E146}"/>
+          </ac:spMkLst>
+        </pc:spChg>
+        <pc:picChg chg="add mod">
+          <ac:chgData name="amy johnson" userId="25c68ebca75fcc76" providerId="LiveId" clId="{D2E9D5EE-8FC9-43E0-83E2-2F253631FD93}" dt="2024-11-12T03:40:29.464" v="860" actId="1076"/>
+          <ac:picMkLst>
+            <pc:docMk/>
+            <pc:sldMk cId="2905478279" sldId="264"/>
+            <ac:picMk id="5" creationId="{9EF28706-7C51-4A25-AEE7-38BC47A4A554}"/>
+          </ac:picMkLst>
+        </pc:picChg>
+        <pc:picChg chg="add mod">
+          <ac:chgData name="amy johnson" userId="25c68ebca75fcc76" providerId="LiveId" clId="{D2E9D5EE-8FC9-43E0-83E2-2F253631FD93}" dt="2024-11-12T03:40:46.229" v="862" actId="1076"/>
+          <ac:picMkLst>
+            <pc:docMk/>
+            <pc:sldMk cId="2905478279" sldId="264"/>
+            <ac:picMk id="7" creationId="{96C01241-E86A-45FA-9C94-3720ABC11CB6}"/>
           </ac:picMkLst>
         </pc:picChg>
       </pc:sldChg>
@@ -4765,6 +4798,151 @@
 <file path=ppt/slides/slide5.xml><?xml version="1.0" encoding="utf-8"?>
 <p:sld xmlns:a="http://schemas.openxmlformats.org/drawingml/2006/main" xmlns:r="http://schemas.openxmlformats.org/officeDocument/2006/relationships" xmlns:p="http://schemas.openxmlformats.org/presentationml/2006/main">
   <p:cSld>
+    <p:spTree>
+      <p:nvGrpSpPr>
+        <p:cNvPr id="1" name=""/>
+        <p:cNvGrpSpPr/>
+        <p:nvPr/>
+      </p:nvGrpSpPr>
+      <p:grpSpPr>
+        <a:xfrm>
+          <a:off x="0" y="0"/>
+          <a:ext cx="0" cy="0"/>
+          <a:chOff x="0" y="0"/>
+          <a:chExt cx="0" cy="0"/>
+        </a:xfrm>
+      </p:grpSpPr>
+      <p:sp>
+        <p:nvSpPr>
+          <p:cNvPr id="2" name="Title 1">
+            <a:extLst>
+              <a:ext uri="{FF2B5EF4-FFF2-40B4-BE49-F238E27FC236}">
+                <a16:creationId xmlns:a16="http://schemas.microsoft.com/office/drawing/2014/main" id="{7B8B6076-5968-4DB8-AEEE-0D92A975230D}"/>
+              </a:ext>
+            </a:extLst>
+          </p:cNvPr>
+          <p:cNvSpPr>
+            <a:spLocks noGrp="1"/>
+          </p:cNvSpPr>
+          <p:nvPr>
+            <p:ph type="title"/>
+          </p:nvPr>
+        </p:nvSpPr>
+        <p:spPr/>
+        <p:txBody>
+          <a:bodyPr/>
+          <a:lstStyle/>
+          <a:p>
+            <a:endParaRPr lang="en-US"/>
+          </a:p>
+        </p:txBody>
+      </p:sp>
+      <p:sp>
+        <p:nvSpPr>
+          <p:cNvPr id="3" name="Content Placeholder 2">
+            <a:extLst>
+              <a:ext uri="{FF2B5EF4-FFF2-40B4-BE49-F238E27FC236}">
+                <a16:creationId xmlns:a16="http://schemas.microsoft.com/office/drawing/2014/main" id="{F052FA26-59C7-4441-A4CB-C22D73A3E146}"/>
+              </a:ext>
+            </a:extLst>
+          </p:cNvPr>
+          <p:cNvSpPr>
+            <a:spLocks noGrp="1"/>
+          </p:cNvSpPr>
+          <p:nvPr>
+            <p:ph idx="1"/>
+          </p:nvPr>
+        </p:nvSpPr>
+        <p:spPr>
+          <a:xfrm>
+            <a:off x="6392985" y="2057400"/>
+            <a:ext cx="4622886" cy="4038600"/>
+          </a:xfrm>
+        </p:spPr>
+        <p:txBody>
+          <a:bodyPr/>
+          <a:lstStyle/>
+          <a:p>
+            <a:endParaRPr lang="en-US"/>
+          </a:p>
+        </p:txBody>
+      </p:sp>
+      <p:pic>
+        <p:nvPicPr>
+          <p:cNvPr id="5" name="Picture 4">
+            <a:extLst>
+              <a:ext uri="{FF2B5EF4-FFF2-40B4-BE49-F238E27FC236}">
+                <a16:creationId xmlns:a16="http://schemas.microsoft.com/office/drawing/2014/main" id="{9EF28706-7C51-4A25-AEE7-38BC47A4A554}"/>
+              </a:ext>
+            </a:extLst>
+          </p:cNvPr>
+          <p:cNvPicPr>
+            <a:picLocks noChangeAspect="1"/>
+          </p:cNvPicPr>
+          <p:nvPr/>
+        </p:nvPicPr>
+        <p:blipFill>
+          <a:blip r:embed="rId2"/>
+          <a:stretch>
+            <a:fillRect/>
+          </a:stretch>
+        </p:blipFill>
+        <p:spPr>
+          <a:xfrm>
+            <a:off x="510126" y="2166944"/>
+            <a:ext cx="5060118" cy="1539373"/>
+          </a:xfrm>
+          <a:prstGeom prst="rect">
+            <a:avLst/>
+          </a:prstGeom>
+        </p:spPr>
+      </p:pic>
+      <p:pic>
+        <p:nvPicPr>
+          <p:cNvPr id="7" name="Picture 6">
+            <a:extLst>
+              <a:ext uri="{FF2B5EF4-FFF2-40B4-BE49-F238E27FC236}">
+                <a16:creationId xmlns:a16="http://schemas.microsoft.com/office/drawing/2014/main" id="{96C01241-E86A-45FA-9C94-3720ABC11CB6}"/>
+              </a:ext>
+            </a:extLst>
+          </p:cNvPr>
+          <p:cNvPicPr>
+            <a:picLocks noChangeAspect="1"/>
+          </p:cNvPicPr>
+          <p:nvPr/>
+        </p:nvPicPr>
+        <p:blipFill>
+          <a:blip r:embed="rId3"/>
+          <a:stretch>
+            <a:fillRect/>
+          </a:stretch>
+        </p:blipFill>
+        <p:spPr>
+          <a:xfrm>
+            <a:off x="510126" y="4400028"/>
+            <a:ext cx="4122777" cy="762066"/>
+          </a:xfrm>
+          <a:prstGeom prst="rect">
+            <a:avLst/>
+          </a:prstGeom>
+        </p:spPr>
+      </p:pic>
+    </p:spTree>
+    <p:extLst>
+      <p:ext uri="{BB962C8B-B14F-4D97-AF65-F5344CB8AC3E}">
+        <p14:creationId xmlns:p14="http://schemas.microsoft.com/office/powerpoint/2010/main" val="2905478279"/>
+      </p:ext>
+    </p:extLst>
+  </p:cSld>
+  <p:clrMapOvr>
+    <a:masterClrMapping/>
+  </p:clrMapOvr>
+</p:sld>
+</file>
+
+<file path=ppt/slides/slide6.xml><?xml version="1.0" encoding="utf-8"?>
+<p:sld xmlns:a="http://schemas.openxmlformats.org/drawingml/2006/main" xmlns:r="http://schemas.openxmlformats.org/officeDocument/2006/relationships" xmlns:p="http://schemas.openxmlformats.org/presentationml/2006/main">
+  <p:cSld>
     <p:bg>
       <p:bgPr>
         <a:solidFill>
@@ -4998,7 +5176,7 @@
 </p:sld>
 </file>
 
-<file path=ppt/slides/slide6.xml><?xml version="1.0" encoding="utf-8"?>
+<file path=ppt/slides/slide7.xml><?xml version="1.0" encoding="utf-8"?>
 <p:sld xmlns:a="http://schemas.openxmlformats.org/drawingml/2006/main" xmlns:r="http://schemas.openxmlformats.org/officeDocument/2006/relationships" xmlns:p="http://schemas.openxmlformats.org/presentationml/2006/main">
   <p:cSld>
     <p:spTree>
@@ -5095,7 +5273,7 @@
 </p:sld>
 </file>
 
-<file path=ppt/slides/slide7.xml><?xml version="1.0" encoding="utf-8"?>
+<file path=ppt/slides/slide8.xml><?xml version="1.0" encoding="utf-8"?>
 <p:sld xmlns:a="http://schemas.openxmlformats.org/drawingml/2006/main" xmlns:r="http://schemas.openxmlformats.org/officeDocument/2006/relationships" xmlns:p="http://schemas.openxmlformats.org/presentationml/2006/main">
   <p:cSld>
     <p:spTree>
@@ -5193,7 +5371,7 @@
 </p:sld>
 </file>
 
-<file path=ppt/slides/slide8.xml><?xml version="1.0" encoding="utf-8"?>
+<file path=ppt/slides/slide9.xml><?xml version="1.0" encoding="utf-8"?>
 <p:sld xmlns:a="http://schemas.openxmlformats.org/drawingml/2006/main" xmlns:r="http://schemas.openxmlformats.org/officeDocument/2006/relationships" xmlns:p="http://schemas.openxmlformats.org/presentationml/2006/main">
   <p:cSld>
     <p:spTree>

--- a/Presentation/Project-1_Group-8_Presentation-US_Housing_Market.pptx
+++ b/Presentation/Project-1_Group-8_Presentation-US_Housing_Market.pptx
@@ -23,23 +23,11 @@
   <p:notesSz cx="6858000" cy="9144000"/>
   <p:embeddedFontLst>
     <p:embeddedFont>
-      <p:font typeface="Calibri" panose="020F0502020204030204" pitchFamily="34" charset="0"/>
+      <p:font typeface="Corbel" panose="020B0503020204020204" pitchFamily="34" charset="0"/>
       <p:regular r:id="rId13"/>
       <p:bold r:id="rId14"/>
       <p:italic r:id="rId15"/>
       <p:boldItalic r:id="rId16"/>
-    </p:embeddedFont>
-    <p:embeddedFont>
-      <p:font typeface="Calibri Light" panose="020F0302020204030204" pitchFamily="34" charset="0"/>
-      <p:regular r:id="rId17"/>
-      <p:italic r:id="rId18"/>
-    </p:embeddedFont>
-    <p:embeddedFont>
-      <p:font typeface="Corbel" panose="020B0503020204020204" pitchFamily="34" charset="0"/>
-      <p:regular r:id="rId19"/>
-      <p:bold r:id="rId20"/>
-      <p:italic r:id="rId21"/>
-      <p:boldItalic r:id="rId22"/>
     </p:embeddedFont>
   </p:embeddedFontLst>
   <p:defaultTextStyle>
@@ -180,7 +168,7 @@
       <p15:sldGuideLst xmlns:p15="http://schemas.microsoft.com/office/powerpoint/2012/main"/>
     </p:ext>
     <p:ext uri="GoogleSlidesCustomDataVersion2">
-      <go:slidesCustomData xmlns:go="http://customooxmlschemas.google.com/" xmlns:ahyp="http://schemas.microsoft.com/office/drawing/2018/hyperlinkcolor" xmlns:p15="http://schemas.microsoft.com/office/powerpoint/2012/main" xmlns:p14="http://schemas.microsoft.com/office/powerpoint/2010/main" xmlns:com="http://schemas.openxmlformats.org/drawingml/2006/compatibility" xmlns:pvml="urn:schemas-microsoft-com:office:powerpoint" xmlns:v="urn:schemas-microsoft-com:vml" xmlns:o="urn:schemas-microsoft-com:office:office" xmlns:dgm="http://schemas.openxmlformats.org/drawingml/2006/diagram" xmlns:c="http://schemas.openxmlformats.org/drawingml/2006/chart" xmlns:mv="urn:schemas-microsoft-com:mac:vml" xmlns:mc="http://schemas.openxmlformats.org/markup-compatibility/2006" xmlns="" r:id="rId23" roundtripDataSignature="AMtx7mgyFFyykRKaI0yPxeFl06r0fjjhbQ=="/>
+      <go:slidesCustomData xmlns="" xmlns:mc="http://schemas.openxmlformats.org/markup-compatibility/2006" xmlns:mv="urn:schemas-microsoft-com:mac:vml" xmlns:c="http://schemas.openxmlformats.org/drawingml/2006/chart" xmlns:dgm="http://schemas.openxmlformats.org/drawingml/2006/diagram" xmlns:o="urn:schemas-microsoft-com:office:office" xmlns:v="urn:schemas-microsoft-com:vml" xmlns:pvml="urn:schemas-microsoft-com:office:powerpoint" xmlns:com="http://schemas.openxmlformats.org/drawingml/2006/compatibility" xmlns:p14="http://schemas.microsoft.com/office/powerpoint/2010/main" xmlns:p15="http://schemas.microsoft.com/office/powerpoint/2012/main" xmlns:ahyp="http://schemas.microsoft.com/office/drawing/2018/hyperlinkcolor" xmlns:go="http://customooxmlschemas.google.com/" r:id="rId23" roundtripDataSignature="AMtx7mgyFFyykRKaI0yPxeFl06r0fjjhbQ=="/>
     </p:ext>
   </p:extLst>
 </p:presentation>
@@ -452,13 +440,6 @@
             <ac:spMk id="124" creationId="{00000000-0000-0000-0000-000000000000}"/>
           </ac:spMkLst>
         </pc:spChg>
-      </pc:sldChg>
-      <pc:sldChg chg="add">
-        <pc:chgData name="amy johnson" userId="25c68ebca75fcc76" providerId="LiveId" clId="{D2E9D5EE-8FC9-43E0-83E2-2F253631FD93}" dt="2024-11-13T01:57:01.222" v="1228"/>
-        <pc:sldMkLst>
-          <pc:docMk/>
-          <pc:sldMk cId="3038296865" sldId="262"/>
-        </pc:sldMkLst>
       </pc:sldChg>
       <pc:sldChg chg="modSp del mod modNotes">
         <pc:chgData name="amy johnson" userId="25c68ebca75fcc76" providerId="LiveId" clId="{D2E9D5EE-8FC9-43E0-83E2-2F253631FD93}" dt="2024-11-13T02:19:45.362" v="1410" actId="47"/>
@@ -5542,7 +5523,11 @@
             </a:pPr>
             <a:r>
               <a:rPr lang="en-US" dirty="0"/>
-              <a:t>Household Income is steadily increasing but so is house price</a:t>
+              <a:t>Household Income is steadily increasing but so is </a:t>
+            </a:r>
+            <a:r>
+              <a:rPr lang="en-US"/>
+              <a:t>house price.</a:t>
             </a:r>
             <a:endParaRPr dirty="0"/>
           </a:p>
@@ -5591,6 +5576,41 @@
               <a:rPr lang="en-US" dirty="0"/>
               <a:t>but so is supply.</a:t>
             </a:r>
+          </a:p>
+          <a:p>
+            <a:pPr marL="457200" lvl="1" indent="-182880">
+              <a:spcBef>
+                <a:spcPts val="600"/>
+              </a:spcBef>
+              <a:buSzPts val="1600"/>
+            </a:pPr>
+            <a:r>
+              <a:rPr lang="en-US" dirty="0"/>
+              <a:t>May be easier to afford</a:t>
+            </a:r>
+            <a:br>
+              <a:rPr lang="en-US" dirty="0"/>
+            </a:br>
+            <a:r>
+              <a:rPr lang="en-US" dirty="0"/>
+              <a:t>as unemployment rate drops.</a:t>
+            </a:r>
+          </a:p>
+          <a:p>
+            <a:pPr marL="457200" lvl="1" indent="-182880" algn="l" rtl="0">
+              <a:lnSpc>
+                <a:spcPct val="90000"/>
+              </a:lnSpc>
+              <a:spcBef>
+                <a:spcPts val="600"/>
+              </a:spcBef>
+              <a:spcAft>
+                <a:spcPts val="0"/>
+              </a:spcAft>
+              <a:buSzPts val="1600"/>
+              <a:buChar char="•"/>
+            </a:pPr>
+            <a:endParaRPr lang="en-US" dirty="0"/>
           </a:p>
           <a:p>
             <a:pPr marL="457200" lvl="1" indent="-182880" algn="l" rtl="0">

--- a/Presentation/Project-1_Group-8_Presentation-US_Housing_Market.pptx
+++ b/Presentation/Project-1_Group-8_Presentation-US_Housing_Market.pptx
@@ -168,7 +168,7 @@
       <p15:sldGuideLst xmlns:p15="http://schemas.microsoft.com/office/powerpoint/2012/main"/>
     </p:ext>
     <p:ext uri="GoogleSlidesCustomDataVersion2">
-      <go:slidesCustomData xmlns="" xmlns:mc="http://schemas.openxmlformats.org/markup-compatibility/2006" xmlns:mv="urn:schemas-microsoft-com:mac:vml" xmlns:c="http://schemas.openxmlformats.org/drawingml/2006/chart" xmlns:dgm="http://schemas.openxmlformats.org/drawingml/2006/diagram" xmlns:o="urn:schemas-microsoft-com:office:office" xmlns:v="urn:schemas-microsoft-com:vml" xmlns:pvml="urn:schemas-microsoft-com:office:powerpoint" xmlns:com="http://schemas.openxmlformats.org/drawingml/2006/compatibility" xmlns:p14="http://schemas.microsoft.com/office/powerpoint/2010/main" xmlns:p15="http://schemas.microsoft.com/office/powerpoint/2012/main" xmlns:ahyp="http://schemas.microsoft.com/office/drawing/2018/hyperlinkcolor" xmlns:go="http://customooxmlschemas.google.com/" r:id="rId23" roundtripDataSignature="AMtx7mgyFFyykRKaI0yPxeFl06r0fjjhbQ=="/>
+      <go:slidesCustomData xmlns:go="http://customooxmlschemas.google.com/" xmlns:ahyp="http://schemas.microsoft.com/office/drawing/2018/hyperlinkcolor" xmlns:p15="http://schemas.microsoft.com/office/powerpoint/2012/main" xmlns:p14="http://schemas.microsoft.com/office/powerpoint/2010/main" xmlns:com="http://schemas.openxmlformats.org/drawingml/2006/compatibility" xmlns:pvml="urn:schemas-microsoft-com:office:powerpoint" xmlns:v="urn:schemas-microsoft-com:vml" xmlns:o="urn:schemas-microsoft-com:office:office" xmlns:dgm="http://schemas.openxmlformats.org/drawingml/2006/diagram" xmlns:c="http://schemas.openxmlformats.org/drawingml/2006/chart" xmlns:mv="urn:schemas-microsoft-com:mac:vml" xmlns:mc="http://schemas.openxmlformats.org/markup-compatibility/2006" xmlns="" r:id="rId23" roundtripDataSignature="AMtx7mgyFFyykRKaI0yPxeFl06r0fjjhbQ=="/>
     </p:ext>
   </p:extLst>
 </p:presentation>
@@ -5835,7 +5835,9 @@
               <a:buChar char="•"/>
             </a:pPr>
             <a:r>
-              <a:rPr lang="en-US" dirty="0"/>
+              <a:rPr lang="en-US" dirty="0">
+                <a:hlinkClick r:id="rId3"/>
+              </a:rPr>
               <a:t>Median Household Income</a:t>
             </a:r>
             <a:endParaRPr dirty="0"/>
@@ -5855,7 +5857,9 @@
               <a:buChar char="•"/>
             </a:pPr>
             <a:r>
-              <a:rPr lang="en-US" dirty="0"/>
+              <a:rPr lang="en-US" dirty="0">
+                <a:hlinkClick r:id="rId4"/>
+              </a:rPr>
               <a:t>Inflation Rate</a:t>
             </a:r>
             <a:endParaRPr dirty="0"/>
@@ -5875,7 +5879,9 @@
               <a:buChar char="•"/>
             </a:pPr>
             <a:r>
-              <a:rPr lang="en-US" dirty="0"/>
+              <a:rPr lang="en-US" dirty="0">
+                <a:hlinkClick r:id="rId5"/>
+              </a:rPr>
               <a:t>Interest Rates</a:t>
             </a:r>
             <a:endParaRPr dirty="0"/>
@@ -5895,7 +5901,9 @@
               <a:buChar char="•"/>
             </a:pPr>
             <a:r>
-              <a:rPr lang="en-US" dirty="0"/>
+              <a:rPr lang="en-US" dirty="0">
+                <a:hlinkClick r:id="rId6"/>
+              </a:rPr>
               <a:t>Population Growth</a:t>
             </a:r>
             <a:endParaRPr dirty="0"/>
@@ -5915,7 +5923,9 @@
               <a:buChar char="•"/>
             </a:pPr>
             <a:r>
-              <a:rPr lang="en-US" dirty="0"/>
+              <a:rPr lang="en-US" dirty="0">
+                <a:hlinkClick r:id="rId7"/>
+              </a:rPr>
               <a:t>Housing Inventory</a:t>
             </a:r>
             <a:endParaRPr dirty="0"/>
@@ -5935,26 +5945,12 @@
               <a:buChar char="•"/>
             </a:pPr>
             <a:r>
-              <a:rPr lang="en-US" dirty="0"/>
+              <a:rPr lang="en-US" dirty="0">
+                <a:hlinkClick r:id="rId8"/>
+              </a:rPr>
               <a:t>Unemployment Rate</a:t>
             </a:r>
-            <a:endParaRPr dirty="0"/>
-          </a:p>
-          <a:p>
-            <a:pPr marL="457200" lvl="1" indent="-81279" algn="l" rtl="0">
-              <a:lnSpc>
-                <a:spcPct val="90000"/>
-              </a:lnSpc>
-              <a:spcBef>
-                <a:spcPts val="600"/>
-              </a:spcBef>
-              <a:spcAft>
-                <a:spcPts val="0"/>
-              </a:spcAft>
-              <a:buSzPts val="1600"/>
-              <a:buNone/>
-            </a:pPr>
-            <a:endParaRPr dirty="0"/>
+            <a:endParaRPr lang="en-US" dirty="0"/>
           </a:p>
         </p:txBody>
       </p:sp>
@@ -5965,7 +5961,7 @@
           <p:nvPr/>
         </p:nvPicPr>
         <p:blipFill rotWithShape="1">
-          <a:blip r:embed="rId3">
+          <a:blip r:embed="rId9">
             <a:alphaModFix/>
           </a:blip>
           <a:srcRect/>
@@ -7589,10 +7585,10 @@
       </p:sp>
       <p:pic>
         <p:nvPicPr>
-          <p:cNvPr id="3" name="Picture 2" descr="A graph showing a line of growth&#10;&#10;Description automatically generated with medium confidence">
-            <a:extLst>
-              <a:ext uri="{FF2B5EF4-FFF2-40B4-BE49-F238E27FC236}">
-                <a16:creationId xmlns:a16="http://schemas.microsoft.com/office/drawing/2014/main" id="{9A9AFF64-E44A-B30C-FD45-98792788F31B}"/>
+          <p:cNvPr id="10" name="Picture 9" descr="A graph with a line going up&#10;&#10;Description automatically generated">
+            <a:extLst>
+              <a:ext uri="{FF2B5EF4-FFF2-40B4-BE49-F238E27FC236}">
+                <a16:creationId xmlns:a16="http://schemas.microsoft.com/office/drawing/2014/main" id="{93DD1970-29E7-9547-605A-3138F6BE4173}"/>
               </a:ext>
             </a:extLst>
           </p:cNvPr>
@@ -7603,14 +7599,13 @@
         </p:nvPicPr>
         <p:blipFill>
           <a:blip r:embed="rId3"/>
-          <a:stretch>
-            <a:fillRect/>
-          </a:stretch>
+          <a:srcRect b="1108"/>
+          <a:stretch/>
         </p:blipFill>
         <p:spPr>
           <a:xfrm>
-            <a:off x="300810" y="1013011"/>
-            <a:ext cx="5743797" cy="4307848"/>
+            <a:off x="6280023" y="1631282"/>
+            <a:ext cx="5547885" cy="4114800"/>
           </a:xfrm>
           <a:prstGeom prst="rect">
             <a:avLst/>
@@ -7619,10 +7614,10 @@
       </p:pic>
       <p:pic>
         <p:nvPicPr>
-          <p:cNvPr id="10" name="Picture 9" descr="A graph with a line going up&#10;&#10;Description automatically generated">
-            <a:extLst>
-              <a:ext uri="{FF2B5EF4-FFF2-40B4-BE49-F238E27FC236}">
-                <a16:creationId xmlns:a16="http://schemas.microsoft.com/office/drawing/2014/main" id="{93DD1970-29E7-9547-605A-3138F6BE4173}"/>
+          <p:cNvPr id="6" name="Picture 5" descr="A graph showing the price of a house&#10;&#10;Description automatically generated">
+            <a:extLst>
+              <a:ext uri="{FF2B5EF4-FFF2-40B4-BE49-F238E27FC236}">
+                <a16:creationId xmlns:a16="http://schemas.microsoft.com/office/drawing/2014/main" id="{CB642275-02C9-9D54-ABAB-7706209612AC}"/>
               </a:ext>
             </a:extLst>
           </p:cNvPr>
@@ -7633,13 +7628,14 @@
         </p:nvPicPr>
         <p:blipFill>
           <a:blip r:embed="rId4"/>
-          <a:srcRect b="1108"/>
-          <a:stretch/>
+          <a:stretch>
+            <a:fillRect/>
+          </a:stretch>
         </p:blipFill>
         <p:spPr>
           <a:xfrm>
-            <a:off x="6147393" y="2187387"/>
-            <a:ext cx="5664053" cy="4200961"/>
+            <a:off x="282885" y="1793236"/>
+            <a:ext cx="5486400" cy="4114800"/>
           </a:xfrm>
           <a:prstGeom prst="rect">
             <a:avLst/>

--- a/Presentation/Project-1_Group-8_Presentation-US_Housing_Market.pptx
+++ b/Presentation/Project-1_Group-8_Presentation-US_Housing_Market.pptx
@@ -168,7 +168,7 @@
       <p15:sldGuideLst xmlns:p15="http://schemas.microsoft.com/office/powerpoint/2012/main"/>
     </p:ext>
     <p:ext uri="GoogleSlidesCustomDataVersion2">
-      <go:slidesCustomData xmlns:go="http://customooxmlschemas.google.com/" xmlns:ahyp="http://schemas.microsoft.com/office/drawing/2018/hyperlinkcolor" xmlns:p15="http://schemas.microsoft.com/office/powerpoint/2012/main" xmlns:p14="http://schemas.microsoft.com/office/powerpoint/2010/main" xmlns:com="http://schemas.openxmlformats.org/drawingml/2006/compatibility" xmlns:pvml="urn:schemas-microsoft-com:office:powerpoint" xmlns:v="urn:schemas-microsoft-com:vml" xmlns:o="urn:schemas-microsoft-com:office:office" xmlns:dgm="http://schemas.openxmlformats.org/drawingml/2006/diagram" xmlns:c="http://schemas.openxmlformats.org/drawingml/2006/chart" xmlns:mv="urn:schemas-microsoft-com:mac:vml" xmlns:mc="http://schemas.openxmlformats.org/markup-compatibility/2006" xmlns="" r:id="rId23" roundtripDataSignature="AMtx7mgyFFyykRKaI0yPxeFl06r0fjjhbQ=="/>
+      <go:slidesCustomData xmlns="" xmlns:mc="http://schemas.openxmlformats.org/markup-compatibility/2006" xmlns:mv="urn:schemas-microsoft-com:mac:vml" xmlns:c="http://schemas.openxmlformats.org/drawingml/2006/chart" xmlns:dgm="http://schemas.openxmlformats.org/drawingml/2006/diagram" xmlns:o="urn:schemas-microsoft-com:office:office" xmlns:v="urn:schemas-microsoft-com:vml" xmlns:pvml="urn:schemas-microsoft-com:office:powerpoint" xmlns:com="http://schemas.openxmlformats.org/drawingml/2006/compatibility" xmlns:p14="http://schemas.microsoft.com/office/powerpoint/2010/main" xmlns:p15="http://schemas.microsoft.com/office/powerpoint/2012/main" xmlns:ahyp="http://schemas.microsoft.com/office/drawing/2018/hyperlinkcolor" xmlns:go="http://customooxmlschemas.google.com/" r:id="rId23" roundtripDataSignature="AMtx7mgyFFyykRKaI0yPxeFl06r0fjjhbQ=="/>
     </p:ext>
   </p:extLst>
 </p:presentation>
@@ -7604,7 +7604,7 @@
         </p:blipFill>
         <p:spPr>
           <a:xfrm>
-            <a:off x="6280023" y="1631282"/>
+            <a:off x="6280023" y="833420"/>
             <a:ext cx="5547885" cy="4114800"/>
           </a:xfrm>
           <a:prstGeom prst="rect">
@@ -7634,7 +7634,7 @@
         </p:blipFill>
         <p:spPr>
           <a:xfrm>
-            <a:off x="282885" y="1793236"/>
+            <a:off x="282885" y="2501449"/>
             <a:ext cx="5486400" cy="4114800"/>
           </a:xfrm>
           <a:prstGeom prst="rect">
@@ -7642,6 +7642,104 @@
           </a:prstGeom>
         </p:spPr>
       </p:pic>
+      <p:sp>
+        <p:nvSpPr>
+          <p:cNvPr id="2" name="TextBox 1">
+            <a:extLst>
+              <a:ext uri="{FF2B5EF4-FFF2-40B4-BE49-F238E27FC236}">
+                <a16:creationId xmlns:a16="http://schemas.microsoft.com/office/drawing/2014/main" id="{79200883-CD89-68B6-F2CD-4789E7F7010F}"/>
+              </a:ext>
+            </a:extLst>
+          </p:cNvPr>
+          <p:cNvSpPr txBox="1"/>
+          <p:nvPr/>
+        </p:nvSpPr>
+        <p:spPr>
+          <a:xfrm>
+            <a:off x="493555" y="1417083"/>
+            <a:ext cx="5065059" cy="1077218"/>
+          </a:xfrm>
+          <a:prstGeom prst="rect">
+            <a:avLst/>
+          </a:prstGeom>
+          <a:noFill/>
+        </p:spPr>
+        <p:txBody>
+          <a:bodyPr wrap="square" rtlCol="0">
+            <a:spAutoFit/>
+          </a:bodyPr>
+          <a:lstStyle/>
+          <a:p>
+            <a:pPr marL="285750" indent="-285750">
+              <a:buFont typeface="Arial" panose="020B0604020202020204" pitchFamily="34" charset="0"/>
+              <a:buChar char="•"/>
+            </a:pPr>
+            <a:r>
+              <a:rPr lang="en-US" sz="1600" dirty="0"/>
+              <a:t>Demand was calculated using the difference in population divided by the average household size.</a:t>
+            </a:r>
+          </a:p>
+          <a:p>
+            <a:pPr marL="285750" indent="-285750">
+              <a:buFont typeface="Arial" panose="020B0604020202020204" pitchFamily="34" charset="0"/>
+              <a:buChar char="•"/>
+            </a:pPr>
+            <a:r>
+              <a:rPr lang="en-US" sz="1600" dirty="0"/>
+              <a:t>As seen in 2008, Demand lowering resulted in house prices lowering as well. </a:t>
+            </a:r>
+          </a:p>
+        </p:txBody>
+      </p:sp>
+      <p:sp>
+        <p:nvSpPr>
+          <p:cNvPr id="3" name="TextBox 2">
+            <a:extLst>
+              <a:ext uri="{FF2B5EF4-FFF2-40B4-BE49-F238E27FC236}">
+                <a16:creationId xmlns:a16="http://schemas.microsoft.com/office/drawing/2014/main" id="{4D9CEC96-341E-ACEE-D81A-425C33D99751}"/>
+              </a:ext>
+            </a:extLst>
+          </p:cNvPr>
+          <p:cNvSpPr txBox="1"/>
+          <p:nvPr/>
+        </p:nvSpPr>
+        <p:spPr>
+          <a:xfrm>
+            <a:off x="6853130" y="5037868"/>
+            <a:ext cx="5065059" cy="1323439"/>
+          </a:xfrm>
+          <a:prstGeom prst="rect">
+            <a:avLst/>
+          </a:prstGeom>
+          <a:noFill/>
+        </p:spPr>
+        <p:txBody>
+          <a:bodyPr wrap="square" rtlCol="0">
+            <a:spAutoFit/>
+          </a:bodyPr>
+          <a:lstStyle/>
+          <a:p>
+            <a:pPr marL="285750" indent="-285750">
+              <a:buFont typeface="Arial" panose="020B0604020202020204" pitchFamily="34" charset="0"/>
+              <a:buChar char="•"/>
+            </a:pPr>
+            <a:r>
+              <a:rPr lang="en-US" sz="1600" dirty="0"/>
+              <a:t>The Supply ratio is the number of new houses for sale to new houses sold.</a:t>
+            </a:r>
+          </a:p>
+          <a:p>
+            <a:pPr marL="285750" indent="-285750">
+              <a:buFont typeface="Arial" panose="020B0604020202020204" pitchFamily="34" charset="0"/>
+              <a:buChar char="•"/>
+            </a:pPr>
+            <a:r>
+              <a:rPr lang="en-US" sz="1600" dirty="0"/>
+              <a:t>In 2021, supply had dropped significantly due to the pandemic, partially resulting in the large rise in house price for 2022.</a:t>
+            </a:r>
+          </a:p>
+        </p:txBody>
+      </p:sp>
     </p:spTree>
   </p:cSld>
   <p:clrMapOvr>
